--- a/Presentation/Asynchronous Android.pptx
+++ b/Presentation/Asynchronous Android.pptx
@@ -5,22 +5,50 @@
     <p:sldMasterId id="2147483680" r:id="rId1"/>
   </p:sldMasterIdLst>
   <p:notesMasterIdLst>
-    <p:notesMasterId r:id="rId12"/>
+    <p:notesMasterId r:id="rId40"/>
   </p:notesMasterIdLst>
   <p:handoutMasterIdLst>
-    <p:handoutMasterId r:id="rId13"/>
+    <p:handoutMasterId r:id="rId41"/>
   </p:handoutMasterIdLst>
   <p:sldIdLst>
     <p:sldId id="649" r:id="rId2"/>
-    <p:sldId id="656" r:id="rId3"/>
-    <p:sldId id="648" r:id="rId4"/>
-    <p:sldId id="615" r:id="rId5"/>
-    <p:sldId id="650" r:id="rId6"/>
-    <p:sldId id="655" r:id="rId7"/>
-    <p:sldId id="651" r:id="rId8"/>
-    <p:sldId id="652" r:id="rId9"/>
-    <p:sldId id="653" r:id="rId10"/>
-    <p:sldId id="654" r:id="rId11"/>
+    <p:sldId id="661" r:id="rId3"/>
+    <p:sldId id="660" r:id="rId4"/>
+    <p:sldId id="675" r:id="rId5"/>
+    <p:sldId id="658" r:id="rId6"/>
+    <p:sldId id="662" r:id="rId7"/>
+    <p:sldId id="687" r:id="rId8"/>
+    <p:sldId id="663" r:id="rId9"/>
+    <p:sldId id="664" r:id="rId10"/>
+    <p:sldId id="665" r:id="rId11"/>
+    <p:sldId id="666" r:id="rId12"/>
+    <p:sldId id="667" r:id="rId13"/>
+    <p:sldId id="668" r:id="rId14"/>
+    <p:sldId id="669" r:id="rId15"/>
+    <p:sldId id="657" r:id="rId16"/>
+    <p:sldId id="670" r:id="rId17"/>
+    <p:sldId id="671" r:id="rId18"/>
+    <p:sldId id="673" r:id="rId19"/>
+    <p:sldId id="674" r:id="rId20"/>
+    <p:sldId id="676" r:id="rId21"/>
+    <p:sldId id="682" r:id="rId22"/>
+    <p:sldId id="677" r:id="rId23"/>
+    <p:sldId id="684" r:id="rId24"/>
+    <p:sldId id="686" r:id="rId25"/>
+    <p:sldId id="659" r:id="rId26"/>
+    <p:sldId id="683" r:id="rId27"/>
+    <p:sldId id="685" r:id="rId28"/>
+    <p:sldId id="678" r:id="rId29"/>
+    <p:sldId id="680" r:id="rId30"/>
+    <p:sldId id="681" r:id="rId31"/>
+    <p:sldId id="648" r:id="rId32"/>
+    <p:sldId id="615" r:id="rId33"/>
+    <p:sldId id="650" r:id="rId34"/>
+    <p:sldId id="655" r:id="rId35"/>
+    <p:sldId id="651" r:id="rId36"/>
+    <p:sldId id="652" r:id="rId37"/>
+    <p:sldId id="653" r:id="rId38"/>
+    <p:sldId id="654" r:id="rId39"/>
   </p:sldIdLst>
   <p:sldSz cx="9144000" cy="6858000" type="screen4x3"/>
   <p:notesSz cx="6794500" cy="9918700"/>
@@ -179,7 +207,7 @@
             </a:lvl1pPr>
           </a:lstStyle>
           <a:p>
-            <a:endParaRPr lang="en-US"/>
+            <a:endParaRPr lang="en-US" dirty="0"/>
           </a:p>
         </p:txBody>
       </p:sp>
@@ -212,9 +240,9 @@
           <a:p>
             <a:fld id="{51D56726-C2D0-DD49-9123-7D45E59E6C01}" type="datetimeFigureOut">
               <a:rPr lang="en-US" smtClean="0"/>
-              <a:t>4/1/2014</a:t>
+              <a:t>4/5/2014</a:t>
             </a:fld>
-            <a:endParaRPr lang="en-US"/>
+            <a:endParaRPr lang="en-US" dirty="0"/>
           </a:p>
         </p:txBody>
       </p:sp>
@@ -245,7 +273,7 @@
             </a:lvl1pPr>
           </a:lstStyle>
           <a:p>
-            <a:endParaRPr lang="en-US"/>
+            <a:endParaRPr lang="en-US" dirty="0"/>
           </a:p>
         </p:txBody>
       </p:sp>
@@ -280,7 +308,7 @@
               <a:rPr lang="en-US" smtClean="0"/>
               <a:t>‹#›</a:t>
             </a:fld>
-            <a:endParaRPr lang="en-US"/>
+            <a:endParaRPr lang="en-US" dirty="0"/>
           </a:p>
         </p:txBody>
       </p:sp>
@@ -344,7 +372,7 @@
             </a:lvl1pPr>
           </a:lstStyle>
           <a:p>
-            <a:endParaRPr lang="en-US"/>
+            <a:endParaRPr lang="en-US" dirty="0"/>
           </a:p>
         </p:txBody>
       </p:sp>
@@ -378,9 +406,9 @@
             <a:fld id="{4FA6C106-1CF6-45FA-B4BD-9734DCB2F64C}" type="datetimeFigureOut">
               <a:rPr lang="en-US" smtClean="0"/>
               <a:pPr/>
-              <a:t>4/1/2014</a:t>
+              <a:t>4/5/2014</a:t>
             </a:fld>
-            <a:endParaRPr lang="en-US"/>
+            <a:endParaRPr lang="en-US" dirty="0"/>
           </a:p>
         </p:txBody>
       </p:sp>
@@ -413,7 +441,7 @@
           <a:bodyPr vert="horz" lIns="92700" tIns="46350" rIns="92700" bIns="46350" rtlCol="0" anchor="ctr"/>
           <a:lstStyle/>
           <a:p>
-            <a:endParaRPr lang="en-US"/>
+            <a:endParaRPr lang="en-US" dirty="0"/>
           </a:p>
         </p:txBody>
       </p:sp>
@@ -504,7 +532,7 @@
             </a:lvl1pPr>
           </a:lstStyle>
           <a:p>
-            <a:endParaRPr lang="en-US"/>
+            <a:endParaRPr lang="en-US" dirty="0"/>
           </a:p>
         </p:txBody>
       </p:sp>
@@ -540,7 +568,7 @@
               <a:pPr/>
               <a:t>‹#›</a:t>
             </a:fld>
-            <a:endParaRPr lang="en-US"/>
+            <a:endParaRPr lang="en-US" dirty="0"/>
           </a:p>
         </p:txBody>
       </p:sp>
@@ -691,26 +719,6 @@
           <a:bodyPr/>
           <a:lstStyle/>
           <a:p>
-            <a:r>
-              <a:rPr lang="en-GB" dirty="0" smtClean="0"/>
-              <a:t>Traffic is a ‘hyper-local</a:t>
-            </a:r>
-            <a:r>
-              <a:rPr lang="en-GB" baseline="0" dirty="0" smtClean="0"/>
-              <a:t>’ issue</a:t>
-            </a:r>
-          </a:p>
-          <a:p>
-            <a:r>
-              <a:rPr lang="en-GB" baseline="0" dirty="0" smtClean="0"/>
-              <a:t>Also regional problem</a:t>
-            </a:r>
-          </a:p>
-          <a:p>
-            <a:r>
-              <a:rPr lang="en-GB" baseline="0" dirty="0" smtClean="0"/>
-              <a:t>Traffic is a global issue</a:t>
-            </a:r>
             <a:endParaRPr lang="en-GB" dirty="0"/>
           </a:p>
         </p:txBody>
@@ -736,6 +744,1136 @@
               <a:t>3</a:t>
             </a:fld>
             <a:endParaRPr lang="en-US"/>
+          </a:p>
+        </p:txBody>
+      </p:sp>
+    </p:spTree>
+    <p:extLst>
+      <p:ext uri="{BB962C8B-B14F-4D97-AF65-F5344CB8AC3E}">
+        <p14:creationId xmlns:p14="http://schemas.microsoft.com/office/powerpoint/2010/main" val="2945660303"/>
+      </p:ext>
+    </p:extLst>
+  </p:cSld>
+  <p:clrMapOvr>
+    <a:masterClrMapping/>
+  </p:clrMapOvr>
+</p:notes>
+</file>
+
+<file path=ppt/notesSlides/notesSlide10.xml><?xml version="1.0" encoding="utf-8"?>
+<p:notes xmlns:a="http://schemas.openxmlformats.org/drawingml/2006/main" xmlns:r="http://schemas.openxmlformats.org/officeDocument/2006/relationships" xmlns:p="http://schemas.openxmlformats.org/presentationml/2006/main">
+  <p:cSld>
+    <p:spTree>
+      <p:nvGrpSpPr>
+        <p:cNvPr id="1" name=""/>
+        <p:cNvGrpSpPr/>
+        <p:nvPr/>
+      </p:nvGrpSpPr>
+      <p:grpSpPr>
+        <a:xfrm>
+          <a:off x="0" y="0"/>
+          <a:ext cx="0" cy="0"/>
+          <a:chOff x="0" y="0"/>
+          <a:chExt cx="0" cy="0"/>
+        </a:xfrm>
+      </p:grpSpPr>
+      <p:sp>
+        <p:nvSpPr>
+          <p:cNvPr id="2" name="Slide Image Placeholder 1"/>
+          <p:cNvSpPr>
+            <a:spLocks noGrp="1" noRot="1" noChangeAspect="1"/>
+          </p:cNvSpPr>
+          <p:nvPr>
+            <p:ph type="sldImg"/>
+          </p:nvPr>
+        </p:nvSpPr>
+        <p:spPr/>
+      </p:sp>
+      <p:sp>
+        <p:nvSpPr>
+          <p:cNvPr id="3" name="Notes Placeholder 2"/>
+          <p:cNvSpPr>
+            <a:spLocks noGrp="1"/>
+          </p:cNvSpPr>
+          <p:nvPr>
+            <p:ph type="body" idx="1"/>
+          </p:nvPr>
+        </p:nvSpPr>
+        <p:spPr/>
+        <p:txBody>
+          <a:bodyPr/>
+          <a:lstStyle/>
+          <a:p>
+            <a:r>
+              <a:rPr lang="en-GB" dirty="0" smtClean="0"/>
+              <a:t>Traffic is a ‘hyper-local</a:t>
+            </a:r>
+            <a:r>
+              <a:rPr lang="en-GB" baseline="0" dirty="0" smtClean="0"/>
+              <a:t>’ issue</a:t>
+            </a:r>
+          </a:p>
+          <a:p>
+            <a:r>
+              <a:rPr lang="en-GB" baseline="0" dirty="0" smtClean="0"/>
+              <a:t>Also regional problem</a:t>
+            </a:r>
+          </a:p>
+          <a:p>
+            <a:r>
+              <a:rPr lang="en-GB" baseline="0" dirty="0" smtClean="0"/>
+              <a:t>Traffic is a global issue</a:t>
+            </a:r>
+            <a:endParaRPr lang="en-GB" dirty="0"/>
+          </a:p>
+        </p:txBody>
+      </p:sp>
+      <p:sp>
+        <p:nvSpPr>
+          <p:cNvPr id="4" name="Slide Number Placeholder 3"/>
+          <p:cNvSpPr>
+            <a:spLocks noGrp="1"/>
+          </p:cNvSpPr>
+          <p:nvPr>
+            <p:ph type="sldNum" sz="quarter" idx="10"/>
+          </p:nvPr>
+        </p:nvSpPr>
+        <p:spPr/>
+        <p:txBody>
+          <a:bodyPr/>
+          <a:lstStyle/>
+          <a:p>
+            <a:fld id="{C067B5B7-AA4E-4A5C-A9D8-B7EC83C2D746}" type="slidenum">
+              <a:rPr lang="en-US" smtClean="0"/>
+              <a:pPr/>
+              <a:t>13</a:t>
+            </a:fld>
+            <a:endParaRPr lang="en-US" dirty="0"/>
+          </a:p>
+        </p:txBody>
+      </p:sp>
+    </p:spTree>
+    <p:extLst>
+      <p:ext uri="{BB962C8B-B14F-4D97-AF65-F5344CB8AC3E}">
+        <p14:creationId xmlns:p14="http://schemas.microsoft.com/office/powerpoint/2010/main" val="2945660303"/>
+      </p:ext>
+    </p:extLst>
+  </p:cSld>
+  <p:clrMapOvr>
+    <a:masterClrMapping/>
+  </p:clrMapOvr>
+</p:notes>
+</file>
+
+<file path=ppt/notesSlides/notesSlide11.xml><?xml version="1.0" encoding="utf-8"?>
+<p:notes xmlns:a="http://schemas.openxmlformats.org/drawingml/2006/main" xmlns:r="http://schemas.openxmlformats.org/officeDocument/2006/relationships" xmlns:p="http://schemas.openxmlformats.org/presentationml/2006/main">
+  <p:cSld>
+    <p:spTree>
+      <p:nvGrpSpPr>
+        <p:cNvPr id="1" name=""/>
+        <p:cNvGrpSpPr/>
+        <p:nvPr/>
+      </p:nvGrpSpPr>
+      <p:grpSpPr>
+        <a:xfrm>
+          <a:off x="0" y="0"/>
+          <a:ext cx="0" cy="0"/>
+          <a:chOff x="0" y="0"/>
+          <a:chExt cx="0" cy="0"/>
+        </a:xfrm>
+      </p:grpSpPr>
+      <p:sp>
+        <p:nvSpPr>
+          <p:cNvPr id="2" name="Slide Image Placeholder 1"/>
+          <p:cNvSpPr>
+            <a:spLocks noGrp="1" noRot="1" noChangeAspect="1"/>
+          </p:cNvSpPr>
+          <p:nvPr>
+            <p:ph type="sldImg"/>
+          </p:nvPr>
+        </p:nvSpPr>
+        <p:spPr/>
+      </p:sp>
+      <p:sp>
+        <p:nvSpPr>
+          <p:cNvPr id="3" name="Notes Placeholder 2"/>
+          <p:cNvSpPr>
+            <a:spLocks noGrp="1"/>
+          </p:cNvSpPr>
+          <p:nvPr>
+            <p:ph type="body" idx="1"/>
+          </p:nvPr>
+        </p:nvSpPr>
+        <p:spPr/>
+        <p:txBody>
+          <a:bodyPr/>
+          <a:lstStyle/>
+          <a:p>
+            <a:r>
+              <a:rPr lang="en-GB" dirty="0" smtClean="0"/>
+              <a:t>Traffic is a ‘hyper-local</a:t>
+            </a:r>
+            <a:r>
+              <a:rPr lang="en-GB" baseline="0" dirty="0" smtClean="0"/>
+              <a:t>’ issue</a:t>
+            </a:r>
+          </a:p>
+          <a:p>
+            <a:r>
+              <a:rPr lang="en-GB" baseline="0" dirty="0" smtClean="0"/>
+              <a:t>Also regional problem</a:t>
+            </a:r>
+          </a:p>
+          <a:p>
+            <a:r>
+              <a:rPr lang="en-GB" baseline="0" dirty="0" smtClean="0"/>
+              <a:t>Traffic is a global issue</a:t>
+            </a:r>
+            <a:endParaRPr lang="en-GB" dirty="0"/>
+          </a:p>
+        </p:txBody>
+      </p:sp>
+      <p:sp>
+        <p:nvSpPr>
+          <p:cNvPr id="4" name="Slide Number Placeholder 3"/>
+          <p:cNvSpPr>
+            <a:spLocks noGrp="1"/>
+          </p:cNvSpPr>
+          <p:nvPr>
+            <p:ph type="sldNum" sz="quarter" idx="10"/>
+          </p:nvPr>
+        </p:nvSpPr>
+        <p:spPr/>
+        <p:txBody>
+          <a:bodyPr/>
+          <a:lstStyle/>
+          <a:p>
+            <a:fld id="{C067B5B7-AA4E-4A5C-A9D8-B7EC83C2D746}" type="slidenum">
+              <a:rPr lang="en-US" smtClean="0"/>
+              <a:pPr/>
+              <a:t>14</a:t>
+            </a:fld>
+            <a:endParaRPr lang="en-US" dirty="0"/>
+          </a:p>
+        </p:txBody>
+      </p:sp>
+    </p:spTree>
+    <p:extLst>
+      <p:ext uri="{BB962C8B-B14F-4D97-AF65-F5344CB8AC3E}">
+        <p14:creationId xmlns:p14="http://schemas.microsoft.com/office/powerpoint/2010/main" val="2945660303"/>
+      </p:ext>
+    </p:extLst>
+  </p:cSld>
+  <p:clrMapOvr>
+    <a:masterClrMapping/>
+  </p:clrMapOvr>
+</p:notes>
+</file>
+
+<file path=ppt/notesSlides/notesSlide12.xml><?xml version="1.0" encoding="utf-8"?>
+<p:notes xmlns:a="http://schemas.openxmlformats.org/drawingml/2006/main" xmlns:r="http://schemas.openxmlformats.org/officeDocument/2006/relationships" xmlns:p="http://schemas.openxmlformats.org/presentationml/2006/main">
+  <p:cSld>
+    <p:spTree>
+      <p:nvGrpSpPr>
+        <p:cNvPr id="1" name=""/>
+        <p:cNvGrpSpPr/>
+        <p:nvPr/>
+      </p:nvGrpSpPr>
+      <p:grpSpPr>
+        <a:xfrm>
+          <a:off x="0" y="0"/>
+          <a:ext cx="0" cy="0"/>
+          <a:chOff x="0" y="0"/>
+          <a:chExt cx="0" cy="0"/>
+        </a:xfrm>
+      </p:grpSpPr>
+      <p:sp>
+        <p:nvSpPr>
+          <p:cNvPr id="2" name="Slide Image Placeholder 1"/>
+          <p:cNvSpPr>
+            <a:spLocks noGrp="1" noRot="1" noChangeAspect="1"/>
+          </p:cNvSpPr>
+          <p:nvPr>
+            <p:ph type="sldImg"/>
+          </p:nvPr>
+        </p:nvSpPr>
+        <p:spPr/>
+      </p:sp>
+      <p:sp>
+        <p:nvSpPr>
+          <p:cNvPr id="3" name="Notes Placeholder 2"/>
+          <p:cNvSpPr>
+            <a:spLocks noGrp="1"/>
+          </p:cNvSpPr>
+          <p:nvPr>
+            <p:ph type="body" idx="1"/>
+          </p:nvPr>
+        </p:nvSpPr>
+        <p:spPr/>
+        <p:txBody>
+          <a:bodyPr/>
+          <a:lstStyle/>
+          <a:p>
+            <a:r>
+              <a:rPr lang="en-GB" dirty="0" smtClean="0"/>
+              <a:t>Traffic is a ‘hyper-local</a:t>
+            </a:r>
+            <a:r>
+              <a:rPr lang="en-GB" baseline="0" dirty="0" smtClean="0"/>
+              <a:t>’ issue</a:t>
+            </a:r>
+          </a:p>
+          <a:p>
+            <a:r>
+              <a:rPr lang="en-GB" baseline="0" dirty="0" smtClean="0"/>
+              <a:t>Also regional problem</a:t>
+            </a:r>
+          </a:p>
+          <a:p>
+            <a:r>
+              <a:rPr lang="en-GB" baseline="0" dirty="0" smtClean="0"/>
+              <a:t>Traffic is a global issue</a:t>
+            </a:r>
+            <a:endParaRPr lang="en-GB" dirty="0"/>
+          </a:p>
+        </p:txBody>
+      </p:sp>
+      <p:sp>
+        <p:nvSpPr>
+          <p:cNvPr id="4" name="Slide Number Placeholder 3"/>
+          <p:cNvSpPr>
+            <a:spLocks noGrp="1"/>
+          </p:cNvSpPr>
+          <p:nvPr>
+            <p:ph type="sldNum" sz="quarter" idx="10"/>
+          </p:nvPr>
+        </p:nvSpPr>
+        <p:spPr/>
+        <p:txBody>
+          <a:bodyPr/>
+          <a:lstStyle/>
+          <a:p>
+            <a:fld id="{C067B5B7-AA4E-4A5C-A9D8-B7EC83C2D746}" type="slidenum">
+              <a:rPr lang="en-US" smtClean="0"/>
+              <a:pPr/>
+              <a:t>15</a:t>
+            </a:fld>
+            <a:endParaRPr lang="en-US" dirty="0"/>
+          </a:p>
+        </p:txBody>
+      </p:sp>
+    </p:spTree>
+    <p:extLst>
+      <p:ext uri="{BB962C8B-B14F-4D97-AF65-F5344CB8AC3E}">
+        <p14:creationId xmlns:p14="http://schemas.microsoft.com/office/powerpoint/2010/main" val="2945660303"/>
+      </p:ext>
+    </p:extLst>
+  </p:cSld>
+  <p:clrMapOvr>
+    <a:masterClrMapping/>
+  </p:clrMapOvr>
+</p:notes>
+</file>
+
+<file path=ppt/notesSlides/notesSlide13.xml><?xml version="1.0" encoding="utf-8"?>
+<p:notes xmlns:a="http://schemas.openxmlformats.org/drawingml/2006/main" xmlns:r="http://schemas.openxmlformats.org/officeDocument/2006/relationships" xmlns:p="http://schemas.openxmlformats.org/presentationml/2006/main">
+  <p:cSld>
+    <p:spTree>
+      <p:nvGrpSpPr>
+        <p:cNvPr id="1" name=""/>
+        <p:cNvGrpSpPr/>
+        <p:nvPr/>
+      </p:nvGrpSpPr>
+      <p:grpSpPr>
+        <a:xfrm>
+          <a:off x="0" y="0"/>
+          <a:ext cx="0" cy="0"/>
+          <a:chOff x="0" y="0"/>
+          <a:chExt cx="0" cy="0"/>
+        </a:xfrm>
+      </p:grpSpPr>
+      <p:sp>
+        <p:nvSpPr>
+          <p:cNvPr id="2" name="Slide Image Placeholder 1"/>
+          <p:cNvSpPr>
+            <a:spLocks noGrp="1" noRot="1" noChangeAspect="1"/>
+          </p:cNvSpPr>
+          <p:nvPr>
+            <p:ph type="sldImg"/>
+          </p:nvPr>
+        </p:nvSpPr>
+        <p:spPr/>
+      </p:sp>
+      <p:sp>
+        <p:nvSpPr>
+          <p:cNvPr id="3" name="Notes Placeholder 2"/>
+          <p:cNvSpPr>
+            <a:spLocks noGrp="1"/>
+          </p:cNvSpPr>
+          <p:nvPr>
+            <p:ph type="body" idx="1"/>
+          </p:nvPr>
+        </p:nvSpPr>
+        <p:spPr/>
+        <p:txBody>
+          <a:bodyPr/>
+          <a:lstStyle/>
+          <a:p>
+            <a:r>
+              <a:rPr lang="en-GB" dirty="0" smtClean="0"/>
+              <a:t>Traffic is a ‘hyper-local</a:t>
+            </a:r>
+            <a:r>
+              <a:rPr lang="en-GB" baseline="0" dirty="0" smtClean="0"/>
+              <a:t>’ issue</a:t>
+            </a:r>
+          </a:p>
+          <a:p>
+            <a:r>
+              <a:rPr lang="en-GB" baseline="0" dirty="0" smtClean="0"/>
+              <a:t>Also regional problem</a:t>
+            </a:r>
+          </a:p>
+          <a:p>
+            <a:r>
+              <a:rPr lang="en-GB" baseline="0" dirty="0" smtClean="0"/>
+              <a:t>Traffic is a global issue</a:t>
+            </a:r>
+            <a:endParaRPr lang="en-GB" dirty="0"/>
+          </a:p>
+        </p:txBody>
+      </p:sp>
+      <p:sp>
+        <p:nvSpPr>
+          <p:cNvPr id="4" name="Slide Number Placeholder 3"/>
+          <p:cNvSpPr>
+            <a:spLocks noGrp="1"/>
+          </p:cNvSpPr>
+          <p:nvPr>
+            <p:ph type="sldNum" sz="quarter" idx="10"/>
+          </p:nvPr>
+        </p:nvSpPr>
+        <p:spPr/>
+        <p:txBody>
+          <a:bodyPr/>
+          <a:lstStyle/>
+          <a:p>
+            <a:fld id="{C067B5B7-AA4E-4A5C-A9D8-B7EC83C2D746}" type="slidenum">
+              <a:rPr lang="en-US" smtClean="0"/>
+              <a:pPr/>
+              <a:t>16</a:t>
+            </a:fld>
+            <a:endParaRPr lang="en-US" dirty="0"/>
+          </a:p>
+        </p:txBody>
+      </p:sp>
+    </p:spTree>
+    <p:extLst>
+      <p:ext uri="{BB962C8B-B14F-4D97-AF65-F5344CB8AC3E}">
+        <p14:creationId xmlns:p14="http://schemas.microsoft.com/office/powerpoint/2010/main" val="2945660303"/>
+      </p:ext>
+    </p:extLst>
+  </p:cSld>
+  <p:clrMapOvr>
+    <a:masterClrMapping/>
+  </p:clrMapOvr>
+</p:notes>
+</file>
+
+<file path=ppt/notesSlides/notesSlide14.xml><?xml version="1.0" encoding="utf-8"?>
+<p:notes xmlns:a="http://schemas.openxmlformats.org/drawingml/2006/main" xmlns:r="http://schemas.openxmlformats.org/officeDocument/2006/relationships" xmlns:p="http://schemas.openxmlformats.org/presentationml/2006/main">
+  <p:cSld>
+    <p:spTree>
+      <p:nvGrpSpPr>
+        <p:cNvPr id="1" name=""/>
+        <p:cNvGrpSpPr/>
+        <p:nvPr/>
+      </p:nvGrpSpPr>
+      <p:grpSpPr>
+        <a:xfrm>
+          <a:off x="0" y="0"/>
+          <a:ext cx="0" cy="0"/>
+          <a:chOff x="0" y="0"/>
+          <a:chExt cx="0" cy="0"/>
+        </a:xfrm>
+      </p:grpSpPr>
+      <p:sp>
+        <p:nvSpPr>
+          <p:cNvPr id="2" name="Slide Image Placeholder 1"/>
+          <p:cNvSpPr>
+            <a:spLocks noGrp="1" noRot="1" noChangeAspect="1"/>
+          </p:cNvSpPr>
+          <p:nvPr>
+            <p:ph type="sldImg"/>
+          </p:nvPr>
+        </p:nvSpPr>
+        <p:spPr/>
+      </p:sp>
+      <p:sp>
+        <p:nvSpPr>
+          <p:cNvPr id="3" name="Notes Placeholder 2"/>
+          <p:cNvSpPr>
+            <a:spLocks noGrp="1"/>
+          </p:cNvSpPr>
+          <p:nvPr>
+            <p:ph type="body" idx="1"/>
+          </p:nvPr>
+        </p:nvSpPr>
+        <p:spPr/>
+        <p:txBody>
+          <a:bodyPr/>
+          <a:lstStyle/>
+          <a:p>
+            <a:r>
+              <a:rPr lang="en-US" dirty="0" smtClean="0"/>
+              <a:t>Lock interface</a:t>
+            </a:r>
+          </a:p>
+          <a:p>
+            <a:pPr lvl="1"/>
+            <a:r>
+              <a:rPr lang="en-US" dirty="0" smtClean="0"/>
+              <a:t>Almost same as “synchronized” but more versatile</a:t>
+            </a:r>
+          </a:p>
+          <a:p>
+            <a:pPr lvl="1"/>
+            <a:r>
+              <a:rPr lang="en-US" dirty="0" smtClean="0"/>
+              <a:t>Can help solving </a:t>
+            </a:r>
+            <a:r>
+              <a:rPr lang="en-US" dirty="0" err="1" smtClean="0"/>
+              <a:t>livelock</a:t>
+            </a:r>
+            <a:r>
+              <a:rPr lang="en-US" dirty="0" smtClean="0"/>
+              <a:t> issues</a:t>
+            </a:r>
+          </a:p>
+          <a:p>
+            <a:r>
+              <a:rPr lang="en-US" dirty="0" smtClean="0"/>
+              <a:t>Executor</a:t>
+            </a:r>
+          </a:p>
+          <a:p>
+            <a:pPr lvl="1"/>
+            <a:r>
+              <a:rPr lang="en-US" dirty="0" smtClean="0"/>
+              <a:t>Use it instead of creating threads manually</a:t>
+            </a:r>
+          </a:p>
+          <a:p>
+            <a:pPr lvl="1"/>
+            <a:r>
+              <a:rPr lang="en-US" dirty="0" smtClean="0"/>
+              <a:t>Executors factory – use it to create </a:t>
+            </a:r>
+            <a:r>
+              <a:rPr lang="en-US" dirty="0" err="1" smtClean="0"/>
+              <a:t>callables</a:t>
+            </a:r>
+            <a:r>
+              <a:rPr lang="en-US" dirty="0" smtClean="0"/>
+              <a:t>, thread pools and various executors</a:t>
+            </a:r>
+          </a:p>
+          <a:p>
+            <a:r>
+              <a:rPr lang="en-US" dirty="0" err="1" smtClean="0"/>
+              <a:t>ExecutorService</a:t>
+            </a:r>
+            <a:r>
+              <a:rPr lang="en-US" dirty="0" smtClean="0"/>
+              <a:t> – more flexible than Executor</a:t>
+            </a:r>
+          </a:p>
+          <a:p>
+            <a:r>
+              <a:rPr lang="en-US" dirty="0" smtClean="0"/>
+              <a:t>Thread pool</a:t>
+            </a:r>
+          </a:p>
+          <a:p>
+            <a:pPr lvl="1"/>
+            <a:r>
+              <a:rPr lang="en-US" dirty="0" smtClean="0"/>
+              <a:t>Used by most of the executors</a:t>
+            </a:r>
+          </a:p>
+          <a:p>
+            <a:r>
+              <a:rPr lang="en-US" dirty="0" smtClean="0"/>
+              <a:t>NOT Android-related</a:t>
+            </a:r>
+          </a:p>
+          <a:p>
+            <a:pPr lvl="1"/>
+            <a:r>
+              <a:rPr lang="en-US" dirty="0" smtClean="0"/>
+              <a:t>Java 7 contains </a:t>
+            </a:r>
+            <a:r>
+              <a:rPr lang="en-US" dirty="0" err="1" smtClean="0"/>
+              <a:t>ForkJoinPool</a:t>
+            </a:r>
+            <a:r>
+              <a:rPr lang="en-US" dirty="0" smtClean="0"/>
+              <a:t>, implementing work stealing algorithm.</a:t>
+            </a:r>
+          </a:p>
+          <a:p>
+            <a:endParaRPr lang="en-US" dirty="0"/>
+          </a:p>
+        </p:txBody>
+      </p:sp>
+      <p:sp>
+        <p:nvSpPr>
+          <p:cNvPr id="4" name="Slide Number Placeholder 3"/>
+          <p:cNvSpPr>
+            <a:spLocks noGrp="1"/>
+          </p:cNvSpPr>
+          <p:nvPr>
+            <p:ph type="sldNum" sz="quarter" idx="10"/>
+          </p:nvPr>
+        </p:nvSpPr>
+        <p:spPr/>
+        <p:txBody>
+          <a:bodyPr/>
+          <a:lstStyle/>
+          <a:p>
+            <a:fld id="{C067B5B7-AA4E-4A5C-A9D8-B7EC83C2D746}" type="slidenum">
+              <a:rPr lang="en-US" smtClean="0"/>
+              <a:pPr/>
+              <a:t>17</a:t>
+            </a:fld>
+            <a:endParaRPr lang="en-US" dirty="0"/>
+          </a:p>
+        </p:txBody>
+      </p:sp>
+    </p:spTree>
+    <p:extLst>
+      <p:ext uri="{BB962C8B-B14F-4D97-AF65-F5344CB8AC3E}">
+        <p14:creationId xmlns:p14="http://schemas.microsoft.com/office/powerpoint/2010/main" val="2945660303"/>
+      </p:ext>
+    </p:extLst>
+  </p:cSld>
+  <p:clrMapOvr>
+    <a:masterClrMapping/>
+  </p:clrMapOvr>
+</p:notes>
+</file>
+
+<file path=ppt/notesSlides/notesSlide15.xml><?xml version="1.0" encoding="utf-8"?>
+<p:notes xmlns:a="http://schemas.openxmlformats.org/drawingml/2006/main" xmlns:r="http://schemas.openxmlformats.org/officeDocument/2006/relationships" xmlns:p="http://schemas.openxmlformats.org/presentationml/2006/main">
+  <p:cSld>
+    <p:spTree>
+      <p:nvGrpSpPr>
+        <p:cNvPr id="1" name=""/>
+        <p:cNvGrpSpPr/>
+        <p:nvPr/>
+      </p:nvGrpSpPr>
+      <p:grpSpPr>
+        <a:xfrm>
+          <a:off x="0" y="0"/>
+          <a:ext cx="0" cy="0"/>
+          <a:chOff x="0" y="0"/>
+          <a:chExt cx="0" cy="0"/>
+        </a:xfrm>
+      </p:grpSpPr>
+      <p:sp>
+        <p:nvSpPr>
+          <p:cNvPr id="2" name="Slide Image Placeholder 1"/>
+          <p:cNvSpPr>
+            <a:spLocks noGrp="1" noRot="1" noChangeAspect="1"/>
+          </p:cNvSpPr>
+          <p:nvPr>
+            <p:ph type="sldImg"/>
+          </p:nvPr>
+        </p:nvSpPr>
+        <p:spPr/>
+      </p:sp>
+      <p:sp>
+        <p:nvSpPr>
+          <p:cNvPr id="3" name="Notes Placeholder 2"/>
+          <p:cNvSpPr>
+            <a:spLocks noGrp="1"/>
+          </p:cNvSpPr>
+          <p:nvPr>
+            <p:ph type="body" idx="1"/>
+          </p:nvPr>
+        </p:nvSpPr>
+        <p:spPr/>
+        <p:txBody>
+          <a:bodyPr/>
+          <a:lstStyle/>
+          <a:p>
+            <a:r>
+              <a:rPr lang="en-GB" dirty="0" smtClean="0"/>
+              <a:t>Traffic is a ‘hyper-local</a:t>
+            </a:r>
+            <a:r>
+              <a:rPr lang="en-GB" baseline="0" dirty="0" smtClean="0"/>
+              <a:t>’ issue</a:t>
+            </a:r>
+          </a:p>
+          <a:p>
+            <a:r>
+              <a:rPr lang="en-GB" baseline="0" dirty="0" smtClean="0"/>
+              <a:t>Also regional problem</a:t>
+            </a:r>
+          </a:p>
+          <a:p>
+            <a:r>
+              <a:rPr lang="en-GB" baseline="0" dirty="0" smtClean="0"/>
+              <a:t>Traffic is a global issue</a:t>
+            </a:r>
+            <a:endParaRPr lang="en-GB" dirty="0"/>
+          </a:p>
+        </p:txBody>
+      </p:sp>
+      <p:sp>
+        <p:nvSpPr>
+          <p:cNvPr id="4" name="Slide Number Placeholder 3"/>
+          <p:cNvSpPr>
+            <a:spLocks noGrp="1"/>
+          </p:cNvSpPr>
+          <p:nvPr>
+            <p:ph type="sldNum" sz="quarter" idx="10"/>
+          </p:nvPr>
+        </p:nvSpPr>
+        <p:spPr/>
+        <p:txBody>
+          <a:bodyPr/>
+          <a:lstStyle/>
+          <a:p>
+            <a:fld id="{C067B5B7-AA4E-4A5C-A9D8-B7EC83C2D746}" type="slidenum">
+              <a:rPr lang="en-US" smtClean="0"/>
+              <a:pPr/>
+              <a:t>18</a:t>
+            </a:fld>
+            <a:endParaRPr lang="en-US" dirty="0"/>
+          </a:p>
+        </p:txBody>
+      </p:sp>
+    </p:spTree>
+    <p:extLst>
+      <p:ext uri="{BB962C8B-B14F-4D97-AF65-F5344CB8AC3E}">
+        <p14:creationId xmlns:p14="http://schemas.microsoft.com/office/powerpoint/2010/main" val="2945660303"/>
+      </p:ext>
+    </p:extLst>
+  </p:cSld>
+  <p:clrMapOvr>
+    <a:masterClrMapping/>
+  </p:clrMapOvr>
+</p:notes>
+</file>
+
+<file path=ppt/notesSlides/notesSlide16.xml><?xml version="1.0" encoding="utf-8"?>
+<p:notes xmlns:a="http://schemas.openxmlformats.org/drawingml/2006/main" xmlns:r="http://schemas.openxmlformats.org/officeDocument/2006/relationships" xmlns:p="http://schemas.openxmlformats.org/presentationml/2006/main">
+  <p:cSld>
+    <p:spTree>
+      <p:nvGrpSpPr>
+        <p:cNvPr id="1" name=""/>
+        <p:cNvGrpSpPr/>
+        <p:nvPr/>
+      </p:nvGrpSpPr>
+      <p:grpSpPr>
+        <a:xfrm>
+          <a:off x="0" y="0"/>
+          <a:ext cx="0" cy="0"/>
+          <a:chOff x="0" y="0"/>
+          <a:chExt cx="0" cy="0"/>
+        </a:xfrm>
+      </p:grpSpPr>
+      <p:sp>
+        <p:nvSpPr>
+          <p:cNvPr id="2" name="Slide Image Placeholder 1"/>
+          <p:cNvSpPr>
+            <a:spLocks noGrp="1" noRot="1" noChangeAspect="1"/>
+          </p:cNvSpPr>
+          <p:nvPr>
+            <p:ph type="sldImg"/>
+          </p:nvPr>
+        </p:nvSpPr>
+        <p:spPr/>
+      </p:sp>
+      <p:sp>
+        <p:nvSpPr>
+          <p:cNvPr id="3" name="Notes Placeholder 2"/>
+          <p:cNvSpPr>
+            <a:spLocks noGrp="1"/>
+          </p:cNvSpPr>
+          <p:nvPr>
+            <p:ph type="body" idx="1"/>
+          </p:nvPr>
+        </p:nvSpPr>
+        <p:spPr/>
+        <p:txBody>
+          <a:bodyPr/>
+          <a:lstStyle/>
+          <a:p>
+            <a:r>
+              <a:rPr lang="en-GB" dirty="0" smtClean="0"/>
+              <a:t>Traffic is a ‘hyper-local</a:t>
+            </a:r>
+            <a:r>
+              <a:rPr lang="en-GB" baseline="0" dirty="0" smtClean="0"/>
+              <a:t>’ issue</a:t>
+            </a:r>
+          </a:p>
+          <a:p>
+            <a:r>
+              <a:rPr lang="en-GB" baseline="0" dirty="0" smtClean="0"/>
+              <a:t>Also regional problem</a:t>
+            </a:r>
+          </a:p>
+          <a:p>
+            <a:r>
+              <a:rPr lang="en-GB" baseline="0" dirty="0" smtClean="0"/>
+              <a:t>Traffic is a global issue</a:t>
+            </a:r>
+            <a:endParaRPr lang="en-GB" dirty="0"/>
+          </a:p>
+        </p:txBody>
+      </p:sp>
+      <p:sp>
+        <p:nvSpPr>
+          <p:cNvPr id="4" name="Slide Number Placeholder 3"/>
+          <p:cNvSpPr>
+            <a:spLocks noGrp="1"/>
+          </p:cNvSpPr>
+          <p:nvPr>
+            <p:ph type="sldNum" sz="quarter" idx="10"/>
+          </p:nvPr>
+        </p:nvSpPr>
+        <p:spPr/>
+        <p:txBody>
+          <a:bodyPr/>
+          <a:lstStyle/>
+          <a:p>
+            <a:fld id="{C067B5B7-AA4E-4A5C-A9D8-B7EC83C2D746}" type="slidenum">
+              <a:rPr lang="en-US" smtClean="0"/>
+              <a:pPr/>
+              <a:t>19</a:t>
+            </a:fld>
+            <a:endParaRPr lang="en-US" dirty="0"/>
+          </a:p>
+        </p:txBody>
+      </p:sp>
+    </p:spTree>
+    <p:extLst>
+      <p:ext uri="{BB962C8B-B14F-4D97-AF65-F5344CB8AC3E}">
+        <p14:creationId xmlns:p14="http://schemas.microsoft.com/office/powerpoint/2010/main" val="2945660303"/>
+      </p:ext>
+    </p:extLst>
+  </p:cSld>
+  <p:clrMapOvr>
+    <a:masterClrMapping/>
+  </p:clrMapOvr>
+</p:notes>
+</file>
+
+<file path=ppt/notesSlides/notesSlide17.xml><?xml version="1.0" encoding="utf-8"?>
+<p:notes xmlns:a="http://schemas.openxmlformats.org/drawingml/2006/main" xmlns:r="http://schemas.openxmlformats.org/officeDocument/2006/relationships" xmlns:p="http://schemas.openxmlformats.org/presentationml/2006/main">
+  <p:cSld>
+    <p:spTree>
+      <p:nvGrpSpPr>
+        <p:cNvPr id="1" name=""/>
+        <p:cNvGrpSpPr/>
+        <p:nvPr/>
+      </p:nvGrpSpPr>
+      <p:grpSpPr>
+        <a:xfrm>
+          <a:off x="0" y="0"/>
+          <a:ext cx="0" cy="0"/>
+          <a:chOff x="0" y="0"/>
+          <a:chExt cx="0" cy="0"/>
+        </a:xfrm>
+      </p:grpSpPr>
+      <p:sp>
+        <p:nvSpPr>
+          <p:cNvPr id="2" name="Slide Image Placeholder 1"/>
+          <p:cNvSpPr>
+            <a:spLocks noGrp="1" noRot="1" noChangeAspect="1"/>
+          </p:cNvSpPr>
+          <p:nvPr>
+            <p:ph type="sldImg"/>
+          </p:nvPr>
+        </p:nvSpPr>
+        <p:spPr/>
+      </p:sp>
+      <p:sp>
+        <p:nvSpPr>
+          <p:cNvPr id="3" name="Notes Placeholder 2"/>
+          <p:cNvSpPr>
+            <a:spLocks noGrp="1"/>
+          </p:cNvSpPr>
+          <p:nvPr>
+            <p:ph type="body" idx="1"/>
+          </p:nvPr>
+        </p:nvSpPr>
+        <p:spPr/>
+        <p:txBody>
+          <a:bodyPr/>
+          <a:lstStyle/>
+          <a:p>
+            <a:r>
+              <a:rPr lang="en-GB" dirty="0" smtClean="0"/>
+              <a:t>Traffic is a ‘hyper-local</a:t>
+            </a:r>
+            <a:r>
+              <a:rPr lang="en-GB" baseline="0" dirty="0" smtClean="0"/>
+              <a:t>’ issue</a:t>
+            </a:r>
+          </a:p>
+          <a:p>
+            <a:r>
+              <a:rPr lang="en-GB" baseline="0" dirty="0" smtClean="0"/>
+              <a:t>Also regional problem</a:t>
+            </a:r>
+          </a:p>
+          <a:p>
+            <a:r>
+              <a:rPr lang="en-GB" baseline="0" dirty="0" smtClean="0"/>
+              <a:t>Traffic is a global issue</a:t>
+            </a:r>
+            <a:endParaRPr lang="en-GB" dirty="0"/>
+          </a:p>
+        </p:txBody>
+      </p:sp>
+      <p:sp>
+        <p:nvSpPr>
+          <p:cNvPr id="4" name="Slide Number Placeholder 3"/>
+          <p:cNvSpPr>
+            <a:spLocks noGrp="1"/>
+          </p:cNvSpPr>
+          <p:nvPr>
+            <p:ph type="sldNum" sz="quarter" idx="10"/>
+          </p:nvPr>
+        </p:nvSpPr>
+        <p:spPr/>
+        <p:txBody>
+          <a:bodyPr/>
+          <a:lstStyle/>
+          <a:p>
+            <a:fld id="{C067B5B7-AA4E-4A5C-A9D8-B7EC83C2D746}" type="slidenum">
+              <a:rPr lang="en-US" smtClean="0"/>
+              <a:pPr/>
+              <a:t>21</a:t>
+            </a:fld>
+            <a:endParaRPr lang="en-US" dirty="0"/>
+          </a:p>
+        </p:txBody>
+      </p:sp>
+    </p:spTree>
+    <p:extLst>
+      <p:ext uri="{BB962C8B-B14F-4D97-AF65-F5344CB8AC3E}">
+        <p14:creationId xmlns:p14="http://schemas.microsoft.com/office/powerpoint/2010/main" val="2945660303"/>
+      </p:ext>
+    </p:extLst>
+  </p:cSld>
+  <p:clrMapOvr>
+    <a:masterClrMapping/>
+  </p:clrMapOvr>
+</p:notes>
+</file>
+
+<file path=ppt/notesSlides/notesSlide18.xml><?xml version="1.0" encoding="utf-8"?>
+<p:notes xmlns:a="http://schemas.openxmlformats.org/drawingml/2006/main" xmlns:r="http://schemas.openxmlformats.org/officeDocument/2006/relationships" xmlns:p="http://schemas.openxmlformats.org/presentationml/2006/main">
+  <p:cSld>
+    <p:spTree>
+      <p:nvGrpSpPr>
+        <p:cNvPr id="1" name=""/>
+        <p:cNvGrpSpPr/>
+        <p:nvPr/>
+      </p:nvGrpSpPr>
+      <p:grpSpPr>
+        <a:xfrm>
+          <a:off x="0" y="0"/>
+          <a:ext cx="0" cy="0"/>
+          <a:chOff x="0" y="0"/>
+          <a:chExt cx="0" cy="0"/>
+        </a:xfrm>
+      </p:grpSpPr>
+      <p:sp>
+        <p:nvSpPr>
+          <p:cNvPr id="2" name="Slide Image Placeholder 1"/>
+          <p:cNvSpPr>
+            <a:spLocks noGrp="1" noRot="1" noChangeAspect="1"/>
+          </p:cNvSpPr>
+          <p:nvPr>
+            <p:ph type="sldImg"/>
+          </p:nvPr>
+        </p:nvSpPr>
+        <p:spPr/>
+      </p:sp>
+      <p:sp>
+        <p:nvSpPr>
+          <p:cNvPr id="3" name="Notes Placeholder 2"/>
+          <p:cNvSpPr>
+            <a:spLocks noGrp="1"/>
+          </p:cNvSpPr>
+          <p:nvPr>
+            <p:ph type="body" idx="1"/>
+          </p:nvPr>
+        </p:nvSpPr>
+        <p:spPr/>
+        <p:txBody>
+          <a:bodyPr/>
+          <a:lstStyle/>
+          <a:p>
+            <a:r>
+              <a:rPr lang="en-GB" dirty="0" smtClean="0"/>
+              <a:t>Traffic is a ‘hyper-local</a:t>
+            </a:r>
+            <a:r>
+              <a:rPr lang="en-GB" baseline="0" dirty="0" smtClean="0"/>
+              <a:t>’ issue</a:t>
+            </a:r>
+          </a:p>
+          <a:p>
+            <a:r>
+              <a:rPr lang="en-GB" baseline="0" dirty="0" smtClean="0"/>
+              <a:t>Also regional problem</a:t>
+            </a:r>
+          </a:p>
+          <a:p>
+            <a:r>
+              <a:rPr lang="en-GB" baseline="0" dirty="0" smtClean="0"/>
+              <a:t>Traffic is a global issue</a:t>
+            </a:r>
+            <a:endParaRPr lang="en-GB" dirty="0"/>
+          </a:p>
+        </p:txBody>
+      </p:sp>
+      <p:sp>
+        <p:nvSpPr>
+          <p:cNvPr id="4" name="Slide Number Placeholder 3"/>
+          <p:cNvSpPr>
+            <a:spLocks noGrp="1"/>
+          </p:cNvSpPr>
+          <p:nvPr>
+            <p:ph type="sldNum" sz="quarter" idx="10"/>
+          </p:nvPr>
+        </p:nvSpPr>
+        <p:spPr/>
+        <p:txBody>
+          <a:bodyPr/>
+          <a:lstStyle/>
+          <a:p>
+            <a:fld id="{C067B5B7-AA4E-4A5C-A9D8-B7EC83C2D746}" type="slidenum">
+              <a:rPr lang="en-US" smtClean="0"/>
+              <a:pPr/>
+              <a:t>22</a:t>
+            </a:fld>
+            <a:endParaRPr lang="en-US" dirty="0"/>
+          </a:p>
+        </p:txBody>
+      </p:sp>
+    </p:spTree>
+    <p:extLst>
+      <p:ext uri="{BB962C8B-B14F-4D97-AF65-F5344CB8AC3E}">
+        <p14:creationId xmlns:p14="http://schemas.microsoft.com/office/powerpoint/2010/main" val="2945660303"/>
+      </p:ext>
+    </p:extLst>
+  </p:cSld>
+  <p:clrMapOvr>
+    <a:masterClrMapping/>
+  </p:clrMapOvr>
+</p:notes>
+</file>
+
+<file path=ppt/notesSlides/notesSlide19.xml><?xml version="1.0" encoding="utf-8"?>
+<p:notes xmlns:a="http://schemas.openxmlformats.org/drawingml/2006/main" xmlns:r="http://schemas.openxmlformats.org/officeDocument/2006/relationships" xmlns:p="http://schemas.openxmlformats.org/presentationml/2006/main">
+  <p:cSld>
+    <p:spTree>
+      <p:nvGrpSpPr>
+        <p:cNvPr id="1" name=""/>
+        <p:cNvGrpSpPr/>
+        <p:nvPr/>
+      </p:nvGrpSpPr>
+      <p:grpSpPr>
+        <a:xfrm>
+          <a:off x="0" y="0"/>
+          <a:ext cx="0" cy="0"/>
+          <a:chOff x="0" y="0"/>
+          <a:chExt cx="0" cy="0"/>
+        </a:xfrm>
+      </p:grpSpPr>
+      <p:sp>
+        <p:nvSpPr>
+          <p:cNvPr id="2" name="Slide Image Placeholder 1"/>
+          <p:cNvSpPr>
+            <a:spLocks noGrp="1" noRot="1" noChangeAspect="1"/>
+          </p:cNvSpPr>
+          <p:nvPr>
+            <p:ph type="sldImg"/>
+          </p:nvPr>
+        </p:nvSpPr>
+        <p:spPr/>
+      </p:sp>
+      <p:sp>
+        <p:nvSpPr>
+          <p:cNvPr id="3" name="Notes Placeholder 2"/>
+          <p:cNvSpPr>
+            <a:spLocks noGrp="1"/>
+          </p:cNvSpPr>
+          <p:nvPr>
+            <p:ph type="body" idx="1"/>
+          </p:nvPr>
+        </p:nvSpPr>
+        <p:spPr/>
+        <p:txBody>
+          <a:bodyPr/>
+          <a:lstStyle/>
+          <a:p>
+            <a:r>
+              <a:rPr lang="en-GB" dirty="0" smtClean="0"/>
+              <a:t>Traffic is a ‘hyper-local</a:t>
+            </a:r>
+            <a:r>
+              <a:rPr lang="en-GB" baseline="0" dirty="0" smtClean="0"/>
+              <a:t>’ issue</a:t>
+            </a:r>
+          </a:p>
+          <a:p>
+            <a:r>
+              <a:rPr lang="en-GB" baseline="0" dirty="0" smtClean="0"/>
+              <a:t>Also regional problem</a:t>
+            </a:r>
+          </a:p>
+          <a:p>
+            <a:r>
+              <a:rPr lang="en-GB" baseline="0" dirty="0" smtClean="0"/>
+              <a:t>Traffic is a global issue</a:t>
+            </a:r>
+            <a:endParaRPr lang="en-GB" dirty="0"/>
+          </a:p>
+        </p:txBody>
+      </p:sp>
+      <p:sp>
+        <p:nvSpPr>
+          <p:cNvPr id="4" name="Slide Number Placeholder 3"/>
+          <p:cNvSpPr>
+            <a:spLocks noGrp="1"/>
+          </p:cNvSpPr>
+          <p:nvPr>
+            <p:ph type="sldNum" sz="quarter" idx="10"/>
+          </p:nvPr>
+        </p:nvSpPr>
+        <p:spPr/>
+        <p:txBody>
+          <a:bodyPr/>
+          <a:lstStyle/>
+          <a:p>
+            <a:fld id="{C067B5B7-AA4E-4A5C-A9D8-B7EC83C2D746}" type="slidenum">
+              <a:rPr lang="en-US" smtClean="0"/>
+              <a:pPr/>
+              <a:t>23</a:t>
+            </a:fld>
+            <a:endParaRPr lang="en-US" dirty="0"/>
           </a:p>
         </p:txBody>
       </p:sp>
@@ -796,26 +1934,6 @@
           <a:bodyPr/>
           <a:lstStyle/>
           <a:p>
-            <a:r>
-              <a:rPr lang="en-GB" dirty="0" smtClean="0"/>
-              <a:t>Traffic is a ‘hyper-local</a:t>
-            </a:r>
-            <a:r>
-              <a:rPr lang="en-GB" baseline="0" dirty="0" smtClean="0"/>
-              <a:t>’ issue</a:t>
-            </a:r>
-          </a:p>
-          <a:p>
-            <a:r>
-              <a:rPr lang="en-GB" baseline="0" dirty="0" smtClean="0"/>
-              <a:t>Also regional problem</a:t>
-            </a:r>
-          </a:p>
-          <a:p>
-            <a:r>
-              <a:rPr lang="en-GB" baseline="0" dirty="0" smtClean="0"/>
-              <a:t>Traffic is a global issue</a:t>
-            </a:r>
             <a:endParaRPr lang="en-GB" dirty="0"/>
           </a:p>
         </p:txBody>
@@ -838,9 +1956,1689 @@
             <a:fld id="{C067B5B7-AA4E-4A5C-A9D8-B7EC83C2D746}" type="slidenum">
               <a:rPr lang="en-US" smtClean="0"/>
               <a:pPr/>
-              <a:t>4</a:t>
+              <a:t>5</a:t>
             </a:fld>
-            <a:endParaRPr lang="en-US"/>
+            <a:endParaRPr lang="en-US" dirty="0"/>
+          </a:p>
+        </p:txBody>
+      </p:sp>
+    </p:spTree>
+    <p:extLst>
+      <p:ext uri="{BB962C8B-B14F-4D97-AF65-F5344CB8AC3E}">
+        <p14:creationId xmlns:p14="http://schemas.microsoft.com/office/powerpoint/2010/main" val="2945660303"/>
+      </p:ext>
+    </p:extLst>
+  </p:cSld>
+  <p:clrMapOvr>
+    <a:masterClrMapping/>
+  </p:clrMapOvr>
+</p:notes>
+</file>
+
+<file path=ppt/notesSlides/notesSlide20.xml><?xml version="1.0" encoding="utf-8"?>
+<p:notes xmlns:a="http://schemas.openxmlformats.org/drawingml/2006/main" xmlns:r="http://schemas.openxmlformats.org/officeDocument/2006/relationships" xmlns:p="http://schemas.openxmlformats.org/presentationml/2006/main">
+  <p:cSld>
+    <p:spTree>
+      <p:nvGrpSpPr>
+        <p:cNvPr id="1" name=""/>
+        <p:cNvGrpSpPr/>
+        <p:nvPr/>
+      </p:nvGrpSpPr>
+      <p:grpSpPr>
+        <a:xfrm>
+          <a:off x="0" y="0"/>
+          <a:ext cx="0" cy="0"/>
+          <a:chOff x="0" y="0"/>
+          <a:chExt cx="0" cy="0"/>
+        </a:xfrm>
+      </p:grpSpPr>
+      <p:sp>
+        <p:nvSpPr>
+          <p:cNvPr id="2" name="Slide Image Placeholder 1"/>
+          <p:cNvSpPr>
+            <a:spLocks noGrp="1" noRot="1" noChangeAspect="1"/>
+          </p:cNvSpPr>
+          <p:nvPr>
+            <p:ph type="sldImg"/>
+          </p:nvPr>
+        </p:nvSpPr>
+        <p:spPr/>
+      </p:sp>
+      <p:sp>
+        <p:nvSpPr>
+          <p:cNvPr id="3" name="Notes Placeholder 2"/>
+          <p:cNvSpPr>
+            <a:spLocks noGrp="1"/>
+          </p:cNvSpPr>
+          <p:nvPr>
+            <p:ph type="body" idx="1"/>
+          </p:nvPr>
+        </p:nvSpPr>
+        <p:spPr/>
+        <p:txBody>
+          <a:bodyPr/>
+          <a:lstStyle/>
+          <a:p>
+            <a:r>
+              <a:rPr lang="en-GB" dirty="0" smtClean="0"/>
+              <a:t>Traffic is a ‘hyper-local</a:t>
+            </a:r>
+            <a:r>
+              <a:rPr lang="en-GB" baseline="0" dirty="0" smtClean="0"/>
+              <a:t>’ issue</a:t>
+            </a:r>
+          </a:p>
+          <a:p>
+            <a:r>
+              <a:rPr lang="en-GB" baseline="0" dirty="0" smtClean="0"/>
+              <a:t>Also regional problem</a:t>
+            </a:r>
+          </a:p>
+          <a:p>
+            <a:r>
+              <a:rPr lang="en-GB" baseline="0" dirty="0" smtClean="0"/>
+              <a:t>Traffic is a global issue</a:t>
+            </a:r>
+            <a:endParaRPr lang="en-GB" dirty="0"/>
+          </a:p>
+        </p:txBody>
+      </p:sp>
+      <p:sp>
+        <p:nvSpPr>
+          <p:cNvPr id="4" name="Slide Number Placeholder 3"/>
+          <p:cNvSpPr>
+            <a:spLocks noGrp="1"/>
+          </p:cNvSpPr>
+          <p:nvPr>
+            <p:ph type="sldNum" sz="quarter" idx="10"/>
+          </p:nvPr>
+        </p:nvSpPr>
+        <p:spPr/>
+        <p:txBody>
+          <a:bodyPr/>
+          <a:lstStyle/>
+          <a:p>
+            <a:fld id="{C067B5B7-AA4E-4A5C-A9D8-B7EC83C2D746}" type="slidenum">
+              <a:rPr lang="en-US" smtClean="0"/>
+              <a:pPr/>
+              <a:t>24</a:t>
+            </a:fld>
+            <a:endParaRPr lang="en-US" dirty="0"/>
+          </a:p>
+        </p:txBody>
+      </p:sp>
+    </p:spTree>
+    <p:extLst>
+      <p:ext uri="{BB962C8B-B14F-4D97-AF65-F5344CB8AC3E}">
+        <p14:creationId xmlns:p14="http://schemas.microsoft.com/office/powerpoint/2010/main" val="2945660303"/>
+      </p:ext>
+    </p:extLst>
+  </p:cSld>
+  <p:clrMapOvr>
+    <a:masterClrMapping/>
+  </p:clrMapOvr>
+</p:notes>
+</file>
+
+<file path=ppt/notesSlides/notesSlide21.xml><?xml version="1.0" encoding="utf-8"?>
+<p:notes xmlns:a="http://schemas.openxmlformats.org/drawingml/2006/main" xmlns:r="http://schemas.openxmlformats.org/officeDocument/2006/relationships" xmlns:p="http://schemas.openxmlformats.org/presentationml/2006/main">
+  <p:cSld>
+    <p:spTree>
+      <p:nvGrpSpPr>
+        <p:cNvPr id="1" name=""/>
+        <p:cNvGrpSpPr/>
+        <p:nvPr/>
+      </p:nvGrpSpPr>
+      <p:grpSpPr>
+        <a:xfrm>
+          <a:off x="0" y="0"/>
+          <a:ext cx="0" cy="0"/>
+          <a:chOff x="0" y="0"/>
+          <a:chExt cx="0" cy="0"/>
+        </a:xfrm>
+      </p:grpSpPr>
+      <p:sp>
+        <p:nvSpPr>
+          <p:cNvPr id="2" name="Slide Image Placeholder 1"/>
+          <p:cNvSpPr>
+            <a:spLocks noGrp="1" noRot="1" noChangeAspect="1"/>
+          </p:cNvSpPr>
+          <p:nvPr>
+            <p:ph type="sldImg"/>
+          </p:nvPr>
+        </p:nvSpPr>
+        <p:spPr/>
+      </p:sp>
+      <p:sp>
+        <p:nvSpPr>
+          <p:cNvPr id="3" name="Notes Placeholder 2"/>
+          <p:cNvSpPr>
+            <a:spLocks noGrp="1"/>
+          </p:cNvSpPr>
+          <p:nvPr>
+            <p:ph type="body" idx="1"/>
+          </p:nvPr>
+        </p:nvSpPr>
+        <p:spPr/>
+        <p:txBody>
+          <a:bodyPr/>
+          <a:lstStyle/>
+          <a:p>
+            <a:r>
+              <a:rPr lang="en-GB" dirty="0" smtClean="0"/>
+              <a:t>Traffic is a ‘hyper-local</a:t>
+            </a:r>
+            <a:r>
+              <a:rPr lang="en-GB" baseline="0" dirty="0" smtClean="0"/>
+              <a:t>’ issue</a:t>
+            </a:r>
+          </a:p>
+          <a:p>
+            <a:r>
+              <a:rPr lang="en-GB" baseline="0" dirty="0" smtClean="0"/>
+              <a:t>Also regional problem</a:t>
+            </a:r>
+          </a:p>
+          <a:p>
+            <a:r>
+              <a:rPr lang="en-GB" baseline="0" dirty="0" smtClean="0"/>
+              <a:t>Traffic is a global issue</a:t>
+            </a:r>
+            <a:endParaRPr lang="en-GB" dirty="0"/>
+          </a:p>
+        </p:txBody>
+      </p:sp>
+      <p:sp>
+        <p:nvSpPr>
+          <p:cNvPr id="4" name="Slide Number Placeholder 3"/>
+          <p:cNvSpPr>
+            <a:spLocks noGrp="1"/>
+          </p:cNvSpPr>
+          <p:nvPr>
+            <p:ph type="sldNum" sz="quarter" idx="10"/>
+          </p:nvPr>
+        </p:nvSpPr>
+        <p:spPr/>
+        <p:txBody>
+          <a:bodyPr/>
+          <a:lstStyle/>
+          <a:p>
+            <a:fld id="{C067B5B7-AA4E-4A5C-A9D8-B7EC83C2D746}" type="slidenum">
+              <a:rPr lang="en-US" smtClean="0"/>
+              <a:pPr/>
+              <a:t>25</a:t>
+            </a:fld>
+            <a:endParaRPr lang="en-US" dirty="0"/>
+          </a:p>
+        </p:txBody>
+      </p:sp>
+    </p:spTree>
+    <p:extLst>
+      <p:ext uri="{BB962C8B-B14F-4D97-AF65-F5344CB8AC3E}">
+        <p14:creationId xmlns:p14="http://schemas.microsoft.com/office/powerpoint/2010/main" val="2945660303"/>
+      </p:ext>
+    </p:extLst>
+  </p:cSld>
+  <p:clrMapOvr>
+    <a:masterClrMapping/>
+  </p:clrMapOvr>
+</p:notes>
+</file>
+
+<file path=ppt/notesSlides/notesSlide22.xml><?xml version="1.0" encoding="utf-8"?>
+<p:notes xmlns:a="http://schemas.openxmlformats.org/drawingml/2006/main" xmlns:r="http://schemas.openxmlformats.org/officeDocument/2006/relationships" xmlns:p="http://schemas.openxmlformats.org/presentationml/2006/main">
+  <p:cSld>
+    <p:spTree>
+      <p:nvGrpSpPr>
+        <p:cNvPr id="1" name=""/>
+        <p:cNvGrpSpPr/>
+        <p:nvPr/>
+      </p:nvGrpSpPr>
+      <p:grpSpPr>
+        <a:xfrm>
+          <a:off x="0" y="0"/>
+          <a:ext cx="0" cy="0"/>
+          <a:chOff x="0" y="0"/>
+          <a:chExt cx="0" cy="0"/>
+        </a:xfrm>
+      </p:grpSpPr>
+      <p:sp>
+        <p:nvSpPr>
+          <p:cNvPr id="2" name="Slide Image Placeholder 1"/>
+          <p:cNvSpPr>
+            <a:spLocks noGrp="1" noRot="1" noChangeAspect="1"/>
+          </p:cNvSpPr>
+          <p:nvPr>
+            <p:ph type="sldImg"/>
+          </p:nvPr>
+        </p:nvSpPr>
+        <p:spPr/>
+      </p:sp>
+      <p:sp>
+        <p:nvSpPr>
+          <p:cNvPr id="3" name="Notes Placeholder 2"/>
+          <p:cNvSpPr>
+            <a:spLocks noGrp="1"/>
+          </p:cNvSpPr>
+          <p:nvPr>
+            <p:ph type="body" idx="1"/>
+          </p:nvPr>
+        </p:nvSpPr>
+        <p:spPr/>
+        <p:txBody>
+          <a:bodyPr/>
+          <a:lstStyle/>
+          <a:p>
+            <a:r>
+              <a:rPr lang="en-GB" dirty="0" smtClean="0"/>
+              <a:t>Traffic is a ‘hyper-local</a:t>
+            </a:r>
+            <a:r>
+              <a:rPr lang="en-GB" baseline="0" dirty="0" smtClean="0"/>
+              <a:t>’ issue</a:t>
+            </a:r>
+          </a:p>
+          <a:p>
+            <a:r>
+              <a:rPr lang="en-GB" baseline="0" dirty="0" smtClean="0"/>
+              <a:t>Also regional problem</a:t>
+            </a:r>
+          </a:p>
+          <a:p>
+            <a:r>
+              <a:rPr lang="en-GB" baseline="0" dirty="0" smtClean="0"/>
+              <a:t>Traffic is a global issue</a:t>
+            </a:r>
+            <a:endParaRPr lang="en-GB" dirty="0"/>
+          </a:p>
+        </p:txBody>
+      </p:sp>
+      <p:sp>
+        <p:nvSpPr>
+          <p:cNvPr id="4" name="Slide Number Placeholder 3"/>
+          <p:cNvSpPr>
+            <a:spLocks noGrp="1"/>
+          </p:cNvSpPr>
+          <p:nvPr>
+            <p:ph type="sldNum" sz="quarter" idx="10"/>
+          </p:nvPr>
+        </p:nvSpPr>
+        <p:spPr/>
+        <p:txBody>
+          <a:bodyPr/>
+          <a:lstStyle/>
+          <a:p>
+            <a:fld id="{C067B5B7-AA4E-4A5C-A9D8-B7EC83C2D746}" type="slidenum">
+              <a:rPr lang="en-US" smtClean="0"/>
+              <a:pPr/>
+              <a:t>26</a:t>
+            </a:fld>
+            <a:endParaRPr lang="en-US" dirty="0"/>
+          </a:p>
+        </p:txBody>
+      </p:sp>
+    </p:spTree>
+    <p:extLst>
+      <p:ext uri="{BB962C8B-B14F-4D97-AF65-F5344CB8AC3E}">
+        <p14:creationId xmlns:p14="http://schemas.microsoft.com/office/powerpoint/2010/main" val="2945660303"/>
+      </p:ext>
+    </p:extLst>
+  </p:cSld>
+  <p:clrMapOvr>
+    <a:masterClrMapping/>
+  </p:clrMapOvr>
+</p:notes>
+</file>
+
+<file path=ppt/notesSlides/notesSlide23.xml><?xml version="1.0" encoding="utf-8"?>
+<p:notes xmlns:a="http://schemas.openxmlformats.org/drawingml/2006/main" xmlns:r="http://schemas.openxmlformats.org/officeDocument/2006/relationships" xmlns:p="http://schemas.openxmlformats.org/presentationml/2006/main">
+  <p:cSld>
+    <p:spTree>
+      <p:nvGrpSpPr>
+        <p:cNvPr id="1" name=""/>
+        <p:cNvGrpSpPr/>
+        <p:nvPr/>
+      </p:nvGrpSpPr>
+      <p:grpSpPr>
+        <a:xfrm>
+          <a:off x="0" y="0"/>
+          <a:ext cx="0" cy="0"/>
+          <a:chOff x="0" y="0"/>
+          <a:chExt cx="0" cy="0"/>
+        </a:xfrm>
+      </p:grpSpPr>
+      <p:sp>
+        <p:nvSpPr>
+          <p:cNvPr id="2" name="Slide Image Placeholder 1"/>
+          <p:cNvSpPr>
+            <a:spLocks noGrp="1" noRot="1" noChangeAspect="1"/>
+          </p:cNvSpPr>
+          <p:nvPr>
+            <p:ph type="sldImg"/>
+          </p:nvPr>
+        </p:nvSpPr>
+        <p:spPr/>
+      </p:sp>
+      <p:sp>
+        <p:nvSpPr>
+          <p:cNvPr id="3" name="Notes Placeholder 2"/>
+          <p:cNvSpPr>
+            <a:spLocks noGrp="1"/>
+          </p:cNvSpPr>
+          <p:nvPr>
+            <p:ph type="body" idx="1"/>
+          </p:nvPr>
+        </p:nvSpPr>
+        <p:spPr/>
+        <p:txBody>
+          <a:bodyPr/>
+          <a:lstStyle/>
+          <a:p>
+            <a:r>
+              <a:rPr lang="en-GB" dirty="0" smtClean="0"/>
+              <a:t>Traffic is a ‘hyper-local</a:t>
+            </a:r>
+            <a:r>
+              <a:rPr lang="en-GB" baseline="0" dirty="0" smtClean="0"/>
+              <a:t>’ issue</a:t>
+            </a:r>
+          </a:p>
+          <a:p>
+            <a:r>
+              <a:rPr lang="en-GB" baseline="0" dirty="0" smtClean="0"/>
+              <a:t>Also regional problem</a:t>
+            </a:r>
+          </a:p>
+          <a:p>
+            <a:r>
+              <a:rPr lang="en-GB" baseline="0" dirty="0" smtClean="0"/>
+              <a:t>Traffic is a global issue</a:t>
+            </a:r>
+            <a:endParaRPr lang="en-GB" dirty="0"/>
+          </a:p>
+        </p:txBody>
+      </p:sp>
+      <p:sp>
+        <p:nvSpPr>
+          <p:cNvPr id="4" name="Slide Number Placeholder 3"/>
+          <p:cNvSpPr>
+            <a:spLocks noGrp="1"/>
+          </p:cNvSpPr>
+          <p:nvPr>
+            <p:ph type="sldNum" sz="quarter" idx="10"/>
+          </p:nvPr>
+        </p:nvSpPr>
+        <p:spPr/>
+        <p:txBody>
+          <a:bodyPr/>
+          <a:lstStyle/>
+          <a:p>
+            <a:fld id="{C067B5B7-AA4E-4A5C-A9D8-B7EC83C2D746}" type="slidenum">
+              <a:rPr lang="en-US" smtClean="0"/>
+              <a:pPr/>
+              <a:t>27</a:t>
+            </a:fld>
+            <a:endParaRPr lang="en-US" dirty="0"/>
+          </a:p>
+        </p:txBody>
+      </p:sp>
+    </p:spTree>
+    <p:extLst>
+      <p:ext uri="{BB962C8B-B14F-4D97-AF65-F5344CB8AC3E}">
+        <p14:creationId xmlns:p14="http://schemas.microsoft.com/office/powerpoint/2010/main" val="2945660303"/>
+      </p:ext>
+    </p:extLst>
+  </p:cSld>
+  <p:clrMapOvr>
+    <a:masterClrMapping/>
+  </p:clrMapOvr>
+</p:notes>
+</file>
+
+<file path=ppt/notesSlides/notesSlide24.xml><?xml version="1.0" encoding="utf-8"?>
+<p:notes xmlns:a="http://schemas.openxmlformats.org/drawingml/2006/main" xmlns:r="http://schemas.openxmlformats.org/officeDocument/2006/relationships" xmlns:p="http://schemas.openxmlformats.org/presentationml/2006/main">
+  <p:cSld>
+    <p:spTree>
+      <p:nvGrpSpPr>
+        <p:cNvPr id="1" name=""/>
+        <p:cNvGrpSpPr/>
+        <p:nvPr/>
+      </p:nvGrpSpPr>
+      <p:grpSpPr>
+        <a:xfrm>
+          <a:off x="0" y="0"/>
+          <a:ext cx="0" cy="0"/>
+          <a:chOff x="0" y="0"/>
+          <a:chExt cx="0" cy="0"/>
+        </a:xfrm>
+      </p:grpSpPr>
+      <p:sp>
+        <p:nvSpPr>
+          <p:cNvPr id="2" name="Slide Image Placeholder 1"/>
+          <p:cNvSpPr>
+            <a:spLocks noGrp="1" noRot="1" noChangeAspect="1"/>
+          </p:cNvSpPr>
+          <p:nvPr>
+            <p:ph type="sldImg"/>
+          </p:nvPr>
+        </p:nvSpPr>
+        <p:spPr/>
+      </p:sp>
+      <p:sp>
+        <p:nvSpPr>
+          <p:cNvPr id="3" name="Notes Placeholder 2"/>
+          <p:cNvSpPr>
+            <a:spLocks noGrp="1"/>
+          </p:cNvSpPr>
+          <p:nvPr>
+            <p:ph type="body" idx="1"/>
+          </p:nvPr>
+        </p:nvSpPr>
+        <p:spPr/>
+        <p:txBody>
+          <a:bodyPr/>
+          <a:lstStyle/>
+          <a:p>
+            <a:r>
+              <a:rPr lang="en-GB" dirty="0" smtClean="0"/>
+              <a:t>Traffic is a ‘hyper-local</a:t>
+            </a:r>
+            <a:r>
+              <a:rPr lang="en-GB" baseline="0" dirty="0" smtClean="0"/>
+              <a:t>’ issue</a:t>
+            </a:r>
+          </a:p>
+          <a:p>
+            <a:r>
+              <a:rPr lang="en-GB" baseline="0" dirty="0" smtClean="0"/>
+              <a:t>Also regional problem</a:t>
+            </a:r>
+          </a:p>
+          <a:p>
+            <a:r>
+              <a:rPr lang="en-GB" baseline="0" dirty="0" smtClean="0"/>
+              <a:t>Traffic is a global issue</a:t>
+            </a:r>
+            <a:endParaRPr lang="en-GB" dirty="0"/>
+          </a:p>
+        </p:txBody>
+      </p:sp>
+      <p:sp>
+        <p:nvSpPr>
+          <p:cNvPr id="4" name="Slide Number Placeholder 3"/>
+          <p:cNvSpPr>
+            <a:spLocks noGrp="1"/>
+          </p:cNvSpPr>
+          <p:nvPr>
+            <p:ph type="sldNum" sz="quarter" idx="10"/>
+          </p:nvPr>
+        </p:nvSpPr>
+        <p:spPr/>
+        <p:txBody>
+          <a:bodyPr/>
+          <a:lstStyle/>
+          <a:p>
+            <a:fld id="{C067B5B7-AA4E-4A5C-A9D8-B7EC83C2D746}" type="slidenum">
+              <a:rPr lang="en-US" smtClean="0"/>
+              <a:pPr/>
+              <a:t>28</a:t>
+            </a:fld>
+            <a:endParaRPr lang="en-US" dirty="0"/>
+          </a:p>
+        </p:txBody>
+      </p:sp>
+    </p:spTree>
+    <p:extLst>
+      <p:ext uri="{BB962C8B-B14F-4D97-AF65-F5344CB8AC3E}">
+        <p14:creationId xmlns:p14="http://schemas.microsoft.com/office/powerpoint/2010/main" val="2945660303"/>
+      </p:ext>
+    </p:extLst>
+  </p:cSld>
+  <p:clrMapOvr>
+    <a:masterClrMapping/>
+  </p:clrMapOvr>
+</p:notes>
+</file>
+
+<file path=ppt/notesSlides/notesSlide25.xml><?xml version="1.0" encoding="utf-8"?>
+<p:notes xmlns:a="http://schemas.openxmlformats.org/drawingml/2006/main" xmlns:r="http://schemas.openxmlformats.org/officeDocument/2006/relationships" xmlns:p="http://schemas.openxmlformats.org/presentationml/2006/main">
+  <p:cSld>
+    <p:spTree>
+      <p:nvGrpSpPr>
+        <p:cNvPr id="1" name=""/>
+        <p:cNvGrpSpPr/>
+        <p:nvPr/>
+      </p:nvGrpSpPr>
+      <p:grpSpPr>
+        <a:xfrm>
+          <a:off x="0" y="0"/>
+          <a:ext cx="0" cy="0"/>
+          <a:chOff x="0" y="0"/>
+          <a:chExt cx="0" cy="0"/>
+        </a:xfrm>
+      </p:grpSpPr>
+      <p:sp>
+        <p:nvSpPr>
+          <p:cNvPr id="2" name="Slide Image Placeholder 1"/>
+          <p:cNvSpPr>
+            <a:spLocks noGrp="1" noRot="1" noChangeAspect="1"/>
+          </p:cNvSpPr>
+          <p:nvPr>
+            <p:ph type="sldImg"/>
+          </p:nvPr>
+        </p:nvSpPr>
+        <p:spPr/>
+      </p:sp>
+      <p:sp>
+        <p:nvSpPr>
+          <p:cNvPr id="3" name="Notes Placeholder 2"/>
+          <p:cNvSpPr>
+            <a:spLocks noGrp="1"/>
+          </p:cNvSpPr>
+          <p:nvPr>
+            <p:ph type="body" idx="1"/>
+          </p:nvPr>
+        </p:nvSpPr>
+        <p:spPr/>
+        <p:txBody>
+          <a:bodyPr/>
+          <a:lstStyle/>
+          <a:p>
+            <a:r>
+              <a:rPr lang="en-GB" dirty="0" smtClean="0"/>
+              <a:t>Traffic is a ‘hyper-local</a:t>
+            </a:r>
+            <a:r>
+              <a:rPr lang="en-GB" baseline="0" dirty="0" smtClean="0"/>
+              <a:t>’ issue</a:t>
+            </a:r>
+          </a:p>
+          <a:p>
+            <a:r>
+              <a:rPr lang="en-GB" baseline="0" dirty="0" smtClean="0"/>
+              <a:t>Also regional problem</a:t>
+            </a:r>
+          </a:p>
+          <a:p>
+            <a:r>
+              <a:rPr lang="en-GB" baseline="0" dirty="0" smtClean="0"/>
+              <a:t>Traffic is a global issue</a:t>
+            </a:r>
+            <a:endParaRPr lang="en-GB" dirty="0"/>
+          </a:p>
+        </p:txBody>
+      </p:sp>
+      <p:sp>
+        <p:nvSpPr>
+          <p:cNvPr id="4" name="Slide Number Placeholder 3"/>
+          <p:cNvSpPr>
+            <a:spLocks noGrp="1"/>
+          </p:cNvSpPr>
+          <p:nvPr>
+            <p:ph type="sldNum" sz="quarter" idx="10"/>
+          </p:nvPr>
+        </p:nvSpPr>
+        <p:spPr/>
+        <p:txBody>
+          <a:bodyPr/>
+          <a:lstStyle/>
+          <a:p>
+            <a:fld id="{C067B5B7-AA4E-4A5C-A9D8-B7EC83C2D746}" type="slidenum">
+              <a:rPr lang="en-US" smtClean="0"/>
+              <a:pPr/>
+              <a:t>29</a:t>
+            </a:fld>
+            <a:endParaRPr lang="en-US" dirty="0"/>
+          </a:p>
+        </p:txBody>
+      </p:sp>
+    </p:spTree>
+    <p:extLst>
+      <p:ext uri="{BB962C8B-B14F-4D97-AF65-F5344CB8AC3E}">
+        <p14:creationId xmlns:p14="http://schemas.microsoft.com/office/powerpoint/2010/main" val="2945660303"/>
+      </p:ext>
+    </p:extLst>
+  </p:cSld>
+  <p:clrMapOvr>
+    <a:masterClrMapping/>
+  </p:clrMapOvr>
+</p:notes>
+</file>
+
+<file path=ppt/notesSlides/notesSlide26.xml><?xml version="1.0" encoding="utf-8"?>
+<p:notes xmlns:a="http://schemas.openxmlformats.org/drawingml/2006/main" xmlns:r="http://schemas.openxmlformats.org/officeDocument/2006/relationships" xmlns:p="http://schemas.openxmlformats.org/presentationml/2006/main">
+  <p:cSld>
+    <p:spTree>
+      <p:nvGrpSpPr>
+        <p:cNvPr id="1" name=""/>
+        <p:cNvGrpSpPr/>
+        <p:nvPr/>
+      </p:nvGrpSpPr>
+      <p:grpSpPr>
+        <a:xfrm>
+          <a:off x="0" y="0"/>
+          <a:ext cx="0" cy="0"/>
+          <a:chOff x="0" y="0"/>
+          <a:chExt cx="0" cy="0"/>
+        </a:xfrm>
+      </p:grpSpPr>
+      <p:sp>
+        <p:nvSpPr>
+          <p:cNvPr id="2" name="Slide Image Placeholder 1"/>
+          <p:cNvSpPr>
+            <a:spLocks noGrp="1" noRot="1" noChangeAspect="1"/>
+          </p:cNvSpPr>
+          <p:nvPr>
+            <p:ph type="sldImg"/>
+          </p:nvPr>
+        </p:nvSpPr>
+        <p:spPr/>
+      </p:sp>
+      <p:sp>
+        <p:nvSpPr>
+          <p:cNvPr id="3" name="Notes Placeholder 2"/>
+          <p:cNvSpPr>
+            <a:spLocks noGrp="1"/>
+          </p:cNvSpPr>
+          <p:nvPr>
+            <p:ph type="body" idx="1"/>
+          </p:nvPr>
+        </p:nvSpPr>
+        <p:spPr/>
+        <p:txBody>
+          <a:bodyPr/>
+          <a:lstStyle/>
+          <a:p>
+            <a:r>
+              <a:rPr lang="en-GB" dirty="0" smtClean="0"/>
+              <a:t>Traffic is a ‘hyper-local</a:t>
+            </a:r>
+            <a:r>
+              <a:rPr lang="en-GB" baseline="0" dirty="0" smtClean="0"/>
+              <a:t>’ issue</a:t>
+            </a:r>
+          </a:p>
+          <a:p>
+            <a:r>
+              <a:rPr lang="en-GB" baseline="0" dirty="0" smtClean="0"/>
+              <a:t>Also regional problem</a:t>
+            </a:r>
+          </a:p>
+          <a:p>
+            <a:r>
+              <a:rPr lang="en-GB" baseline="0" dirty="0" smtClean="0"/>
+              <a:t>Traffic is a global issue</a:t>
+            </a:r>
+            <a:endParaRPr lang="en-GB" dirty="0"/>
+          </a:p>
+        </p:txBody>
+      </p:sp>
+      <p:sp>
+        <p:nvSpPr>
+          <p:cNvPr id="4" name="Slide Number Placeholder 3"/>
+          <p:cNvSpPr>
+            <a:spLocks noGrp="1"/>
+          </p:cNvSpPr>
+          <p:nvPr>
+            <p:ph type="sldNum" sz="quarter" idx="10"/>
+          </p:nvPr>
+        </p:nvSpPr>
+        <p:spPr/>
+        <p:txBody>
+          <a:bodyPr/>
+          <a:lstStyle/>
+          <a:p>
+            <a:fld id="{C067B5B7-AA4E-4A5C-A9D8-B7EC83C2D746}" type="slidenum">
+              <a:rPr lang="en-US" smtClean="0"/>
+              <a:pPr/>
+              <a:t>30</a:t>
+            </a:fld>
+            <a:endParaRPr lang="en-US" dirty="0"/>
+          </a:p>
+        </p:txBody>
+      </p:sp>
+    </p:spTree>
+    <p:extLst>
+      <p:ext uri="{BB962C8B-B14F-4D97-AF65-F5344CB8AC3E}">
+        <p14:creationId xmlns:p14="http://schemas.microsoft.com/office/powerpoint/2010/main" val="2945660303"/>
+      </p:ext>
+    </p:extLst>
+  </p:cSld>
+  <p:clrMapOvr>
+    <a:masterClrMapping/>
+  </p:clrMapOvr>
+</p:notes>
+</file>
+
+<file path=ppt/notesSlides/notesSlide27.xml><?xml version="1.0" encoding="utf-8"?>
+<p:notes xmlns:a="http://schemas.openxmlformats.org/drawingml/2006/main" xmlns:r="http://schemas.openxmlformats.org/officeDocument/2006/relationships" xmlns:p="http://schemas.openxmlformats.org/presentationml/2006/main">
+  <p:cSld>
+    <p:spTree>
+      <p:nvGrpSpPr>
+        <p:cNvPr id="1" name=""/>
+        <p:cNvGrpSpPr/>
+        <p:nvPr/>
+      </p:nvGrpSpPr>
+      <p:grpSpPr>
+        <a:xfrm>
+          <a:off x="0" y="0"/>
+          <a:ext cx="0" cy="0"/>
+          <a:chOff x="0" y="0"/>
+          <a:chExt cx="0" cy="0"/>
+        </a:xfrm>
+      </p:grpSpPr>
+      <p:sp>
+        <p:nvSpPr>
+          <p:cNvPr id="2" name="Slide Image Placeholder 1"/>
+          <p:cNvSpPr>
+            <a:spLocks noGrp="1" noRot="1" noChangeAspect="1"/>
+          </p:cNvSpPr>
+          <p:nvPr>
+            <p:ph type="sldImg"/>
+          </p:nvPr>
+        </p:nvSpPr>
+        <p:spPr/>
+      </p:sp>
+      <p:sp>
+        <p:nvSpPr>
+          <p:cNvPr id="3" name="Notes Placeholder 2"/>
+          <p:cNvSpPr>
+            <a:spLocks noGrp="1"/>
+          </p:cNvSpPr>
+          <p:nvPr>
+            <p:ph type="body" idx="1"/>
+          </p:nvPr>
+        </p:nvSpPr>
+        <p:spPr/>
+        <p:txBody>
+          <a:bodyPr/>
+          <a:lstStyle/>
+          <a:p>
+            <a:r>
+              <a:rPr lang="en-GB" dirty="0" smtClean="0"/>
+              <a:t>Traffic is a ‘hyper-local</a:t>
+            </a:r>
+            <a:r>
+              <a:rPr lang="en-GB" baseline="0" dirty="0" smtClean="0"/>
+              <a:t>’ issue</a:t>
+            </a:r>
+          </a:p>
+          <a:p>
+            <a:r>
+              <a:rPr lang="en-GB" baseline="0" dirty="0" smtClean="0"/>
+              <a:t>Also regional problem</a:t>
+            </a:r>
+          </a:p>
+          <a:p>
+            <a:r>
+              <a:rPr lang="en-GB" baseline="0" dirty="0" smtClean="0"/>
+              <a:t>Traffic is a global issue</a:t>
+            </a:r>
+            <a:endParaRPr lang="en-GB" dirty="0"/>
+          </a:p>
+        </p:txBody>
+      </p:sp>
+      <p:sp>
+        <p:nvSpPr>
+          <p:cNvPr id="4" name="Slide Number Placeholder 3"/>
+          <p:cNvSpPr>
+            <a:spLocks noGrp="1"/>
+          </p:cNvSpPr>
+          <p:nvPr>
+            <p:ph type="sldNum" sz="quarter" idx="10"/>
+          </p:nvPr>
+        </p:nvSpPr>
+        <p:spPr/>
+        <p:txBody>
+          <a:bodyPr/>
+          <a:lstStyle/>
+          <a:p>
+            <a:fld id="{C067B5B7-AA4E-4A5C-A9D8-B7EC83C2D746}" type="slidenum">
+              <a:rPr lang="en-US" smtClean="0"/>
+              <a:pPr/>
+              <a:t>31</a:t>
+            </a:fld>
+            <a:endParaRPr lang="en-US" dirty="0"/>
+          </a:p>
+        </p:txBody>
+      </p:sp>
+    </p:spTree>
+    <p:extLst>
+      <p:ext uri="{BB962C8B-B14F-4D97-AF65-F5344CB8AC3E}">
+        <p14:creationId xmlns:p14="http://schemas.microsoft.com/office/powerpoint/2010/main" val="2945660303"/>
+      </p:ext>
+    </p:extLst>
+  </p:cSld>
+  <p:clrMapOvr>
+    <a:masterClrMapping/>
+  </p:clrMapOvr>
+</p:notes>
+</file>
+
+<file path=ppt/notesSlides/notesSlide28.xml><?xml version="1.0" encoding="utf-8"?>
+<p:notes xmlns:a="http://schemas.openxmlformats.org/drawingml/2006/main" xmlns:r="http://schemas.openxmlformats.org/officeDocument/2006/relationships" xmlns:p="http://schemas.openxmlformats.org/presentationml/2006/main">
+  <p:cSld>
+    <p:spTree>
+      <p:nvGrpSpPr>
+        <p:cNvPr id="1" name=""/>
+        <p:cNvGrpSpPr/>
+        <p:nvPr/>
+      </p:nvGrpSpPr>
+      <p:grpSpPr>
+        <a:xfrm>
+          <a:off x="0" y="0"/>
+          <a:ext cx="0" cy="0"/>
+          <a:chOff x="0" y="0"/>
+          <a:chExt cx="0" cy="0"/>
+        </a:xfrm>
+      </p:grpSpPr>
+      <p:sp>
+        <p:nvSpPr>
+          <p:cNvPr id="2" name="Slide Image Placeholder 1"/>
+          <p:cNvSpPr>
+            <a:spLocks noGrp="1" noRot="1" noChangeAspect="1"/>
+          </p:cNvSpPr>
+          <p:nvPr>
+            <p:ph type="sldImg"/>
+          </p:nvPr>
+        </p:nvSpPr>
+        <p:spPr/>
+      </p:sp>
+      <p:sp>
+        <p:nvSpPr>
+          <p:cNvPr id="3" name="Notes Placeholder 2"/>
+          <p:cNvSpPr>
+            <a:spLocks noGrp="1"/>
+          </p:cNvSpPr>
+          <p:nvPr>
+            <p:ph type="body" idx="1"/>
+          </p:nvPr>
+        </p:nvSpPr>
+        <p:spPr/>
+        <p:txBody>
+          <a:bodyPr/>
+          <a:lstStyle/>
+          <a:p>
+            <a:r>
+              <a:rPr lang="en-GB" dirty="0" smtClean="0"/>
+              <a:t>Traffic is a ‘hyper-local</a:t>
+            </a:r>
+            <a:r>
+              <a:rPr lang="en-GB" baseline="0" dirty="0" smtClean="0"/>
+              <a:t>’ issue</a:t>
+            </a:r>
+          </a:p>
+          <a:p>
+            <a:r>
+              <a:rPr lang="en-GB" baseline="0" dirty="0" smtClean="0"/>
+              <a:t>Also regional problem</a:t>
+            </a:r>
+          </a:p>
+          <a:p>
+            <a:r>
+              <a:rPr lang="en-GB" baseline="0" dirty="0" smtClean="0"/>
+              <a:t>Traffic is a global issue</a:t>
+            </a:r>
+            <a:endParaRPr lang="en-GB" dirty="0"/>
+          </a:p>
+        </p:txBody>
+      </p:sp>
+      <p:sp>
+        <p:nvSpPr>
+          <p:cNvPr id="4" name="Slide Number Placeholder 3"/>
+          <p:cNvSpPr>
+            <a:spLocks noGrp="1"/>
+          </p:cNvSpPr>
+          <p:nvPr>
+            <p:ph type="sldNum" sz="quarter" idx="10"/>
+          </p:nvPr>
+        </p:nvSpPr>
+        <p:spPr/>
+        <p:txBody>
+          <a:bodyPr/>
+          <a:lstStyle/>
+          <a:p>
+            <a:fld id="{C067B5B7-AA4E-4A5C-A9D8-B7EC83C2D746}" type="slidenum">
+              <a:rPr lang="en-US" smtClean="0"/>
+              <a:pPr/>
+              <a:t>32</a:t>
+            </a:fld>
+            <a:endParaRPr lang="en-US" dirty="0"/>
+          </a:p>
+        </p:txBody>
+      </p:sp>
+    </p:spTree>
+    <p:extLst>
+      <p:ext uri="{BB962C8B-B14F-4D97-AF65-F5344CB8AC3E}">
+        <p14:creationId xmlns:p14="http://schemas.microsoft.com/office/powerpoint/2010/main" val="2945660303"/>
+      </p:ext>
+    </p:extLst>
+  </p:cSld>
+  <p:clrMapOvr>
+    <a:masterClrMapping/>
+  </p:clrMapOvr>
+</p:notes>
+</file>
+
+<file path=ppt/notesSlides/notesSlide3.xml><?xml version="1.0" encoding="utf-8"?>
+<p:notes xmlns:a="http://schemas.openxmlformats.org/drawingml/2006/main" xmlns:r="http://schemas.openxmlformats.org/officeDocument/2006/relationships" xmlns:p="http://schemas.openxmlformats.org/presentationml/2006/main">
+  <p:cSld>
+    <p:spTree>
+      <p:nvGrpSpPr>
+        <p:cNvPr id="1" name=""/>
+        <p:cNvGrpSpPr/>
+        <p:nvPr/>
+      </p:nvGrpSpPr>
+      <p:grpSpPr>
+        <a:xfrm>
+          <a:off x="0" y="0"/>
+          <a:ext cx="0" cy="0"/>
+          <a:chOff x="0" y="0"/>
+          <a:chExt cx="0" cy="0"/>
+        </a:xfrm>
+      </p:grpSpPr>
+      <p:sp>
+        <p:nvSpPr>
+          <p:cNvPr id="2" name="Slide Image Placeholder 1"/>
+          <p:cNvSpPr>
+            <a:spLocks noGrp="1" noRot="1" noChangeAspect="1"/>
+          </p:cNvSpPr>
+          <p:nvPr>
+            <p:ph type="sldImg"/>
+          </p:nvPr>
+        </p:nvSpPr>
+        <p:spPr/>
+      </p:sp>
+      <p:sp>
+        <p:nvSpPr>
+          <p:cNvPr id="3" name="Notes Placeholder 2"/>
+          <p:cNvSpPr>
+            <a:spLocks noGrp="1"/>
+          </p:cNvSpPr>
+          <p:nvPr>
+            <p:ph type="body" idx="1"/>
+          </p:nvPr>
+        </p:nvSpPr>
+        <p:spPr/>
+        <p:txBody>
+          <a:bodyPr/>
+          <a:lstStyle/>
+          <a:p>
+            <a:r>
+              <a:rPr lang="en-GB" dirty="0" smtClean="0"/>
+              <a:t>Traffic is a ‘hyper-local</a:t>
+            </a:r>
+            <a:r>
+              <a:rPr lang="en-GB" baseline="0" dirty="0" smtClean="0"/>
+              <a:t>’ issue</a:t>
+            </a:r>
+          </a:p>
+          <a:p>
+            <a:r>
+              <a:rPr lang="en-GB" baseline="0" dirty="0" smtClean="0"/>
+              <a:t>Also regional problem</a:t>
+            </a:r>
+          </a:p>
+          <a:p>
+            <a:r>
+              <a:rPr lang="en-GB" baseline="0" dirty="0" smtClean="0"/>
+              <a:t>Traffic is a global issue</a:t>
+            </a:r>
+            <a:endParaRPr lang="en-GB" dirty="0"/>
+          </a:p>
+        </p:txBody>
+      </p:sp>
+      <p:sp>
+        <p:nvSpPr>
+          <p:cNvPr id="4" name="Slide Number Placeholder 3"/>
+          <p:cNvSpPr>
+            <a:spLocks noGrp="1"/>
+          </p:cNvSpPr>
+          <p:nvPr>
+            <p:ph type="sldNum" sz="quarter" idx="10"/>
+          </p:nvPr>
+        </p:nvSpPr>
+        <p:spPr/>
+        <p:txBody>
+          <a:bodyPr/>
+          <a:lstStyle/>
+          <a:p>
+            <a:fld id="{C067B5B7-AA4E-4A5C-A9D8-B7EC83C2D746}" type="slidenum">
+              <a:rPr lang="en-US" smtClean="0"/>
+              <a:pPr/>
+              <a:t>6</a:t>
+            </a:fld>
+            <a:endParaRPr lang="en-US" dirty="0"/>
+          </a:p>
+        </p:txBody>
+      </p:sp>
+    </p:spTree>
+    <p:extLst>
+      <p:ext uri="{BB962C8B-B14F-4D97-AF65-F5344CB8AC3E}">
+        <p14:creationId xmlns:p14="http://schemas.microsoft.com/office/powerpoint/2010/main" val="2945660303"/>
+      </p:ext>
+    </p:extLst>
+  </p:cSld>
+  <p:clrMapOvr>
+    <a:masterClrMapping/>
+  </p:clrMapOvr>
+</p:notes>
+</file>
+
+<file path=ppt/notesSlides/notesSlide4.xml><?xml version="1.0" encoding="utf-8"?>
+<p:notes xmlns:a="http://schemas.openxmlformats.org/drawingml/2006/main" xmlns:r="http://schemas.openxmlformats.org/officeDocument/2006/relationships" xmlns:p="http://schemas.openxmlformats.org/presentationml/2006/main">
+  <p:cSld>
+    <p:spTree>
+      <p:nvGrpSpPr>
+        <p:cNvPr id="1" name=""/>
+        <p:cNvGrpSpPr/>
+        <p:nvPr/>
+      </p:nvGrpSpPr>
+      <p:grpSpPr>
+        <a:xfrm>
+          <a:off x="0" y="0"/>
+          <a:ext cx="0" cy="0"/>
+          <a:chOff x="0" y="0"/>
+          <a:chExt cx="0" cy="0"/>
+        </a:xfrm>
+      </p:grpSpPr>
+      <p:sp>
+        <p:nvSpPr>
+          <p:cNvPr id="2" name="Slide Image Placeholder 1"/>
+          <p:cNvSpPr>
+            <a:spLocks noGrp="1" noRot="1" noChangeAspect="1"/>
+          </p:cNvSpPr>
+          <p:nvPr>
+            <p:ph type="sldImg"/>
+          </p:nvPr>
+        </p:nvSpPr>
+        <p:spPr/>
+      </p:sp>
+      <p:sp>
+        <p:nvSpPr>
+          <p:cNvPr id="3" name="Notes Placeholder 2"/>
+          <p:cNvSpPr>
+            <a:spLocks noGrp="1"/>
+          </p:cNvSpPr>
+          <p:nvPr>
+            <p:ph type="body" idx="1"/>
+          </p:nvPr>
+        </p:nvSpPr>
+        <p:spPr/>
+        <p:txBody>
+          <a:bodyPr/>
+          <a:lstStyle/>
+          <a:p>
+            <a:r>
+              <a:rPr lang="en-GB" dirty="0" smtClean="0"/>
+              <a:t>Traffic is a ‘hyper-local</a:t>
+            </a:r>
+            <a:r>
+              <a:rPr lang="en-GB" baseline="0" dirty="0" smtClean="0"/>
+              <a:t>’ issue</a:t>
+            </a:r>
+          </a:p>
+          <a:p>
+            <a:r>
+              <a:rPr lang="en-GB" baseline="0" dirty="0" smtClean="0"/>
+              <a:t>Also regional problem</a:t>
+            </a:r>
+          </a:p>
+          <a:p>
+            <a:r>
+              <a:rPr lang="en-GB" baseline="0" dirty="0" smtClean="0"/>
+              <a:t>Traffic is a global issue</a:t>
+            </a:r>
+            <a:endParaRPr lang="en-GB" dirty="0"/>
+          </a:p>
+        </p:txBody>
+      </p:sp>
+      <p:sp>
+        <p:nvSpPr>
+          <p:cNvPr id="4" name="Slide Number Placeholder 3"/>
+          <p:cNvSpPr>
+            <a:spLocks noGrp="1"/>
+          </p:cNvSpPr>
+          <p:nvPr>
+            <p:ph type="sldNum" sz="quarter" idx="10"/>
+          </p:nvPr>
+        </p:nvSpPr>
+        <p:spPr/>
+        <p:txBody>
+          <a:bodyPr/>
+          <a:lstStyle/>
+          <a:p>
+            <a:fld id="{C067B5B7-AA4E-4A5C-A9D8-B7EC83C2D746}" type="slidenum">
+              <a:rPr lang="en-US" smtClean="0"/>
+              <a:pPr/>
+              <a:t>7</a:t>
+            </a:fld>
+            <a:endParaRPr lang="en-US" dirty="0"/>
+          </a:p>
+        </p:txBody>
+      </p:sp>
+    </p:spTree>
+    <p:extLst>
+      <p:ext uri="{BB962C8B-B14F-4D97-AF65-F5344CB8AC3E}">
+        <p14:creationId xmlns:p14="http://schemas.microsoft.com/office/powerpoint/2010/main" val="2945660303"/>
+      </p:ext>
+    </p:extLst>
+  </p:cSld>
+  <p:clrMapOvr>
+    <a:masterClrMapping/>
+  </p:clrMapOvr>
+</p:notes>
+</file>
+
+<file path=ppt/notesSlides/notesSlide5.xml><?xml version="1.0" encoding="utf-8"?>
+<p:notes xmlns:a="http://schemas.openxmlformats.org/drawingml/2006/main" xmlns:r="http://schemas.openxmlformats.org/officeDocument/2006/relationships" xmlns:p="http://schemas.openxmlformats.org/presentationml/2006/main">
+  <p:cSld>
+    <p:spTree>
+      <p:nvGrpSpPr>
+        <p:cNvPr id="1" name=""/>
+        <p:cNvGrpSpPr/>
+        <p:nvPr/>
+      </p:nvGrpSpPr>
+      <p:grpSpPr>
+        <a:xfrm>
+          <a:off x="0" y="0"/>
+          <a:ext cx="0" cy="0"/>
+          <a:chOff x="0" y="0"/>
+          <a:chExt cx="0" cy="0"/>
+        </a:xfrm>
+      </p:grpSpPr>
+      <p:sp>
+        <p:nvSpPr>
+          <p:cNvPr id="2" name="Slide Image Placeholder 1"/>
+          <p:cNvSpPr>
+            <a:spLocks noGrp="1" noRot="1" noChangeAspect="1"/>
+          </p:cNvSpPr>
+          <p:nvPr>
+            <p:ph type="sldImg"/>
+          </p:nvPr>
+        </p:nvSpPr>
+        <p:spPr/>
+      </p:sp>
+      <p:sp>
+        <p:nvSpPr>
+          <p:cNvPr id="3" name="Notes Placeholder 2"/>
+          <p:cNvSpPr>
+            <a:spLocks noGrp="1"/>
+          </p:cNvSpPr>
+          <p:nvPr>
+            <p:ph type="body" idx="1"/>
+          </p:nvPr>
+        </p:nvSpPr>
+        <p:spPr/>
+        <p:txBody>
+          <a:bodyPr/>
+          <a:lstStyle/>
+          <a:p>
+            <a:r>
+              <a:rPr lang="en-GB" dirty="0" smtClean="0"/>
+              <a:t>Traffic is a ‘hyper-local</a:t>
+            </a:r>
+            <a:r>
+              <a:rPr lang="en-GB" baseline="0" dirty="0" smtClean="0"/>
+              <a:t>’ issue</a:t>
+            </a:r>
+          </a:p>
+          <a:p>
+            <a:r>
+              <a:rPr lang="en-GB" baseline="0" dirty="0" smtClean="0"/>
+              <a:t>Also regional problem</a:t>
+            </a:r>
+          </a:p>
+          <a:p>
+            <a:r>
+              <a:rPr lang="en-GB" baseline="0" dirty="0" smtClean="0"/>
+              <a:t>Traffic is a global issue</a:t>
+            </a:r>
+            <a:endParaRPr lang="en-GB" dirty="0"/>
+          </a:p>
+        </p:txBody>
+      </p:sp>
+      <p:sp>
+        <p:nvSpPr>
+          <p:cNvPr id="4" name="Slide Number Placeholder 3"/>
+          <p:cNvSpPr>
+            <a:spLocks noGrp="1"/>
+          </p:cNvSpPr>
+          <p:nvPr>
+            <p:ph type="sldNum" sz="quarter" idx="10"/>
+          </p:nvPr>
+        </p:nvSpPr>
+        <p:spPr/>
+        <p:txBody>
+          <a:bodyPr/>
+          <a:lstStyle/>
+          <a:p>
+            <a:fld id="{C067B5B7-AA4E-4A5C-A9D8-B7EC83C2D746}" type="slidenum">
+              <a:rPr lang="en-US" smtClean="0"/>
+              <a:pPr/>
+              <a:t>8</a:t>
+            </a:fld>
+            <a:endParaRPr lang="en-US" dirty="0"/>
+          </a:p>
+        </p:txBody>
+      </p:sp>
+    </p:spTree>
+    <p:extLst>
+      <p:ext uri="{BB962C8B-B14F-4D97-AF65-F5344CB8AC3E}">
+        <p14:creationId xmlns:p14="http://schemas.microsoft.com/office/powerpoint/2010/main" val="2945660303"/>
+      </p:ext>
+    </p:extLst>
+  </p:cSld>
+  <p:clrMapOvr>
+    <a:masterClrMapping/>
+  </p:clrMapOvr>
+</p:notes>
+</file>
+
+<file path=ppt/notesSlides/notesSlide6.xml><?xml version="1.0" encoding="utf-8"?>
+<p:notes xmlns:a="http://schemas.openxmlformats.org/drawingml/2006/main" xmlns:r="http://schemas.openxmlformats.org/officeDocument/2006/relationships" xmlns:p="http://schemas.openxmlformats.org/presentationml/2006/main">
+  <p:cSld>
+    <p:spTree>
+      <p:nvGrpSpPr>
+        <p:cNvPr id="1" name=""/>
+        <p:cNvGrpSpPr/>
+        <p:nvPr/>
+      </p:nvGrpSpPr>
+      <p:grpSpPr>
+        <a:xfrm>
+          <a:off x="0" y="0"/>
+          <a:ext cx="0" cy="0"/>
+          <a:chOff x="0" y="0"/>
+          <a:chExt cx="0" cy="0"/>
+        </a:xfrm>
+      </p:grpSpPr>
+      <p:sp>
+        <p:nvSpPr>
+          <p:cNvPr id="2" name="Slide Image Placeholder 1"/>
+          <p:cNvSpPr>
+            <a:spLocks noGrp="1" noRot="1" noChangeAspect="1"/>
+          </p:cNvSpPr>
+          <p:nvPr>
+            <p:ph type="sldImg"/>
+          </p:nvPr>
+        </p:nvSpPr>
+        <p:spPr/>
+      </p:sp>
+      <p:sp>
+        <p:nvSpPr>
+          <p:cNvPr id="3" name="Notes Placeholder 2"/>
+          <p:cNvSpPr>
+            <a:spLocks noGrp="1"/>
+          </p:cNvSpPr>
+          <p:nvPr>
+            <p:ph type="body" idx="1"/>
+          </p:nvPr>
+        </p:nvSpPr>
+        <p:spPr/>
+        <p:txBody>
+          <a:bodyPr/>
+          <a:lstStyle/>
+          <a:p>
+            <a:r>
+              <a:rPr lang="en-GB" dirty="0" smtClean="0"/>
+              <a:t>Traffic is a ‘hyper-local</a:t>
+            </a:r>
+            <a:r>
+              <a:rPr lang="en-GB" baseline="0" dirty="0" smtClean="0"/>
+              <a:t>’ issue</a:t>
+            </a:r>
+          </a:p>
+          <a:p>
+            <a:r>
+              <a:rPr lang="en-GB" baseline="0" dirty="0" smtClean="0"/>
+              <a:t>Also regional problem</a:t>
+            </a:r>
+          </a:p>
+          <a:p>
+            <a:r>
+              <a:rPr lang="en-GB" baseline="0" dirty="0" smtClean="0"/>
+              <a:t>Traffic is a global issue</a:t>
+            </a:r>
+            <a:endParaRPr lang="en-GB" dirty="0"/>
+          </a:p>
+        </p:txBody>
+      </p:sp>
+      <p:sp>
+        <p:nvSpPr>
+          <p:cNvPr id="4" name="Slide Number Placeholder 3"/>
+          <p:cNvSpPr>
+            <a:spLocks noGrp="1"/>
+          </p:cNvSpPr>
+          <p:nvPr>
+            <p:ph type="sldNum" sz="quarter" idx="10"/>
+          </p:nvPr>
+        </p:nvSpPr>
+        <p:spPr/>
+        <p:txBody>
+          <a:bodyPr/>
+          <a:lstStyle/>
+          <a:p>
+            <a:fld id="{C067B5B7-AA4E-4A5C-A9D8-B7EC83C2D746}" type="slidenum">
+              <a:rPr lang="en-US" smtClean="0"/>
+              <a:pPr/>
+              <a:t>9</a:t>
+            </a:fld>
+            <a:endParaRPr lang="en-US" dirty="0"/>
+          </a:p>
+        </p:txBody>
+      </p:sp>
+    </p:spTree>
+    <p:extLst>
+      <p:ext uri="{BB962C8B-B14F-4D97-AF65-F5344CB8AC3E}">
+        <p14:creationId xmlns:p14="http://schemas.microsoft.com/office/powerpoint/2010/main" val="2945660303"/>
+      </p:ext>
+    </p:extLst>
+  </p:cSld>
+  <p:clrMapOvr>
+    <a:masterClrMapping/>
+  </p:clrMapOvr>
+</p:notes>
+</file>
+
+<file path=ppt/notesSlides/notesSlide7.xml><?xml version="1.0" encoding="utf-8"?>
+<p:notes xmlns:a="http://schemas.openxmlformats.org/drawingml/2006/main" xmlns:r="http://schemas.openxmlformats.org/officeDocument/2006/relationships" xmlns:p="http://schemas.openxmlformats.org/presentationml/2006/main">
+  <p:cSld>
+    <p:spTree>
+      <p:nvGrpSpPr>
+        <p:cNvPr id="1" name=""/>
+        <p:cNvGrpSpPr/>
+        <p:nvPr/>
+      </p:nvGrpSpPr>
+      <p:grpSpPr>
+        <a:xfrm>
+          <a:off x="0" y="0"/>
+          <a:ext cx="0" cy="0"/>
+          <a:chOff x="0" y="0"/>
+          <a:chExt cx="0" cy="0"/>
+        </a:xfrm>
+      </p:grpSpPr>
+      <p:sp>
+        <p:nvSpPr>
+          <p:cNvPr id="2" name="Slide Image Placeholder 1"/>
+          <p:cNvSpPr>
+            <a:spLocks noGrp="1" noRot="1" noChangeAspect="1"/>
+          </p:cNvSpPr>
+          <p:nvPr>
+            <p:ph type="sldImg"/>
+          </p:nvPr>
+        </p:nvSpPr>
+        <p:spPr/>
+      </p:sp>
+      <p:sp>
+        <p:nvSpPr>
+          <p:cNvPr id="3" name="Notes Placeholder 2"/>
+          <p:cNvSpPr>
+            <a:spLocks noGrp="1"/>
+          </p:cNvSpPr>
+          <p:nvPr>
+            <p:ph type="body" idx="1"/>
+          </p:nvPr>
+        </p:nvSpPr>
+        <p:spPr/>
+        <p:txBody>
+          <a:bodyPr/>
+          <a:lstStyle/>
+          <a:p>
+            <a:r>
+              <a:rPr lang="en-GB" dirty="0" smtClean="0"/>
+              <a:t>Traffic is a ‘hyper-local</a:t>
+            </a:r>
+            <a:r>
+              <a:rPr lang="en-GB" baseline="0" dirty="0" smtClean="0"/>
+              <a:t>’ issue</a:t>
+            </a:r>
+          </a:p>
+          <a:p>
+            <a:r>
+              <a:rPr lang="en-GB" baseline="0" dirty="0" smtClean="0"/>
+              <a:t>Also regional problem</a:t>
+            </a:r>
+          </a:p>
+          <a:p>
+            <a:r>
+              <a:rPr lang="en-GB" baseline="0" dirty="0" smtClean="0"/>
+              <a:t>Traffic is a global issue</a:t>
+            </a:r>
+            <a:endParaRPr lang="en-GB" dirty="0"/>
+          </a:p>
+        </p:txBody>
+      </p:sp>
+      <p:sp>
+        <p:nvSpPr>
+          <p:cNvPr id="4" name="Slide Number Placeholder 3"/>
+          <p:cNvSpPr>
+            <a:spLocks noGrp="1"/>
+          </p:cNvSpPr>
+          <p:nvPr>
+            <p:ph type="sldNum" sz="quarter" idx="10"/>
+          </p:nvPr>
+        </p:nvSpPr>
+        <p:spPr/>
+        <p:txBody>
+          <a:bodyPr/>
+          <a:lstStyle/>
+          <a:p>
+            <a:fld id="{C067B5B7-AA4E-4A5C-A9D8-B7EC83C2D746}" type="slidenum">
+              <a:rPr lang="en-US" smtClean="0"/>
+              <a:pPr/>
+              <a:t>10</a:t>
+            </a:fld>
+            <a:endParaRPr lang="en-US" dirty="0"/>
+          </a:p>
+        </p:txBody>
+      </p:sp>
+    </p:spTree>
+    <p:extLst>
+      <p:ext uri="{BB962C8B-B14F-4D97-AF65-F5344CB8AC3E}">
+        <p14:creationId xmlns:p14="http://schemas.microsoft.com/office/powerpoint/2010/main" val="2945660303"/>
+      </p:ext>
+    </p:extLst>
+  </p:cSld>
+  <p:clrMapOvr>
+    <a:masterClrMapping/>
+  </p:clrMapOvr>
+</p:notes>
+</file>
+
+<file path=ppt/notesSlides/notesSlide8.xml><?xml version="1.0" encoding="utf-8"?>
+<p:notes xmlns:a="http://schemas.openxmlformats.org/drawingml/2006/main" xmlns:r="http://schemas.openxmlformats.org/officeDocument/2006/relationships" xmlns:p="http://schemas.openxmlformats.org/presentationml/2006/main">
+  <p:cSld>
+    <p:spTree>
+      <p:nvGrpSpPr>
+        <p:cNvPr id="1" name=""/>
+        <p:cNvGrpSpPr/>
+        <p:nvPr/>
+      </p:nvGrpSpPr>
+      <p:grpSpPr>
+        <a:xfrm>
+          <a:off x="0" y="0"/>
+          <a:ext cx="0" cy="0"/>
+          <a:chOff x="0" y="0"/>
+          <a:chExt cx="0" cy="0"/>
+        </a:xfrm>
+      </p:grpSpPr>
+      <p:sp>
+        <p:nvSpPr>
+          <p:cNvPr id="2" name="Slide Image Placeholder 1"/>
+          <p:cNvSpPr>
+            <a:spLocks noGrp="1" noRot="1" noChangeAspect="1"/>
+          </p:cNvSpPr>
+          <p:nvPr>
+            <p:ph type="sldImg"/>
+          </p:nvPr>
+        </p:nvSpPr>
+        <p:spPr/>
+      </p:sp>
+      <p:sp>
+        <p:nvSpPr>
+          <p:cNvPr id="3" name="Notes Placeholder 2"/>
+          <p:cNvSpPr>
+            <a:spLocks noGrp="1"/>
+          </p:cNvSpPr>
+          <p:nvPr>
+            <p:ph type="body" idx="1"/>
+          </p:nvPr>
+        </p:nvSpPr>
+        <p:spPr/>
+        <p:txBody>
+          <a:bodyPr/>
+          <a:lstStyle/>
+          <a:p>
+            <a:r>
+              <a:rPr lang="en-GB" dirty="0" smtClean="0"/>
+              <a:t>Traffic is a ‘hyper-local</a:t>
+            </a:r>
+            <a:r>
+              <a:rPr lang="en-GB" baseline="0" dirty="0" smtClean="0"/>
+              <a:t>’ issue</a:t>
+            </a:r>
+          </a:p>
+          <a:p>
+            <a:r>
+              <a:rPr lang="en-GB" baseline="0" dirty="0" smtClean="0"/>
+              <a:t>Also regional problem</a:t>
+            </a:r>
+          </a:p>
+          <a:p>
+            <a:r>
+              <a:rPr lang="en-GB" baseline="0" dirty="0" smtClean="0"/>
+              <a:t>Traffic is a global issue</a:t>
+            </a:r>
+            <a:endParaRPr lang="en-GB" dirty="0"/>
+          </a:p>
+        </p:txBody>
+      </p:sp>
+      <p:sp>
+        <p:nvSpPr>
+          <p:cNvPr id="4" name="Slide Number Placeholder 3"/>
+          <p:cNvSpPr>
+            <a:spLocks noGrp="1"/>
+          </p:cNvSpPr>
+          <p:nvPr>
+            <p:ph type="sldNum" sz="quarter" idx="10"/>
+          </p:nvPr>
+        </p:nvSpPr>
+        <p:spPr/>
+        <p:txBody>
+          <a:bodyPr/>
+          <a:lstStyle/>
+          <a:p>
+            <a:fld id="{C067B5B7-AA4E-4A5C-A9D8-B7EC83C2D746}" type="slidenum">
+              <a:rPr lang="en-US" smtClean="0"/>
+              <a:pPr/>
+              <a:t>11</a:t>
+            </a:fld>
+            <a:endParaRPr lang="en-US" dirty="0"/>
+          </a:p>
+        </p:txBody>
+      </p:sp>
+    </p:spTree>
+    <p:extLst>
+      <p:ext uri="{BB962C8B-B14F-4D97-AF65-F5344CB8AC3E}">
+        <p14:creationId xmlns:p14="http://schemas.microsoft.com/office/powerpoint/2010/main" val="2945660303"/>
+      </p:ext>
+    </p:extLst>
+  </p:cSld>
+  <p:clrMapOvr>
+    <a:masterClrMapping/>
+  </p:clrMapOvr>
+</p:notes>
+</file>
+
+<file path=ppt/notesSlides/notesSlide9.xml><?xml version="1.0" encoding="utf-8"?>
+<p:notes xmlns:a="http://schemas.openxmlformats.org/drawingml/2006/main" xmlns:r="http://schemas.openxmlformats.org/officeDocument/2006/relationships" xmlns:p="http://schemas.openxmlformats.org/presentationml/2006/main">
+  <p:cSld>
+    <p:spTree>
+      <p:nvGrpSpPr>
+        <p:cNvPr id="1" name=""/>
+        <p:cNvGrpSpPr/>
+        <p:nvPr/>
+      </p:nvGrpSpPr>
+      <p:grpSpPr>
+        <a:xfrm>
+          <a:off x="0" y="0"/>
+          <a:ext cx="0" cy="0"/>
+          <a:chOff x="0" y="0"/>
+          <a:chExt cx="0" cy="0"/>
+        </a:xfrm>
+      </p:grpSpPr>
+      <p:sp>
+        <p:nvSpPr>
+          <p:cNvPr id="2" name="Slide Image Placeholder 1"/>
+          <p:cNvSpPr>
+            <a:spLocks noGrp="1" noRot="1" noChangeAspect="1"/>
+          </p:cNvSpPr>
+          <p:nvPr>
+            <p:ph type="sldImg"/>
+          </p:nvPr>
+        </p:nvSpPr>
+        <p:spPr/>
+      </p:sp>
+      <p:sp>
+        <p:nvSpPr>
+          <p:cNvPr id="3" name="Notes Placeholder 2"/>
+          <p:cNvSpPr>
+            <a:spLocks noGrp="1"/>
+          </p:cNvSpPr>
+          <p:nvPr>
+            <p:ph type="body" idx="1"/>
+          </p:nvPr>
+        </p:nvSpPr>
+        <p:spPr/>
+        <p:txBody>
+          <a:bodyPr/>
+          <a:lstStyle/>
+          <a:p>
+            <a:r>
+              <a:rPr lang="en-GB" dirty="0" smtClean="0"/>
+              <a:t>Traffic is a ‘hyper-local</a:t>
+            </a:r>
+            <a:r>
+              <a:rPr lang="en-GB" baseline="0" dirty="0" smtClean="0"/>
+              <a:t>’ issue</a:t>
+            </a:r>
+          </a:p>
+          <a:p>
+            <a:r>
+              <a:rPr lang="en-GB" baseline="0" dirty="0" smtClean="0"/>
+              <a:t>Also regional problem</a:t>
+            </a:r>
+          </a:p>
+          <a:p>
+            <a:r>
+              <a:rPr lang="en-GB" baseline="0" dirty="0" smtClean="0"/>
+              <a:t>Traffic is a global issue</a:t>
+            </a:r>
+            <a:endParaRPr lang="en-GB" dirty="0"/>
+          </a:p>
+        </p:txBody>
+      </p:sp>
+      <p:sp>
+        <p:nvSpPr>
+          <p:cNvPr id="4" name="Slide Number Placeholder 3"/>
+          <p:cNvSpPr>
+            <a:spLocks noGrp="1"/>
+          </p:cNvSpPr>
+          <p:nvPr>
+            <p:ph type="sldNum" sz="quarter" idx="10"/>
+          </p:nvPr>
+        </p:nvSpPr>
+        <p:spPr/>
+        <p:txBody>
+          <a:bodyPr/>
+          <a:lstStyle/>
+          <a:p>
+            <a:fld id="{C067B5B7-AA4E-4A5C-A9D8-B7EC83C2D746}" type="slidenum">
+              <a:rPr lang="en-US" smtClean="0"/>
+              <a:pPr/>
+              <a:t>12</a:t>
+            </a:fld>
+            <a:endParaRPr lang="en-US" dirty="0"/>
           </a:p>
         </p:txBody>
       </p:sp>
@@ -2523,10 +5321,10 @@
           </a:lstStyle>
           <a:p>
             <a:r>
-              <a:rPr lang="en-US" smtClean="0"/>
+              <a:rPr lang="en-US" dirty="0" smtClean="0"/>
               <a:t>Click icon to add picture</a:t>
             </a:r>
-            <a:endParaRPr lang="en-US"/>
+            <a:endParaRPr lang="en-US" dirty="0"/>
           </a:p>
         </p:txBody>
       </p:sp>
@@ -6678,12 +9476,12 @@
       </p:grpSpPr>
       <p:sp>
         <p:nvSpPr>
-          <p:cNvPr id="4" name="Title 3"/>
+          <p:cNvPr id="2" name="Title 1"/>
           <p:cNvSpPr>
             <a:spLocks noGrp="1"/>
           </p:cNvSpPr>
           <p:nvPr>
-            <p:ph type="ctrTitle"/>
+            <p:ph type="title"/>
           </p:nvPr>
         </p:nvSpPr>
         <p:spPr/>
@@ -6693,29 +9491,2179 @@
           <a:p>
             <a:r>
               <a:rPr lang="en-US" dirty="0" smtClean="0"/>
-              <a:t>Thank you </a:t>
-            </a:r>
-            <a:br>
+              <a:t>Threads synchronization</a:t>
+            </a:r>
+            <a:endParaRPr lang="en-US" sz="2400" b="0" dirty="0">
+              <a:solidFill>
+                <a:schemeClr val="accent2"/>
+              </a:solidFill>
+            </a:endParaRPr>
+          </a:p>
+        </p:txBody>
+      </p:sp>
+      <p:sp>
+        <p:nvSpPr>
+          <p:cNvPr id="3" name="Content Placeholder 2"/>
+          <p:cNvSpPr>
+            <a:spLocks noGrp="1"/>
+          </p:cNvSpPr>
+          <p:nvPr>
+            <p:ph idx="1"/>
+          </p:nvPr>
+        </p:nvSpPr>
+        <p:spPr/>
+        <p:txBody>
+          <a:bodyPr>
+            <a:normAutofit/>
+          </a:bodyPr>
+          <a:lstStyle/>
+          <a:p>
+            <a:r>
               <a:rPr lang="en-US" dirty="0" smtClean="0"/>
-            </a:br>
-            <a:r>
-              <a:rPr lang="en-US" sz="2800" b="0" dirty="0" smtClean="0"/>
-              <a:t>(or another section slide)</a:t>
-            </a:r>
-            <a:endParaRPr lang="en-US" sz="2800" b="0" dirty="0"/>
-          </a:p>
-        </p:txBody>
-      </p:sp>
+              <a:t>Efficient data sharing between threads</a:t>
+            </a:r>
+          </a:p>
+          <a:p>
+            <a:pPr lvl="1"/>
+            <a:r>
+              <a:rPr lang="en-US" dirty="0" smtClean="0"/>
+              <a:t>Source of errors:</a:t>
+            </a:r>
+          </a:p>
+          <a:p>
+            <a:pPr lvl="2"/>
+            <a:r>
+              <a:rPr lang="en-US" dirty="0" smtClean="0"/>
+              <a:t>Thread interference</a:t>
+            </a:r>
+          </a:p>
+          <a:p>
+            <a:pPr lvl="2"/>
+            <a:r>
+              <a:rPr lang="en-US" dirty="0" smtClean="0"/>
+              <a:t>Memory consistency errors</a:t>
+            </a:r>
+          </a:p>
+          <a:p>
+            <a:r>
+              <a:rPr lang="en-US" dirty="0" smtClean="0"/>
+              <a:t>Synchronization to the rescue</a:t>
+            </a:r>
+          </a:p>
+          <a:p>
+            <a:pPr lvl="1"/>
+            <a:r>
+              <a:rPr lang="en-US" dirty="0" smtClean="0"/>
+              <a:t>Can cause thread starvation and deadlocks</a:t>
+            </a:r>
+          </a:p>
+          <a:p>
+            <a:pPr lvl="1"/>
+            <a:endParaRPr lang="en-US" dirty="0"/>
+          </a:p>
+          <a:p>
+            <a:r>
+              <a:rPr lang="en-US" dirty="0" smtClean="0"/>
+              <a:t>Immutable objects</a:t>
+            </a:r>
+          </a:p>
+          <a:p>
+            <a:pPr lvl="1"/>
+            <a:r>
+              <a:rPr lang="en-US" dirty="0" smtClean="0"/>
+              <a:t>Useful in concurrent applications, since they can’t change state, they can’t be corrupted by threads.</a:t>
+            </a:r>
+            <a:endParaRPr lang="en-US" dirty="0"/>
+          </a:p>
+          <a:p>
+            <a:pPr lvl="1"/>
+            <a:r>
+              <a:rPr lang="en-US" dirty="0" smtClean="0"/>
+              <a:t>Strategy for defining immutable objects</a:t>
+            </a:r>
+          </a:p>
+          <a:p>
+            <a:pPr lvl="2"/>
+            <a:r>
+              <a:rPr lang="en-US" dirty="0" smtClean="0"/>
+              <a:t>No “setters”</a:t>
+            </a:r>
+          </a:p>
+          <a:p>
+            <a:pPr lvl="2"/>
+            <a:r>
+              <a:rPr lang="en-US" dirty="0" smtClean="0"/>
+              <a:t>“Sealed” class (can’t override methods)</a:t>
+            </a:r>
+          </a:p>
+          <a:p>
+            <a:pPr lvl="2"/>
+            <a:r>
+              <a:rPr lang="en-US" dirty="0" smtClean="0"/>
+              <a:t>All fields are private and final. All reference fields are cloned.</a:t>
+            </a:r>
+          </a:p>
+        </p:txBody>
+      </p:sp>
+      <p:pic>
+        <p:nvPicPr>
+          <p:cNvPr id="1027" name="Picture 3"/>
+          <p:cNvPicPr>
+            <a:picLocks noChangeAspect="1" noChangeArrowheads="1"/>
+          </p:cNvPicPr>
+          <p:nvPr/>
+        </p:nvPicPr>
+        <p:blipFill>
+          <a:blip r:embed="rId3" cstate="print">
+            <a:extLst>
+              <a:ext uri="{28A0092B-C50C-407E-A947-70E740481C1C}">
+                <a14:useLocalDpi xmlns:a14="http://schemas.microsoft.com/office/drawing/2010/main"/>
+              </a:ext>
+            </a:extLst>
+          </a:blip>
+          <a:srcRect/>
+          <a:stretch>
+            <a:fillRect/>
+          </a:stretch>
+        </p:blipFill>
+        <p:spPr bwMode="auto">
+          <a:xfrm>
+            <a:off x="7665232" y="717116"/>
+            <a:ext cx="847725" cy="200025"/>
+          </a:xfrm>
+          <a:prstGeom prst="rect">
+            <a:avLst/>
+          </a:prstGeom>
+          <a:noFill/>
+          <a:ln>
+            <a:noFill/>
+          </a:ln>
+          <a:effectLst/>
+          <a:extLst>
+            <a:ext uri="{909E8E84-426E-40DD-AFC4-6F175D3DCCD1}">
+              <a14:hiddenFill xmlns:a14="http://schemas.microsoft.com/office/drawing/2010/main">
+                <a:solidFill>
+                  <a:schemeClr val="accent1"/>
+                </a:solidFill>
+              </a14:hiddenFill>
+            </a:ext>
+            <a:ext uri="{91240B29-F687-4F45-9708-019B960494DF}">
+              <a14:hiddenLine xmlns:a14="http://schemas.microsoft.com/office/drawing/2010/main" w="9525">
+                <a:solidFill>
+                  <a:schemeClr val="tx1"/>
+                </a:solidFill>
+                <a:miter lim="800000"/>
+                <a:headEnd/>
+                <a:tailEnd/>
+              </a14:hiddenLine>
+            </a:ext>
+            <a:ext uri="{AF507438-7753-43E0-B8FC-AC1667EBCBE1}">
+              <a14:hiddenEffects xmlns:a14="http://schemas.microsoft.com/office/drawing/2010/main">
+                <a:effectLst>
+                  <a:outerShdw dist="35921" dir="2700000" algn="ctr" rotWithShape="0">
+                    <a:schemeClr val="bg2"/>
+                  </a:outerShdw>
+                </a:effectLst>
+              </a14:hiddenEffects>
+            </a:ext>
+          </a:extLst>
+        </p:spPr>
+      </p:pic>
     </p:spTree>
     <p:extLst>
       <p:ext uri="{BB962C8B-B14F-4D97-AF65-F5344CB8AC3E}">
-        <p14:creationId xmlns:p14="http://schemas.microsoft.com/office/powerpoint/2010/main" val="3021677329"/>
+        <p14:creationId xmlns:p14="http://schemas.microsoft.com/office/powerpoint/2010/main" val="4046341559"/>
       </p:ext>
     </p:extLst>
   </p:cSld>
   <p:clrMapOvr>
     <a:masterClrMapping/>
   </p:clrMapOvr>
+  <mc:AlternateContent xmlns:mc="http://schemas.openxmlformats.org/markup-compatibility/2006" xmlns:p14="http://schemas.microsoft.com/office/powerpoint/2010/main">
+    <mc:Choice Requires="p14">
+      <p:transition spd="med" p14:dur="700">
+        <p:fade/>
+      </p:transition>
+    </mc:Choice>
+    <mc:Fallback xmlns="">
+      <p:transition spd="med">
+        <p:fade/>
+      </p:transition>
+    </mc:Fallback>
+  </mc:AlternateContent>
+  <p:timing>
+    <p:tnLst>
+      <p:par>
+        <p:cTn id="1" dur="indefinite" restart="never" nodeType="tmRoot"/>
+      </p:par>
+    </p:tnLst>
+  </p:timing>
+</p:sld>
+</file>
+
+<file path=ppt/slides/slide11.xml><?xml version="1.0" encoding="utf-8"?>
+<p:sld xmlns:a="http://schemas.openxmlformats.org/drawingml/2006/main" xmlns:r="http://schemas.openxmlformats.org/officeDocument/2006/relationships" xmlns:p="http://schemas.openxmlformats.org/presentationml/2006/main">
+  <p:cSld>
+    <p:spTree>
+      <p:nvGrpSpPr>
+        <p:cNvPr id="1" name=""/>
+        <p:cNvGrpSpPr/>
+        <p:nvPr/>
+      </p:nvGrpSpPr>
+      <p:grpSpPr>
+        <a:xfrm>
+          <a:off x="0" y="0"/>
+          <a:ext cx="0" cy="0"/>
+          <a:chOff x="0" y="0"/>
+          <a:chExt cx="0" cy="0"/>
+        </a:xfrm>
+      </p:grpSpPr>
+      <p:sp>
+        <p:nvSpPr>
+          <p:cNvPr id="2" name="Title 1"/>
+          <p:cNvSpPr>
+            <a:spLocks noGrp="1"/>
+          </p:cNvSpPr>
+          <p:nvPr>
+            <p:ph type="title"/>
+          </p:nvPr>
+        </p:nvSpPr>
+        <p:spPr/>
+        <p:txBody>
+          <a:bodyPr/>
+          <a:lstStyle/>
+          <a:p>
+            <a:r>
+              <a:rPr lang="en-US" dirty="0" smtClean="0"/>
+              <a:t>Problem: thread interference</a:t>
+            </a:r>
+            <a:endParaRPr lang="en-US" sz="2400" b="0" dirty="0">
+              <a:solidFill>
+                <a:schemeClr val="accent2"/>
+              </a:solidFill>
+            </a:endParaRPr>
+          </a:p>
+        </p:txBody>
+      </p:sp>
+      <p:pic>
+        <p:nvPicPr>
+          <p:cNvPr id="1027" name="Picture 3"/>
+          <p:cNvPicPr>
+            <a:picLocks noChangeAspect="1" noChangeArrowheads="1"/>
+          </p:cNvPicPr>
+          <p:nvPr/>
+        </p:nvPicPr>
+        <p:blipFill>
+          <a:blip r:embed="rId3" cstate="print">
+            <a:extLst>
+              <a:ext uri="{28A0092B-C50C-407E-A947-70E740481C1C}">
+                <a14:useLocalDpi xmlns:a14="http://schemas.microsoft.com/office/drawing/2010/main"/>
+              </a:ext>
+            </a:extLst>
+          </a:blip>
+          <a:srcRect/>
+          <a:stretch>
+            <a:fillRect/>
+          </a:stretch>
+        </p:blipFill>
+        <p:spPr bwMode="auto">
+          <a:xfrm>
+            <a:off x="7665232" y="717116"/>
+            <a:ext cx="847725" cy="200025"/>
+          </a:xfrm>
+          <a:prstGeom prst="rect">
+            <a:avLst/>
+          </a:prstGeom>
+          <a:noFill/>
+          <a:ln>
+            <a:noFill/>
+          </a:ln>
+          <a:effectLst/>
+          <a:extLst>
+            <a:ext uri="{909E8E84-426E-40DD-AFC4-6F175D3DCCD1}">
+              <a14:hiddenFill xmlns:a14="http://schemas.microsoft.com/office/drawing/2010/main">
+                <a:solidFill>
+                  <a:schemeClr val="accent1"/>
+                </a:solidFill>
+              </a14:hiddenFill>
+            </a:ext>
+            <a:ext uri="{91240B29-F687-4F45-9708-019B960494DF}">
+              <a14:hiddenLine xmlns:a14="http://schemas.microsoft.com/office/drawing/2010/main" w="9525">
+                <a:solidFill>
+                  <a:schemeClr val="tx1"/>
+                </a:solidFill>
+                <a:miter lim="800000"/>
+                <a:headEnd/>
+                <a:tailEnd/>
+              </a14:hiddenLine>
+            </a:ext>
+            <a:ext uri="{AF507438-7753-43E0-B8FC-AC1667EBCBE1}">
+              <a14:hiddenEffects xmlns:a14="http://schemas.microsoft.com/office/drawing/2010/main">
+                <a:effectLst>
+                  <a:outerShdw dist="35921" dir="2700000" algn="ctr" rotWithShape="0">
+                    <a:schemeClr val="bg2"/>
+                  </a:outerShdw>
+                </a:effectLst>
+              </a14:hiddenEffects>
+            </a:ext>
+          </a:extLst>
+        </p:spPr>
+      </p:pic>
+      <p:pic>
+        <p:nvPicPr>
+          <p:cNvPr id="5122" name="Picture 2"/>
+          <p:cNvPicPr>
+            <a:picLocks noChangeAspect="1" noChangeArrowheads="1"/>
+          </p:cNvPicPr>
+          <p:nvPr/>
+        </p:nvPicPr>
+        <p:blipFill>
+          <a:blip r:embed="rId4">
+            <a:extLst>
+              <a:ext uri="{28A0092B-C50C-407E-A947-70E740481C1C}">
+                <a14:useLocalDpi xmlns:a14="http://schemas.microsoft.com/office/drawing/2010/main" val="0"/>
+              </a:ext>
+            </a:extLst>
+          </a:blip>
+          <a:srcRect/>
+          <a:stretch>
+            <a:fillRect/>
+          </a:stretch>
+        </p:blipFill>
+        <p:spPr bwMode="auto">
+          <a:xfrm>
+            <a:off x="2414588" y="1500188"/>
+            <a:ext cx="4314825" cy="3857625"/>
+          </a:xfrm>
+          <a:prstGeom prst="rect">
+            <a:avLst/>
+          </a:prstGeom>
+          <a:noFill/>
+          <a:ln>
+            <a:noFill/>
+          </a:ln>
+          <a:extLst>
+            <a:ext uri="{909E8E84-426E-40DD-AFC4-6F175D3DCCD1}">
+              <a14:hiddenFill xmlns:a14="http://schemas.microsoft.com/office/drawing/2010/main">
+                <a:solidFill>
+                  <a:schemeClr val="accent1"/>
+                </a:solidFill>
+              </a14:hiddenFill>
+            </a:ext>
+            <a:ext uri="{91240B29-F687-4F45-9708-019B960494DF}">
+              <a14:hiddenLine xmlns:a14="http://schemas.microsoft.com/office/drawing/2010/main" w="9525">
+                <a:solidFill>
+                  <a:schemeClr val="tx1"/>
+                </a:solidFill>
+                <a:miter lim="800000"/>
+                <a:headEnd/>
+                <a:tailEnd/>
+              </a14:hiddenLine>
+            </a:ext>
+          </a:extLst>
+        </p:spPr>
+      </p:pic>
+    </p:spTree>
+    <p:extLst>
+      <p:ext uri="{BB962C8B-B14F-4D97-AF65-F5344CB8AC3E}">
+        <p14:creationId xmlns:p14="http://schemas.microsoft.com/office/powerpoint/2010/main" val="2140440226"/>
+      </p:ext>
+    </p:extLst>
+  </p:cSld>
+  <p:clrMapOvr>
+    <a:masterClrMapping/>
+  </p:clrMapOvr>
+  <mc:AlternateContent xmlns:mc="http://schemas.openxmlformats.org/markup-compatibility/2006" xmlns:p14="http://schemas.microsoft.com/office/powerpoint/2010/main">
+    <mc:Choice Requires="p14">
+      <p:transition spd="med" p14:dur="700">
+        <p:fade/>
+      </p:transition>
+    </mc:Choice>
+    <mc:Fallback xmlns="">
+      <p:transition spd="med">
+        <p:fade/>
+      </p:transition>
+    </mc:Fallback>
+  </mc:AlternateContent>
+  <p:timing>
+    <p:tnLst>
+      <p:par>
+        <p:cTn id="1" dur="indefinite" restart="never" nodeType="tmRoot"/>
+      </p:par>
+    </p:tnLst>
+  </p:timing>
+</p:sld>
+</file>
+
+<file path=ppt/slides/slide12.xml><?xml version="1.0" encoding="utf-8"?>
+<p:sld xmlns:a="http://schemas.openxmlformats.org/drawingml/2006/main" xmlns:r="http://schemas.openxmlformats.org/officeDocument/2006/relationships" xmlns:p="http://schemas.openxmlformats.org/presentationml/2006/main">
+  <p:cSld>
+    <p:spTree>
+      <p:nvGrpSpPr>
+        <p:cNvPr id="1" name=""/>
+        <p:cNvGrpSpPr/>
+        <p:nvPr/>
+      </p:nvGrpSpPr>
+      <p:grpSpPr>
+        <a:xfrm>
+          <a:off x="0" y="0"/>
+          <a:ext cx="0" cy="0"/>
+          <a:chOff x="0" y="0"/>
+          <a:chExt cx="0" cy="0"/>
+        </a:xfrm>
+      </p:grpSpPr>
+      <p:sp>
+        <p:nvSpPr>
+          <p:cNvPr id="2" name="Title 1"/>
+          <p:cNvSpPr>
+            <a:spLocks noGrp="1"/>
+          </p:cNvSpPr>
+          <p:nvPr>
+            <p:ph type="title"/>
+          </p:nvPr>
+        </p:nvSpPr>
+        <p:spPr/>
+        <p:txBody>
+          <a:bodyPr/>
+          <a:lstStyle/>
+          <a:p>
+            <a:r>
+              <a:rPr lang="en-US" dirty="0" smtClean="0"/>
+              <a:t>Problem: memory consistency</a:t>
+            </a:r>
+            <a:endParaRPr lang="en-US" sz="2400" b="0" dirty="0">
+              <a:solidFill>
+                <a:schemeClr val="accent2"/>
+              </a:solidFill>
+            </a:endParaRPr>
+          </a:p>
+        </p:txBody>
+      </p:sp>
+      <p:sp>
+        <p:nvSpPr>
+          <p:cNvPr id="3" name="Content Placeholder 2"/>
+          <p:cNvSpPr>
+            <a:spLocks noGrp="1"/>
+          </p:cNvSpPr>
+          <p:nvPr>
+            <p:ph idx="1"/>
+          </p:nvPr>
+        </p:nvSpPr>
+        <p:spPr/>
+        <p:txBody>
+          <a:bodyPr/>
+          <a:lstStyle/>
+          <a:p>
+            <a:r>
+              <a:rPr lang="en-US" dirty="0" smtClean="0"/>
+              <a:t>Complex (beyond the scope of this presentations)</a:t>
+            </a:r>
+          </a:p>
+          <a:p>
+            <a:pPr lvl="1"/>
+            <a:r>
+              <a:rPr lang="en-US" dirty="0" smtClean="0"/>
+              <a:t>Happens-before relationship – guarantee that memory writes by one statement are visible to another statement</a:t>
+            </a:r>
+          </a:p>
+          <a:p>
+            <a:pPr lvl="1"/>
+            <a:r>
+              <a:rPr lang="en-US" dirty="0"/>
+              <a:t>http://docs.oracle.com/javase/8/docs/api/java/util/concurrent/package-summary.html#MemoryVisibility</a:t>
+            </a:r>
+            <a:endParaRPr lang="en-US" dirty="0" smtClean="0"/>
+          </a:p>
+          <a:p>
+            <a:r>
+              <a:rPr lang="en-US" dirty="0" smtClean="0"/>
+              <a:t>Just know how to avoid them</a:t>
+            </a:r>
+          </a:p>
+        </p:txBody>
+      </p:sp>
+      <p:pic>
+        <p:nvPicPr>
+          <p:cNvPr id="1027" name="Picture 3"/>
+          <p:cNvPicPr>
+            <a:picLocks noChangeAspect="1" noChangeArrowheads="1"/>
+          </p:cNvPicPr>
+          <p:nvPr/>
+        </p:nvPicPr>
+        <p:blipFill>
+          <a:blip r:embed="rId3" cstate="print">
+            <a:extLst>
+              <a:ext uri="{28A0092B-C50C-407E-A947-70E740481C1C}">
+                <a14:useLocalDpi xmlns:a14="http://schemas.microsoft.com/office/drawing/2010/main"/>
+              </a:ext>
+            </a:extLst>
+          </a:blip>
+          <a:srcRect/>
+          <a:stretch>
+            <a:fillRect/>
+          </a:stretch>
+        </p:blipFill>
+        <p:spPr bwMode="auto">
+          <a:xfrm>
+            <a:off x="7665232" y="717116"/>
+            <a:ext cx="847725" cy="200025"/>
+          </a:xfrm>
+          <a:prstGeom prst="rect">
+            <a:avLst/>
+          </a:prstGeom>
+          <a:noFill/>
+          <a:ln>
+            <a:noFill/>
+          </a:ln>
+          <a:effectLst/>
+          <a:extLst>
+            <a:ext uri="{909E8E84-426E-40DD-AFC4-6F175D3DCCD1}">
+              <a14:hiddenFill xmlns:a14="http://schemas.microsoft.com/office/drawing/2010/main">
+                <a:solidFill>
+                  <a:schemeClr val="accent1"/>
+                </a:solidFill>
+              </a14:hiddenFill>
+            </a:ext>
+            <a:ext uri="{91240B29-F687-4F45-9708-019B960494DF}">
+              <a14:hiddenLine xmlns:a14="http://schemas.microsoft.com/office/drawing/2010/main" w="9525">
+                <a:solidFill>
+                  <a:schemeClr val="tx1"/>
+                </a:solidFill>
+                <a:miter lim="800000"/>
+                <a:headEnd/>
+                <a:tailEnd/>
+              </a14:hiddenLine>
+            </a:ext>
+            <a:ext uri="{AF507438-7753-43E0-B8FC-AC1667EBCBE1}">
+              <a14:hiddenEffects xmlns:a14="http://schemas.microsoft.com/office/drawing/2010/main">
+                <a:effectLst>
+                  <a:outerShdw dist="35921" dir="2700000" algn="ctr" rotWithShape="0">
+                    <a:schemeClr val="bg2"/>
+                  </a:outerShdw>
+                </a:effectLst>
+              </a14:hiddenEffects>
+            </a:ext>
+          </a:extLst>
+        </p:spPr>
+      </p:pic>
+    </p:spTree>
+    <p:extLst>
+      <p:ext uri="{BB962C8B-B14F-4D97-AF65-F5344CB8AC3E}">
+        <p14:creationId xmlns:p14="http://schemas.microsoft.com/office/powerpoint/2010/main" val="3857203948"/>
+      </p:ext>
+    </p:extLst>
+  </p:cSld>
+  <p:clrMapOvr>
+    <a:masterClrMapping/>
+  </p:clrMapOvr>
+  <mc:AlternateContent xmlns:mc="http://schemas.openxmlformats.org/markup-compatibility/2006" xmlns:p14="http://schemas.microsoft.com/office/powerpoint/2010/main">
+    <mc:Choice Requires="p14">
+      <p:transition spd="med" p14:dur="700">
+        <p:fade/>
+      </p:transition>
+    </mc:Choice>
+    <mc:Fallback xmlns="">
+      <p:transition spd="med">
+        <p:fade/>
+      </p:transition>
+    </mc:Fallback>
+  </mc:AlternateContent>
+  <p:timing>
+    <p:tnLst>
+      <p:par>
+        <p:cTn id="1" dur="indefinite" restart="never" nodeType="tmRoot"/>
+      </p:par>
+    </p:tnLst>
+  </p:timing>
+</p:sld>
+</file>
+
+<file path=ppt/slides/slide13.xml><?xml version="1.0" encoding="utf-8"?>
+<p:sld xmlns:a="http://schemas.openxmlformats.org/drawingml/2006/main" xmlns:r="http://schemas.openxmlformats.org/officeDocument/2006/relationships" xmlns:p="http://schemas.openxmlformats.org/presentationml/2006/main">
+  <p:cSld>
+    <p:spTree>
+      <p:nvGrpSpPr>
+        <p:cNvPr id="1" name=""/>
+        <p:cNvGrpSpPr/>
+        <p:nvPr/>
+      </p:nvGrpSpPr>
+      <p:grpSpPr>
+        <a:xfrm>
+          <a:off x="0" y="0"/>
+          <a:ext cx="0" cy="0"/>
+          <a:chOff x="0" y="0"/>
+          <a:chExt cx="0" cy="0"/>
+        </a:xfrm>
+      </p:grpSpPr>
+      <p:sp>
+        <p:nvSpPr>
+          <p:cNvPr id="2" name="Title 1"/>
+          <p:cNvSpPr>
+            <a:spLocks noGrp="1"/>
+          </p:cNvSpPr>
+          <p:nvPr>
+            <p:ph type="title"/>
+          </p:nvPr>
+        </p:nvSpPr>
+        <p:spPr/>
+        <p:txBody>
+          <a:bodyPr/>
+          <a:lstStyle/>
+          <a:p>
+            <a:r>
+              <a:rPr lang="en-US" dirty="0" smtClean="0"/>
+              <a:t>Solution 1 - synchronized</a:t>
+            </a:r>
+            <a:endParaRPr lang="en-US" sz="2400" b="0" dirty="0">
+              <a:solidFill>
+                <a:schemeClr val="accent2"/>
+              </a:solidFill>
+            </a:endParaRPr>
+          </a:p>
+        </p:txBody>
+      </p:sp>
+      <p:sp>
+        <p:nvSpPr>
+          <p:cNvPr id="3" name="Content Placeholder 2"/>
+          <p:cNvSpPr>
+            <a:spLocks noGrp="1"/>
+          </p:cNvSpPr>
+          <p:nvPr>
+            <p:ph idx="1"/>
+          </p:nvPr>
+        </p:nvSpPr>
+        <p:spPr/>
+        <p:txBody>
+          <a:bodyPr/>
+          <a:lstStyle/>
+          <a:p>
+            <a:r>
+              <a:rPr lang="en-US" dirty="0" smtClean="0"/>
+              <a:t>Use synchronized (on methods and statements)</a:t>
+            </a:r>
+          </a:p>
+          <a:p>
+            <a:pPr lvl="1"/>
+            <a:r>
+              <a:rPr lang="en-US" dirty="0" smtClean="0"/>
+              <a:t>If one thread entered the synchronized method, all other threads will wait (intrinsic lock or monitor)</a:t>
+            </a:r>
+          </a:p>
+          <a:p>
+            <a:pPr lvl="1"/>
+            <a:r>
+              <a:rPr lang="en-US" dirty="0" smtClean="0"/>
+              <a:t>Synchronized statement establishes “happens-before” relationship</a:t>
+            </a:r>
+          </a:p>
+          <a:p>
+            <a:pPr lvl="1"/>
+            <a:endParaRPr lang="en-US" dirty="0"/>
+          </a:p>
+          <a:p>
+            <a:r>
+              <a:rPr lang="en-US" dirty="0" smtClean="0">
+                <a:solidFill>
+                  <a:srgbClr val="0070C0"/>
+                </a:solidFill>
+              </a:rPr>
+              <a:t>Can lead to thread </a:t>
+            </a:r>
+            <a:r>
+              <a:rPr lang="en-US" dirty="0" err="1" smtClean="0">
+                <a:solidFill>
+                  <a:srgbClr val="0070C0"/>
+                </a:solidFill>
+              </a:rPr>
+              <a:t>liveness</a:t>
+            </a:r>
+            <a:r>
+              <a:rPr lang="en-US" dirty="0" smtClean="0">
+                <a:solidFill>
+                  <a:srgbClr val="0070C0"/>
+                </a:solidFill>
+              </a:rPr>
+              <a:t> issues (deadlocks, starvations, </a:t>
+            </a:r>
+            <a:r>
+              <a:rPr lang="en-US" dirty="0" err="1" smtClean="0">
+                <a:solidFill>
+                  <a:srgbClr val="0070C0"/>
+                </a:solidFill>
+              </a:rPr>
+              <a:t>etc</a:t>
+            </a:r>
+            <a:r>
+              <a:rPr lang="en-US" dirty="0" smtClean="0">
+                <a:solidFill>
+                  <a:srgbClr val="0070C0"/>
+                </a:solidFill>
+              </a:rPr>
+              <a:t>)</a:t>
+            </a:r>
+            <a:endParaRPr lang="en-US" dirty="0">
+              <a:solidFill>
+                <a:srgbClr val="0070C0"/>
+              </a:solidFill>
+            </a:endParaRPr>
+          </a:p>
+        </p:txBody>
+      </p:sp>
+      <p:pic>
+        <p:nvPicPr>
+          <p:cNvPr id="1027" name="Picture 3"/>
+          <p:cNvPicPr>
+            <a:picLocks noChangeAspect="1" noChangeArrowheads="1"/>
+          </p:cNvPicPr>
+          <p:nvPr/>
+        </p:nvPicPr>
+        <p:blipFill>
+          <a:blip r:embed="rId3" cstate="print">
+            <a:extLst>
+              <a:ext uri="{28A0092B-C50C-407E-A947-70E740481C1C}">
+                <a14:useLocalDpi xmlns:a14="http://schemas.microsoft.com/office/drawing/2010/main"/>
+              </a:ext>
+            </a:extLst>
+          </a:blip>
+          <a:srcRect/>
+          <a:stretch>
+            <a:fillRect/>
+          </a:stretch>
+        </p:blipFill>
+        <p:spPr bwMode="auto">
+          <a:xfrm>
+            <a:off x="7665232" y="717116"/>
+            <a:ext cx="847725" cy="200025"/>
+          </a:xfrm>
+          <a:prstGeom prst="rect">
+            <a:avLst/>
+          </a:prstGeom>
+          <a:noFill/>
+          <a:ln>
+            <a:noFill/>
+          </a:ln>
+          <a:effectLst/>
+          <a:extLst>
+            <a:ext uri="{909E8E84-426E-40DD-AFC4-6F175D3DCCD1}">
+              <a14:hiddenFill xmlns:a14="http://schemas.microsoft.com/office/drawing/2010/main">
+                <a:solidFill>
+                  <a:schemeClr val="accent1"/>
+                </a:solidFill>
+              </a14:hiddenFill>
+            </a:ext>
+            <a:ext uri="{91240B29-F687-4F45-9708-019B960494DF}">
+              <a14:hiddenLine xmlns:a14="http://schemas.microsoft.com/office/drawing/2010/main" w="9525">
+                <a:solidFill>
+                  <a:schemeClr val="tx1"/>
+                </a:solidFill>
+                <a:miter lim="800000"/>
+                <a:headEnd/>
+                <a:tailEnd/>
+              </a14:hiddenLine>
+            </a:ext>
+            <a:ext uri="{AF507438-7753-43E0-B8FC-AC1667EBCBE1}">
+              <a14:hiddenEffects xmlns:a14="http://schemas.microsoft.com/office/drawing/2010/main">
+                <a:effectLst>
+                  <a:outerShdw dist="35921" dir="2700000" algn="ctr" rotWithShape="0">
+                    <a:schemeClr val="bg2"/>
+                  </a:outerShdw>
+                </a:effectLst>
+              </a14:hiddenEffects>
+            </a:ext>
+          </a:extLst>
+        </p:spPr>
+      </p:pic>
+      <p:pic>
+        <p:nvPicPr>
+          <p:cNvPr id="6146" name="Picture 2"/>
+          <p:cNvPicPr>
+            <a:picLocks noChangeAspect="1" noChangeArrowheads="1"/>
+          </p:cNvPicPr>
+          <p:nvPr/>
+        </p:nvPicPr>
+        <p:blipFill>
+          <a:blip r:embed="rId4">
+            <a:extLst>
+              <a:ext uri="{28A0092B-C50C-407E-A947-70E740481C1C}">
+                <a14:useLocalDpi xmlns:a14="http://schemas.microsoft.com/office/drawing/2010/main" val="0"/>
+              </a:ext>
+            </a:extLst>
+          </a:blip>
+          <a:srcRect/>
+          <a:stretch>
+            <a:fillRect/>
+          </a:stretch>
+        </p:blipFill>
+        <p:spPr bwMode="auto">
+          <a:xfrm>
+            <a:off x="1152525" y="3181350"/>
+            <a:ext cx="4481513" cy="2963226"/>
+          </a:xfrm>
+          <a:prstGeom prst="rect">
+            <a:avLst/>
+          </a:prstGeom>
+          <a:noFill/>
+          <a:ln>
+            <a:noFill/>
+          </a:ln>
+          <a:extLst>
+            <a:ext uri="{909E8E84-426E-40DD-AFC4-6F175D3DCCD1}">
+              <a14:hiddenFill xmlns:a14="http://schemas.microsoft.com/office/drawing/2010/main">
+                <a:solidFill>
+                  <a:schemeClr val="accent1"/>
+                </a:solidFill>
+              </a14:hiddenFill>
+            </a:ext>
+            <a:ext uri="{91240B29-F687-4F45-9708-019B960494DF}">
+              <a14:hiddenLine xmlns:a14="http://schemas.microsoft.com/office/drawing/2010/main" w="9525">
+                <a:solidFill>
+                  <a:schemeClr val="tx1"/>
+                </a:solidFill>
+                <a:miter lim="800000"/>
+                <a:headEnd/>
+                <a:tailEnd/>
+              </a14:hiddenLine>
+            </a:ext>
+          </a:extLst>
+        </p:spPr>
+      </p:pic>
+    </p:spTree>
+    <p:extLst>
+      <p:ext uri="{BB962C8B-B14F-4D97-AF65-F5344CB8AC3E}">
+        <p14:creationId xmlns:p14="http://schemas.microsoft.com/office/powerpoint/2010/main" val="62671689"/>
+      </p:ext>
+    </p:extLst>
+  </p:cSld>
+  <p:clrMapOvr>
+    <a:masterClrMapping/>
+  </p:clrMapOvr>
+  <mc:AlternateContent xmlns:mc="http://schemas.openxmlformats.org/markup-compatibility/2006" xmlns:p14="http://schemas.microsoft.com/office/powerpoint/2010/main">
+    <mc:Choice Requires="p14">
+      <p:transition spd="med" p14:dur="700">
+        <p:fade/>
+      </p:transition>
+    </mc:Choice>
+    <mc:Fallback xmlns="">
+      <p:transition spd="med">
+        <p:fade/>
+      </p:transition>
+    </mc:Fallback>
+  </mc:AlternateContent>
+  <p:timing>
+    <p:tnLst>
+      <p:par>
+        <p:cTn id="1" dur="indefinite" restart="never" nodeType="tmRoot"/>
+      </p:par>
+    </p:tnLst>
+  </p:timing>
+</p:sld>
+</file>
+
+<file path=ppt/slides/slide14.xml><?xml version="1.0" encoding="utf-8"?>
+<p:sld xmlns:a="http://schemas.openxmlformats.org/drawingml/2006/main" xmlns:r="http://schemas.openxmlformats.org/officeDocument/2006/relationships" xmlns:p="http://schemas.openxmlformats.org/presentationml/2006/main">
+  <p:cSld>
+    <p:spTree>
+      <p:nvGrpSpPr>
+        <p:cNvPr id="1" name=""/>
+        <p:cNvGrpSpPr/>
+        <p:nvPr/>
+      </p:nvGrpSpPr>
+      <p:grpSpPr>
+        <a:xfrm>
+          <a:off x="0" y="0"/>
+          <a:ext cx="0" cy="0"/>
+          <a:chOff x="0" y="0"/>
+          <a:chExt cx="0" cy="0"/>
+        </a:xfrm>
+      </p:grpSpPr>
+      <p:sp>
+        <p:nvSpPr>
+          <p:cNvPr id="2" name="Title 1"/>
+          <p:cNvSpPr>
+            <a:spLocks noGrp="1"/>
+          </p:cNvSpPr>
+          <p:nvPr>
+            <p:ph type="title"/>
+          </p:nvPr>
+        </p:nvSpPr>
+        <p:spPr/>
+        <p:txBody>
+          <a:bodyPr/>
+          <a:lstStyle/>
+          <a:p>
+            <a:r>
+              <a:rPr lang="en-US" dirty="0" smtClean="0"/>
+              <a:t>Solution 2 – Atomic access</a:t>
+            </a:r>
+            <a:endParaRPr lang="en-US" sz="2400" b="0" dirty="0">
+              <a:solidFill>
+                <a:schemeClr val="accent2"/>
+              </a:solidFill>
+            </a:endParaRPr>
+          </a:p>
+        </p:txBody>
+      </p:sp>
+      <p:sp>
+        <p:nvSpPr>
+          <p:cNvPr id="3" name="Content Placeholder 2"/>
+          <p:cNvSpPr>
+            <a:spLocks noGrp="1"/>
+          </p:cNvSpPr>
+          <p:nvPr>
+            <p:ph idx="1"/>
+          </p:nvPr>
+        </p:nvSpPr>
+        <p:spPr/>
+        <p:txBody>
+          <a:bodyPr/>
+          <a:lstStyle/>
+          <a:p>
+            <a:r>
+              <a:rPr lang="en-US" dirty="0" smtClean="0"/>
+              <a:t>Even a single action can lead to multiple VM instructions</a:t>
+            </a:r>
+          </a:p>
+          <a:p>
+            <a:r>
+              <a:rPr lang="en-US" dirty="0" smtClean="0"/>
+              <a:t>Volatile – reduces the risk of memory consistency issues and establishes the happens-before relationship.</a:t>
+            </a:r>
+            <a:endParaRPr lang="en-US" dirty="0"/>
+          </a:p>
+        </p:txBody>
+      </p:sp>
+      <p:pic>
+        <p:nvPicPr>
+          <p:cNvPr id="1027" name="Picture 3"/>
+          <p:cNvPicPr>
+            <a:picLocks noChangeAspect="1" noChangeArrowheads="1"/>
+          </p:cNvPicPr>
+          <p:nvPr/>
+        </p:nvPicPr>
+        <p:blipFill>
+          <a:blip r:embed="rId3" cstate="print">
+            <a:extLst>
+              <a:ext uri="{28A0092B-C50C-407E-A947-70E740481C1C}">
+                <a14:useLocalDpi xmlns:a14="http://schemas.microsoft.com/office/drawing/2010/main"/>
+              </a:ext>
+            </a:extLst>
+          </a:blip>
+          <a:srcRect/>
+          <a:stretch>
+            <a:fillRect/>
+          </a:stretch>
+        </p:blipFill>
+        <p:spPr bwMode="auto">
+          <a:xfrm>
+            <a:off x="7665232" y="717116"/>
+            <a:ext cx="847725" cy="200025"/>
+          </a:xfrm>
+          <a:prstGeom prst="rect">
+            <a:avLst/>
+          </a:prstGeom>
+          <a:noFill/>
+          <a:ln>
+            <a:noFill/>
+          </a:ln>
+          <a:effectLst/>
+          <a:extLst>
+            <a:ext uri="{909E8E84-426E-40DD-AFC4-6F175D3DCCD1}">
+              <a14:hiddenFill xmlns:a14="http://schemas.microsoft.com/office/drawing/2010/main">
+                <a:solidFill>
+                  <a:schemeClr val="accent1"/>
+                </a:solidFill>
+              </a14:hiddenFill>
+            </a:ext>
+            <a:ext uri="{91240B29-F687-4F45-9708-019B960494DF}">
+              <a14:hiddenLine xmlns:a14="http://schemas.microsoft.com/office/drawing/2010/main" w="9525">
+                <a:solidFill>
+                  <a:schemeClr val="tx1"/>
+                </a:solidFill>
+                <a:miter lim="800000"/>
+                <a:headEnd/>
+                <a:tailEnd/>
+              </a14:hiddenLine>
+            </a:ext>
+            <a:ext uri="{AF507438-7753-43E0-B8FC-AC1667EBCBE1}">
+              <a14:hiddenEffects xmlns:a14="http://schemas.microsoft.com/office/drawing/2010/main">
+                <a:effectLst>
+                  <a:outerShdw dist="35921" dir="2700000" algn="ctr" rotWithShape="0">
+                    <a:schemeClr val="bg2"/>
+                  </a:outerShdw>
+                </a:effectLst>
+              </a14:hiddenEffects>
+            </a:ext>
+          </a:extLst>
+        </p:spPr>
+      </p:pic>
+    </p:spTree>
+    <p:extLst>
+      <p:ext uri="{BB962C8B-B14F-4D97-AF65-F5344CB8AC3E}">
+        <p14:creationId xmlns:p14="http://schemas.microsoft.com/office/powerpoint/2010/main" val="3317109733"/>
+      </p:ext>
+    </p:extLst>
+  </p:cSld>
+  <p:clrMapOvr>
+    <a:masterClrMapping/>
+  </p:clrMapOvr>
+  <mc:AlternateContent xmlns:mc="http://schemas.openxmlformats.org/markup-compatibility/2006" xmlns:p14="http://schemas.microsoft.com/office/powerpoint/2010/main">
+    <mc:Choice Requires="p14">
+      <p:transition spd="med" p14:dur="700">
+        <p:fade/>
+      </p:transition>
+    </mc:Choice>
+    <mc:Fallback xmlns="">
+      <p:transition spd="med">
+        <p:fade/>
+      </p:transition>
+    </mc:Fallback>
+  </mc:AlternateContent>
+  <p:timing>
+    <p:tnLst>
+      <p:par>
+        <p:cTn id="1" dur="indefinite" restart="never" nodeType="tmRoot"/>
+      </p:par>
+    </p:tnLst>
+  </p:timing>
+</p:sld>
+</file>
+
+<file path=ppt/slides/slide15.xml><?xml version="1.0" encoding="utf-8"?>
+<p:sld xmlns:a="http://schemas.openxmlformats.org/drawingml/2006/main" xmlns:r="http://schemas.openxmlformats.org/officeDocument/2006/relationships" xmlns:p="http://schemas.openxmlformats.org/presentationml/2006/main">
+  <p:cSld>
+    <p:spTree>
+      <p:nvGrpSpPr>
+        <p:cNvPr id="1" name=""/>
+        <p:cNvGrpSpPr/>
+        <p:nvPr/>
+      </p:nvGrpSpPr>
+      <p:grpSpPr>
+        <a:xfrm>
+          <a:off x="0" y="0"/>
+          <a:ext cx="0" cy="0"/>
+          <a:chOff x="0" y="0"/>
+          <a:chExt cx="0" cy="0"/>
+        </a:xfrm>
+      </p:grpSpPr>
+      <p:sp>
+        <p:nvSpPr>
+          <p:cNvPr id="2" name="Title 1"/>
+          <p:cNvSpPr>
+            <a:spLocks noGrp="1"/>
+          </p:cNvSpPr>
+          <p:nvPr>
+            <p:ph type="title"/>
+          </p:nvPr>
+        </p:nvSpPr>
+        <p:spPr/>
+        <p:txBody>
+          <a:bodyPr/>
+          <a:lstStyle/>
+          <a:p>
+            <a:r>
+              <a:rPr lang="en-US" dirty="0" smtClean="0"/>
+              <a:t>Correct way to implement singleton</a:t>
+            </a:r>
+            <a:endParaRPr lang="en-US" sz="2400" b="0" dirty="0">
+              <a:solidFill>
+                <a:schemeClr val="accent2"/>
+              </a:solidFill>
+            </a:endParaRPr>
+          </a:p>
+        </p:txBody>
+      </p:sp>
+      <p:pic>
+        <p:nvPicPr>
+          <p:cNvPr id="1027" name="Picture 3"/>
+          <p:cNvPicPr>
+            <a:picLocks noChangeAspect="1" noChangeArrowheads="1"/>
+          </p:cNvPicPr>
+          <p:nvPr/>
+        </p:nvPicPr>
+        <p:blipFill>
+          <a:blip r:embed="rId3" cstate="print">
+            <a:extLst>
+              <a:ext uri="{28A0092B-C50C-407E-A947-70E740481C1C}">
+                <a14:useLocalDpi xmlns:a14="http://schemas.microsoft.com/office/drawing/2010/main"/>
+              </a:ext>
+            </a:extLst>
+          </a:blip>
+          <a:srcRect/>
+          <a:stretch>
+            <a:fillRect/>
+          </a:stretch>
+        </p:blipFill>
+        <p:spPr bwMode="auto">
+          <a:xfrm>
+            <a:off x="7665232" y="717116"/>
+            <a:ext cx="847725" cy="200025"/>
+          </a:xfrm>
+          <a:prstGeom prst="rect">
+            <a:avLst/>
+          </a:prstGeom>
+          <a:noFill/>
+          <a:ln>
+            <a:noFill/>
+          </a:ln>
+          <a:effectLst/>
+          <a:extLst>
+            <a:ext uri="{909E8E84-426E-40DD-AFC4-6F175D3DCCD1}">
+              <a14:hiddenFill xmlns:a14="http://schemas.microsoft.com/office/drawing/2010/main">
+                <a:solidFill>
+                  <a:schemeClr val="accent1"/>
+                </a:solidFill>
+              </a14:hiddenFill>
+            </a:ext>
+            <a:ext uri="{91240B29-F687-4F45-9708-019B960494DF}">
+              <a14:hiddenLine xmlns:a14="http://schemas.microsoft.com/office/drawing/2010/main" w="9525">
+                <a:solidFill>
+                  <a:schemeClr val="tx1"/>
+                </a:solidFill>
+                <a:miter lim="800000"/>
+                <a:headEnd/>
+                <a:tailEnd/>
+              </a14:hiddenLine>
+            </a:ext>
+            <a:ext uri="{AF507438-7753-43E0-B8FC-AC1667EBCBE1}">
+              <a14:hiddenEffects xmlns:a14="http://schemas.microsoft.com/office/drawing/2010/main">
+                <a:effectLst>
+                  <a:outerShdw dist="35921" dir="2700000" algn="ctr" rotWithShape="0">
+                    <a:schemeClr val="bg2"/>
+                  </a:outerShdw>
+                </a:effectLst>
+              </a14:hiddenEffects>
+            </a:ext>
+          </a:extLst>
+        </p:spPr>
+      </p:pic>
+      <p:pic>
+        <p:nvPicPr>
+          <p:cNvPr id="1026" name="Picture 2"/>
+          <p:cNvPicPr>
+            <a:picLocks noChangeAspect="1" noChangeArrowheads="1"/>
+          </p:cNvPicPr>
+          <p:nvPr/>
+        </p:nvPicPr>
+        <p:blipFill>
+          <a:blip r:embed="rId4">
+            <a:extLst>
+              <a:ext uri="{28A0092B-C50C-407E-A947-70E740481C1C}">
+                <a14:useLocalDpi xmlns:a14="http://schemas.microsoft.com/office/drawing/2010/main" val="0"/>
+              </a:ext>
+            </a:extLst>
+          </a:blip>
+          <a:srcRect/>
+          <a:stretch>
+            <a:fillRect/>
+          </a:stretch>
+        </p:blipFill>
+        <p:spPr bwMode="auto">
+          <a:xfrm>
+            <a:off x="938213" y="1643063"/>
+            <a:ext cx="7267575" cy="3571875"/>
+          </a:xfrm>
+          <a:prstGeom prst="rect">
+            <a:avLst/>
+          </a:prstGeom>
+          <a:noFill/>
+          <a:ln>
+            <a:noFill/>
+          </a:ln>
+          <a:extLst>
+            <a:ext uri="{909E8E84-426E-40DD-AFC4-6F175D3DCCD1}">
+              <a14:hiddenFill xmlns:a14="http://schemas.microsoft.com/office/drawing/2010/main">
+                <a:solidFill>
+                  <a:schemeClr val="accent1"/>
+                </a:solidFill>
+              </a14:hiddenFill>
+            </a:ext>
+            <a:ext uri="{91240B29-F687-4F45-9708-019B960494DF}">
+              <a14:hiddenLine xmlns:a14="http://schemas.microsoft.com/office/drawing/2010/main" w="9525">
+                <a:solidFill>
+                  <a:schemeClr val="tx1"/>
+                </a:solidFill>
+                <a:miter lim="800000"/>
+                <a:headEnd/>
+                <a:tailEnd/>
+              </a14:hiddenLine>
+            </a:ext>
+          </a:extLst>
+        </p:spPr>
+      </p:pic>
+      <p:sp>
+        <p:nvSpPr>
+          <p:cNvPr id="3" name="TextBox 2"/>
+          <p:cNvSpPr txBox="1"/>
+          <p:nvPr/>
+        </p:nvSpPr>
+        <p:spPr>
+          <a:xfrm>
+            <a:off x="233761" y="5743575"/>
+            <a:ext cx="8676478" cy="344710"/>
+          </a:xfrm>
+          <a:prstGeom prst="rect">
+            <a:avLst/>
+          </a:prstGeom>
+        </p:spPr>
+        <p:style>
+          <a:lnRef idx="2">
+            <a:schemeClr val="accent4"/>
+          </a:lnRef>
+          <a:fillRef idx="1">
+            <a:schemeClr val="lt1"/>
+          </a:fillRef>
+          <a:effectRef idx="0">
+            <a:schemeClr val="accent4"/>
+          </a:effectRef>
+          <a:fontRef idx="minor">
+            <a:schemeClr val="dk1"/>
+          </a:fontRef>
+        </p:style>
+        <p:txBody>
+          <a:bodyPr wrap="none" rtlCol="0">
+            <a:spAutoFit/>
+          </a:bodyPr>
+          <a:lstStyle/>
+          <a:p>
+            <a:pPr>
+              <a:lnSpc>
+                <a:spcPct val="80000"/>
+              </a:lnSpc>
+              <a:spcBef>
+                <a:spcPct val="20000"/>
+              </a:spcBef>
+              <a:buClr>
+                <a:schemeClr val="accent4"/>
+              </a:buClr>
+            </a:pPr>
+            <a:r>
+              <a:rPr lang="en-US" sz="2000" dirty="0">
+                <a:solidFill>
+                  <a:schemeClr val="tx1">
+                    <a:lumMod val="85000"/>
+                    <a:lumOff val="15000"/>
+                  </a:schemeClr>
+                </a:solidFill>
+              </a:rPr>
+              <a:t>http://www.cs.umd.edu/~pugh/java/memoryModel/DoubleCheckedLocking.html</a:t>
+            </a:r>
+            <a:endParaRPr lang="en-US" sz="2000" dirty="0" smtClean="0">
+              <a:solidFill>
+                <a:schemeClr val="tx1">
+                  <a:lumMod val="85000"/>
+                  <a:lumOff val="15000"/>
+                </a:schemeClr>
+              </a:solidFill>
+            </a:endParaRPr>
+          </a:p>
+        </p:txBody>
+      </p:sp>
+    </p:spTree>
+    <p:extLst>
+      <p:ext uri="{BB962C8B-B14F-4D97-AF65-F5344CB8AC3E}">
+        <p14:creationId xmlns:p14="http://schemas.microsoft.com/office/powerpoint/2010/main" val="2754786840"/>
+      </p:ext>
+    </p:extLst>
+  </p:cSld>
+  <p:clrMapOvr>
+    <a:masterClrMapping/>
+  </p:clrMapOvr>
+  <mc:AlternateContent xmlns:mc="http://schemas.openxmlformats.org/markup-compatibility/2006" xmlns:p14="http://schemas.microsoft.com/office/powerpoint/2010/main">
+    <mc:Choice Requires="p14">
+      <p:transition spd="med" p14:dur="700">
+        <p:fade/>
+      </p:transition>
+    </mc:Choice>
+    <mc:Fallback xmlns="">
+      <p:transition spd="med">
+        <p:fade/>
+      </p:transition>
+    </mc:Fallback>
+  </mc:AlternateContent>
+  <p:timing>
+    <p:tnLst>
+      <p:par>
+        <p:cTn id="1" dur="indefinite" restart="never" nodeType="tmRoot"/>
+      </p:par>
+    </p:tnLst>
+  </p:timing>
+</p:sld>
+</file>
+
+<file path=ppt/slides/slide16.xml><?xml version="1.0" encoding="utf-8"?>
+<p:sld xmlns:a="http://schemas.openxmlformats.org/drawingml/2006/main" xmlns:r="http://schemas.openxmlformats.org/officeDocument/2006/relationships" xmlns:p="http://schemas.openxmlformats.org/presentationml/2006/main">
+  <p:cSld>
+    <p:spTree>
+      <p:nvGrpSpPr>
+        <p:cNvPr id="1" name=""/>
+        <p:cNvGrpSpPr/>
+        <p:nvPr/>
+      </p:nvGrpSpPr>
+      <p:grpSpPr>
+        <a:xfrm>
+          <a:off x="0" y="0"/>
+          <a:ext cx="0" cy="0"/>
+          <a:chOff x="0" y="0"/>
+          <a:chExt cx="0" cy="0"/>
+        </a:xfrm>
+      </p:grpSpPr>
+      <p:sp>
+        <p:nvSpPr>
+          <p:cNvPr id="2" name="Title 1"/>
+          <p:cNvSpPr>
+            <a:spLocks noGrp="1"/>
+          </p:cNvSpPr>
+          <p:nvPr>
+            <p:ph type="title"/>
+          </p:nvPr>
+        </p:nvSpPr>
+        <p:spPr/>
+        <p:txBody>
+          <a:bodyPr/>
+          <a:lstStyle/>
+          <a:p>
+            <a:r>
+              <a:rPr lang="en-US" dirty="0" smtClean="0"/>
+              <a:t>Thread </a:t>
+            </a:r>
+            <a:r>
+              <a:rPr lang="en-US" dirty="0" err="1" smtClean="0"/>
+              <a:t>liveness</a:t>
+            </a:r>
+            <a:endParaRPr lang="en-US" sz="2400" b="0" dirty="0">
+              <a:solidFill>
+                <a:schemeClr val="accent2"/>
+              </a:solidFill>
+            </a:endParaRPr>
+          </a:p>
+        </p:txBody>
+      </p:sp>
+      <p:sp>
+        <p:nvSpPr>
+          <p:cNvPr id="3" name="Content Placeholder 2"/>
+          <p:cNvSpPr>
+            <a:spLocks noGrp="1"/>
+          </p:cNvSpPr>
+          <p:nvPr>
+            <p:ph idx="1"/>
+          </p:nvPr>
+        </p:nvSpPr>
+        <p:spPr/>
+        <p:txBody>
+          <a:bodyPr/>
+          <a:lstStyle/>
+          <a:p>
+            <a:r>
+              <a:rPr lang="en-US" dirty="0" smtClean="0"/>
+              <a:t>Deadlock</a:t>
+            </a:r>
+          </a:p>
+          <a:p>
+            <a:r>
+              <a:rPr lang="en-US" dirty="0" smtClean="0"/>
+              <a:t>Starvation</a:t>
+            </a:r>
+          </a:p>
+          <a:p>
+            <a:r>
+              <a:rPr lang="en-US" dirty="0" err="1" smtClean="0"/>
+              <a:t>Livelock</a:t>
+            </a:r>
+            <a:endParaRPr lang="en-US" dirty="0"/>
+          </a:p>
+        </p:txBody>
+      </p:sp>
+      <p:pic>
+        <p:nvPicPr>
+          <p:cNvPr id="1027" name="Picture 3"/>
+          <p:cNvPicPr>
+            <a:picLocks noChangeAspect="1" noChangeArrowheads="1"/>
+          </p:cNvPicPr>
+          <p:nvPr/>
+        </p:nvPicPr>
+        <p:blipFill>
+          <a:blip r:embed="rId3" cstate="print">
+            <a:extLst>
+              <a:ext uri="{28A0092B-C50C-407E-A947-70E740481C1C}">
+                <a14:useLocalDpi xmlns:a14="http://schemas.microsoft.com/office/drawing/2010/main"/>
+              </a:ext>
+            </a:extLst>
+          </a:blip>
+          <a:srcRect/>
+          <a:stretch>
+            <a:fillRect/>
+          </a:stretch>
+        </p:blipFill>
+        <p:spPr bwMode="auto">
+          <a:xfrm>
+            <a:off x="7665232" y="717116"/>
+            <a:ext cx="847725" cy="200025"/>
+          </a:xfrm>
+          <a:prstGeom prst="rect">
+            <a:avLst/>
+          </a:prstGeom>
+          <a:noFill/>
+          <a:ln>
+            <a:noFill/>
+          </a:ln>
+          <a:effectLst/>
+          <a:extLst>
+            <a:ext uri="{909E8E84-426E-40DD-AFC4-6F175D3DCCD1}">
+              <a14:hiddenFill xmlns:a14="http://schemas.microsoft.com/office/drawing/2010/main">
+                <a:solidFill>
+                  <a:schemeClr val="accent1"/>
+                </a:solidFill>
+              </a14:hiddenFill>
+            </a:ext>
+            <a:ext uri="{91240B29-F687-4F45-9708-019B960494DF}">
+              <a14:hiddenLine xmlns:a14="http://schemas.microsoft.com/office/drawing/2010/main" w="9525">
+                <a:solidFill>
+                  <a:schemeClr val="tx1"/>
+                </a:solidFill>
+                <a:miter lim="800000"/>
+                <a:headEnd/>
+                <a:tailEnd/>
+              </a14:hiddenLine>
+            </a:ext>
+            <a:ext uri="{AF507438-7753-43E0-B8FC-AC1667EBCBE1}">
+              <a14:hiddenEffects xmlns:a14="http://schemas.microsoft.com/office/drawing/2010/main">
+                <a:effectLst>
+                  <a:outerShdw dist="35921" dir="2700000" algn="ctr" rotWithShape="0">
+                    <a:schemeClr val="bg2"/>
+                  </a:outerShdw>
+                </a:effectLst>
+              </a14:hiddenEffects>
+            </a:ext>
+          </a:extLst>
+        </p:spPr>
+      </p:pic>
+    </p:spTree>
+    <p:extLst>
+      <p:ext uri="{BB962C8B-B14F-4D97-AF65-F5344CB8AC3E}">
+        <p14:creationId xmlns:p14="http://schemas.microsoft.com/office/powerpoint/2010/main" val="2087230200"/>
+      </p:ext>
+    </p:extLst>
+  </p:cSld>
+  <p:clrMapOvr>
+    <a:masterClrMapping/>
+  </p:clrMapOvr>
+  <mc:AlternateContent xmlns:mc="http://schemas.openxmlformats.org/markup-compatibility/2006" xmlns:p14="http://schemas.microsoft.com/office/powerpoint/2010/main">
+    <mc:Choice Requires="p14">
+      <p:transition spd="med" p14:dur="700">
+        <p:fade/>
+      </p:transition>
+    </mc:Choice>
+    <mc:Fallback xmlns="">
+      <p:transition spd="med">
+        <p:fade/>
+      </p:transition>
+    </mc:Fallback>
+  </mc:AlternateContent>
+  <p:timing>
+    <p:tnLst>
+      <p:par>
+        <p:cTn id="1" dur="indefinite" restart="never" nodeType="tmRoot"/>
+      </p:par>
+    </p:tnLst>
+  </p:timing>
+</p:sld>
+</file>
+
+<file path=ppt/slides/slide17.xml><?xml version="1.0" encoding="utf-8"?>
+<p:sld xmlns:a="http://schemas.openxmlformats.org/drawingml/2006/main" xmlns:r="http://schemas.openxmlformats.org/officeDocument/2006/relationships" xmlns:p="http://schemas.openxmlformats.org/presentationml/2006/main">
+  <p:cSld>
+    <p:spTree>
+      <p:nvGrpSpPr>
+        <p:cNvPr id="1" name=""/>
+        <p:cNvGrpSpPr/>
+        <p:nvPr/>
+      </p:nvGrpSpPr>
+      <p:grpSpPr>
+        <a:xfrm>
+          <a:off x="0" y="0"/>
+          <a:ext cx="0" cy="0"/>
+          <a:chOff x="0" y="0"/>
+          <a:chExt cx="0" cy="0"/>
+        </a:xfrm>
+      </p:grpSpPr>
+      <p:sp>
+        <p:nvSpPr>
+          <p:cNvPr id="2" name="Title 1"/>
+          <p:cNvSpPr>
+            <a:spLocks noGrp="1"/>
+          </p:cNvSpPr>
+          <p:nvPr>
+            <p:ph type="title"/>
+          </p:nvPr>
+        </p:nvSpPr>
+        <p:spPr/>
+        <p:txBody>
+          <a:bodyPr/>
+          <a:lstStyle/>
+          <a:p>
+            <a:r>
+              <a:rPr lang="en-US" dirty="0" smtClean="0"/>
+              <a:t>High-level concurrency</a:t>
+            </a:r>
+            <a:endParaRPr lang="en-US" sz="2400" b="0" dirty="0">
+              <a:solidFill>
+                <a:schemeClr val="accent2"/>
+              </a:solidFill>
+            </a:endParaRPr>
+          </a:p>
+        </p:txBody>
+      </p:sp>
+      <p:sp>
+        <p:nvSpPr>
+          <p:cNvPr id="3" name="Content Placeholder 2"/>
+          <p:cNvSpPr>
+            <a:spLocks noGrp="1"/>
+          </p:cNvSpPr>
+          <p:nvPr>
+            <p:ph idx="1"/>
+          </p:nvPr>
+        </p:nvSpPr>
+        <p:spPr/>
+        <p:txBody>
+          <a:bodyPr>
+            <a:normAutofit fontScale="92500" lnSpcReduction="10000"/>
+          </a:bodyPr>
+          <a:lstStyle/>
+          <a:p>
+            <a:r>
+              <a:rPr lang="en-US" dirty="0" smtClean="0"/>
+              <a:t>Executors</a:t>
+            </a:r>
+          </a:p>
+          <a:p>
+            <a:pPr lvl="1"/>
+            <a:r>
+              <a:rPr lang="en-US" dirty="0" err="1" smtClean="0"/>
+              <a:t>ThreadPoolExecutor</a:t>
+            </a:r>
+            <a:endParaRPr lang="en-US" dirty="0" smtClean="0"/>
+          </a:p>
+          <a:p>
+            <a:pPr lvl="1"/>
+            <a:r>
+              <a:rPr lang="en-US" dirty="0" err="1" smtClean="0"/>
+              <a:t>ScheduledThreadPoolExecutor</a:t>
+            </a:r>
+            <a:endParaRPr lang="en-US" dirty="0" smtClean="0"/>
+          </a:p>
+          <a:p>
+            <a:pPr lvl="1"/>
+            <a:r>
+              <a:rPr lang="en-US" dirty="0" err="1" smtClean="0"/>
+              <a:t>ExecutorService</a:t>
+            </a:r>
+            <a:endParaRPr lang="en-US" dirty="0" smtClean="0"/>
+          </a:p>
+          <a:p>
+            <a:r>
+              <a:rPr lang="en-US" dirty="0" smtClean="0"/>
+              <a:t>Synchronizers and thread pools</a:t>
+            </a:r>
+          </a:p>
+          <a:p>
+            <a:pPr lvl="1"/>
+            <a:r>
+              <a:rPr lang="en-US" dirty="0" err="1" smtClean="0"/>
+              <a:t>CountDownLatch</a:t>
+            </a:r>
+            <a:r>
+              <a:rPr lang="en-US" dirty="0" smtClean="0"/>
+              <a:t> – wait for completion</a:t>
+            </a:r>
+          </a:p>
+          <a:p>
+            <a:pPr lvl="1"/>
+            <a:r>
+              <a:rPr lang="en-US" dirty="0" err="1" smtClean="0"/>
+              <a:t>CyclicBarrier</a:t>
+            </a:r>
+            <a:r>
+              <a:rPr lang="en-US" dirty="0" smtClean="0"/>
+              <a:t> – Map reduce, fork-join processing</a:t>
+            </a:r>
+          </a:p>
+          <a:p>
+            <a:pPr lvl="2"/>
+            <a:r>
+              <a:rPr lang="en-US" dirty="0" smtClean="0"/>
+              <a:t>Demo</a:t>
+            </a:r>
+            <a:endParaRPr lang="en-US" dirty="0" smtClean="0"/>
+          </a:p>
+          <a:p>
+            <a:pPr lvl="1"/>
+            <a:r>
+              <a:rPr lang="en-US" dirty="0" smtClean="0"/>
+              <a:t>Exchanger – Fill /drain</a:t>
+            </a:r>
+            <a:endParaRPr lang="en-US" dirty="0" smtClean="0"/>
+          </a:p>
+          <a:p>
+            <a:r>
+              <a:rPr lang="en-US" dirty="0" smtClean="0"/>
+              <a:t>Concurrent Collections</a:t>
+            </a:r>
+          </a:p>
+          <a:p>
+            <a:pPr lvl="1"/>
+            <a:r>
+              <a:rPr lang="en-US" dirty="0" smtClean="0"/>
+              <a:t>Demo</a:t>
+            </a:r>
+            <a:endParaRPr lang="en-US" dirty="0"/>
+          </a:p>
+          <a:p>
+            <a:endParaRPr lang="en-US" dirty="0" smtClean="0"/>
+          </a:p>
+          <a:p>
+            <a:r>
+              <a:rPr lang="en-US" dirty="0" smtClean="0"/>
+              <a:t>NOT Android-related</a:t>
+            </a:r>
+          </a:p>
+          <a:p>
+            <a:pPr lvl="1"/>
+            <a:r>
+              <a:rPr lang="en-US" dirty="0" smtClean="0"/>
+              <a:t>Java 7 contains </a:t>
+            </a:r>
+            <a:r>
+              <a:rPr lang="en-US" dirty="0" err="1" smtClean="0"/>
+              <a:t>ForkJoinPool</a:t>
+            </a:r>
+            <a:r>
+              <a:rPr lang="en-US" dirty="0" smtClean="0"/>
+              <a:t>, implementing work stealing algorithm</a:t>
+            </a:r>
+            <a:r>
+              <a:rPr lang="en-US" dirty="0" smtClean="0"/>
+              <a:t>.</a:t>
+            </a:r>
+          </a:p>
+        </p:txBody>
+      </p:sp>
+      <p:pic>
+        <p:nvPicPr>
+          <p:cNvPr id="1027" name="Picture 3"/>
+          <p:cNvPicPr>
+            <a:picLocks noChangeAspect="1" noChangeArrowheads="1"/>
+          </p:cNvPicPr>
+          <p:nvPr/>
+        </p:nvPicPr>
+        <p:blipFill>
+          <a:blip r:embed="rId3" cstate="print">
+            <a:extLst>
+              <a:ext uri="{28A0092B-C50C-407E-A947-70E740481C1C}">
+                <a14:useLocalDpi xmlns:a14="http://schemas.microsoft.com/office/drawing/2010/main"/>
+              </a:ext>
+            </a:extLst>
+          </a:blip>
+          <a:srcRect/>
+          <a:stretch>
+            <a:fillRect/>
+          </a:stretch>
+        </p:blipFill>
+        <p:spPr bwMode="auto">
+          <a:xfrm>
+            <a:off x="7665232" y="717116"/>
+            <a:ext cx="847725" cy="200025"/>
+          </a:xfrm>
+          <a:prstGeom prst="rect">
+            <a:avLst/>
+          </a:prstGeom>
+          <a:noFill/>
+          <a:ln>
+            <a:noFill/>
+          </a:ln>
+          <a:effectLst/>
+          <a:extLst>
+            <a:ext uri="{909E8E84-426E-40DD-AFC4-6F175D3DCCD1}">
+              <a14:hiddenFill xmlns:a14="http://schemas.microsoft.com/office/drawing/2010/main">
+                <a:solidFill>
+                  <a:schemeClr val="accent1"/>
+                </a:solidFill>
+              </a14:hiddenFill>
+            </a:ext>
+            <a:ext uri="{91240B29-F687-4F45-9708-019B960494DF}">
+              <a14:hiddenLine xmlns:a14="http://schemas.microsoft.com/office/drawing/2010/main" w="9525">
+                <a:solidFill>
+                  <a:schemeClr val="tx1"/>
+                </a:solidFill>
+                <a:miter lim="800000"/>
+                <a:headEnd/>
+                <a:tailEnd/>
+              </a14:hiddenLine>
+            </a:ext>
+            <a:ext uri="{AF507438-7753-43E0-B8FC-AC1667EBCBE1}">
+              <a14:hiddenEffects xmlns:a14="http://schemas.microsoft.com/office/drawing/2010/main">
+                <a:effectLst>
+                  <a:outerShdw dist="35921" dir="2700000" algn="ctr" rotWithShape="0">
+                    <a:schemeClr val="bg2"/>
+                  </a:outerShdw>
+                </a:effectLst>
+              </a14:hiddenEffects>
+            </a:ext>
+          </a:extLst>
+        </p:spPr>
+      </p:pic>
+    </p:spTree>
+    <p:extLst>
+      <p:ext uri="{BB962C8B-B14F-4D97-AF65-F5344CB8AC3E}">
+        <p14:creationId xmlns:p14="http://schemas.microsoft.com/office/powerpoint/2010/main" val="1899436089"/>
+      </p:ext>
+    </p:extLst>
+  </p:cSld>
+  <p:clrMapOvr>
+    <a:masterClrMapping/>
+  </p:clrMapOvr>
+  <mc:AlternateContent xmlns:mc="http://schemas.openxmlformats.org/markup-compatibility/2006" xmlns:p14="http://schemas.microsoft.com/office/powerpoint/2010/main">
+    <mc:Choice Requires="p14">
+      <p:transition spd="med" p14:dur="700">
+        <p:fade/>
+      </p:transition>
+    </mc:Choice>
+    <mc:Fallback xmlns="">
+      <p:transition spd="med">
+        <p:fade/>
+      </p:transition>
+    </mc:Fallback>
+  </mc:AlternateContent>
+  <p:timing>
+    <p:tnLst>
+      <p:par>
+        <p:cTn id="1" dur="indefinite" restart="never" nodeType="tmRoot"/>
+      </p:par>
+    </p:tnLst>
+  </p:timing>
+</p:sld>
+</file>
+
+<file path=ppt/slides/slide18.xml><?xml version="1.0" encoding="utf-8"?>
+<p:sld xmlns:a="http://schemas.openxmlformats.org/drawingml/2006/main" xmlns:r="http://schemas.openxmlformats.org/officeDocument/2006/relationships" xmlns:p="http://schemas.openxmlformats.org/presentationml/2006/main">
+  <p:cSld>
+    <p:spTree>
+      <p:nvGrpSpPr>
+        <p:cNvPr id="1" name=""/>
+        <p:cNvGrpSpPr/>
+        <p:nvPr/>
+      </p:nvGrpSpPr>
+      <p:grpSpPr>
+        <a:xfrm>
+          <a:off x="0" y="0"/>
+          <a:ext cx="0" cy="0"/>
+          <a:chOff x="0" y="0"/>
+          <a:chExt cx="0" cy="0"/>
+        </a:xfrm>
+      </p:grpSpPr>
+      <p:sp>
+        <p:nvSpPr>
+          <p:cNvPr id="2" name="Title 1"/>
+          <p:cNvSpPr>
+            <a:spLocks noGrp="1"/>
+          </p:cNvSpPr>
+          <p:nvPr>
+            <p:ph type="title"/>
+          </p:nvPr>
+        </p:nvSpPr>
+        <p:spPr/>
+        <p:txBody>
+          <a:bodyPr/>
+          <a:lstStyle/>
+          <a:p>
+            <a:r>
+              <a:rPr lang="en-US" dirty="0" smtClean="0"/>
+              <a:t>Suggested reading</a:t>
+            </a:r>
+            <a:endParaRPr lang="en-US" sz="2400" b="0" dirty="0">
+              <a:solidFill>
+                <a:schemeClr val="accent2"/>
+              </a:solidFill>
+            </a:endParaRPr>
+          </a:p>
+        </p:txBody>
+      </p:sp>
+      <p:pic>
+        <p:nvPicPr>
+          <p:cNvPr id="1027" name="Picture 3"/>
+          <p:cNvPicPr>
+            <a:picLocks noChangeAspect="1" noChangeArrowheads="1"/>
+          </p:cNvPicPr>
+          <p:nvPr/>
+        </p:nvPicPr>
+        <p:blipFill>
+          <a:blip r:embed="rId3" cstate="print">
+            <a:extLst>
+              <a:ext uri="{28A0092B-C50C-407E-A947-70E740481C1C}">
+                <a14:useLocalDpi xmlns:a14="http://schemas.microsoft.com/office/drawing/2010/main"/>
+              </a:ext>
+            </a:extLst>
+          </a:blip>
+          <a:srcRect/>
+          <a:stretch>
+            <a:fillRect/>
+          </a:stretch>
+        </p:blipFill>
+        <p:spPr bwMode="auto">
+          <a:xfrm>
+            <a:off x="7665232" y="717116"/>
+            <a:ext cx="847725" cy="200025"/>
+          </a:xfrm>
+          <a:prstGeom prst="rect">
+            <a:avLst/>
+          </a:prstGeom>
+          <a:noFill/>
+          <a:ln>
+            <a:noFill/>
+          </a:ln>
+          <a:effectLst/>
+          <a:extLst>
+            <a:ext uri="{909E8E84-426E-40DD-AFC4-6F175D3DCCD1}">
+              <a14:hiddenFill xmlns:a14="http://schemas.microsoft.com/office/drawing/2010/main">
+                <a:solidFill>
+                  <a:schemeClr val="accent1"/>
+                </a:solidFill>
+              </a14:hiddenFill>
+            </a:ext>
+            <a:ext uri="{91240B29-F687-4F45-9708-019B960494DF}">
+              <a14:hiddenLine xmlns:a14="http://schemas.microsoft.com/office/drawing/2010/main" w="9525">
+                <a:solidFill>
+                  <a:schemeClr val="tx1"/>
+                </a:solidFill>
+                <a:miter lim="800000"/>
+                <a:headEnd/>
+                <a:tailEnd/>
+              </a14:hiddenLine>
+            </a:ext>
+            <a:ext uri="{AF507438-7753-43E0-B8FC-AC1667EBCBE1}">
+              <a14:hiddenEffects xmlns:a14="http://schemas.microsoft.com/office/drawing/2010/main">
+                <a:effectLst>
+                  <a:outerShdw dist="35921" dir="2700000" algn="ctr" rotWithShape="0">
+                    <a:schemeClr val="bg2"/>
+                  </a:outerShdw>
+                </a:effectLst>
+              </a14:hiddenEffects>
+            </a:ext>
+          </a:extLst>
+        </p:spPr>
+      </p:pic>
+      <p:sp>
+        <p:nvSpPr>
+          <p:cNvPr id="3" name="Rectangle 2"/>
+          <p:cNvSpPr/>
+          <p:nvPr/>
+        </p:nvSpPr>
+        <p:spPr>
+          <a:xfrm>
+            <a:off x="666644" y="1215509"/>
+            <a:ext cx="2838662" cy="369332"/>
+          </a:xfrm>
+          <a:prstGeom prst="rect">
+            <a:avLst/>
+          </a:prstGeom>
+        </p:spPr>
+        <p:txBody>
+          <a:bodyPr wrap="none">
+            <a:spAutoFit/>
+          </a:bodyPr>
+          <a:lstStyle/>
+          <a:p>
+            <a:r>
+              <a:rPr lang="en-US" dirty="0"/>
+              <a:t>Java Concurrency in Practice</a:t>
+            </a:r>
+          </a:p>
+        </p:txBody>
+      </p:sp>
+      <p:pic>
+        <p:nvPicPr>
+          <p:cNvPr id="7170" name="Picture 2" descr="http://jcip.net.s3-website-us-east-1.amazonaws.com/images/jcip-cover.jpg"/>
+          <p:cNvPicPr>
+            <a:picLocks noChangeAspect="1" noChangeArrowheads="1"/>
+          </p:cNvPicPr>
+          <p:nvPr/>
+        </p:nvPicPr>
+        <p:blipFill>
+          <a:blip r:embed="rId4">
+            <a:extLst>
+              <a:ext uri="{28A0092B-C50C-407E-A947-70E740481C1C}">
+                <a14:useLocalDpi xmlns:a14="http://schemas.microsoft.com/office/drawing/2010/main" val="0"/>
+              </a:ext>
+            </a:extLst>
+          </a:blip>
+          <a:srcRect/>
+          <a:stretch>
+            <a:fillRect/>
+          </a:stretch>
+        </p:blipFill>
+        <p:spPr bwMode="auto">
+          <a:xfrm>
+            <a:off x="4260850" y="1120775"/>
+            <a:ext cx="3609975" cy="4743450"/>
+          </a:xfrm>
+          <a:prstGeom prst="rect">
+            <a:avLst/>
+          </a:prstGeom>
+          <a:noFill/>
+          <a:extLst>
+            <a:ext uri="{909E8E84-426E-40DD-AFC4-6F175D3DCCD1}">
+              <a14:hiddenFill xmlns:a14="http://schemas.microsoft.com/office/drawing/2010/main">
+                <a:solidFill>
+                  <a:srgbClr val="FFFFFF"/>
+                </a:solidFill>
+              </a14:hiddenFill>
+            </a:ext>
+          </a:extLst>
+        </p:spPr>
+      </p:pic>
+    </p:spTree>
+    <p:extLst>
+      <p:ext uri="{BB962C8B-B14F-4D97-AF65-F5344CB8AC3E}">
+        <p14:creationId xmlns:p14="http://schemas.microsoft.com/office/powerpoint/2010/main" val="2533302669"/>
+      </p:ext>
+    </p:extLst>
+  </p:cSld>
+  <p:clrMapOvr>
+    <a:masterClrMapping/>
+  </p:clrMapOvr>
+  <mc:AlternateContent xmlns:mc="http://schemas.openxmlformats.org/markup-compatibility/2006" xmlns:p14="http://schemas.microsoft.com/office/powerpoint/2010/main">
+    <mc:Choice Requires="p14">
+      <p:transition spd="med" p14:dur="700">
+        <p:fade/>
+      </p:transition>
+    </mc:Choice>
+    <mc:Fallback xmlns="">
+      <p:transition spd="med">
+        <p:fade/>
+      </p:transition>
+    </mc:Fallback>
+  </mc:AlternateContent>
+  <p:timing>
+    <p:tnLst>
+      <p:par>
+        <p:cTn id="1" dur="indefinite" restart="never" nodeType="tmRoot"/>
+      </p:par>
+    </p:tnLst>
+  </p:timing>
+</p:sld>
+</file>
+
+<file path=ppt/slides/slide19.xml><?xml version="1.0" encoding="utf-8"?>
+<p:sld xmlns:a="http://schemas.openxmlformats.org/drawingml/2006/main" xmlns:r="http://schemas.openxmlformats.org/officeDocument/2006/relationships" xmlns:p="http://schemas.openxmlformats.org/presentationml/2006/main">
+  <p:cSld>
+    <p:spTree>
+      <p:nvGrpSpPr>
+        <p:cNvPr id="1" name=""/>
+        <p:cNvGrpSpPr/>
+        <p:nvPr/>
+      </p:nvGrpSpPr>
+      <p:grpSpPr>
+        <a:xfrm>
+          <a:off x="0" y="0"/>
+          <a:ext cx="0" cy="0"/>
+          <a:chOff x="0" y="0"/>
+          <a:chExt cx="0" cy="0"/>
+        </a:xfrm>
+      </p:grpSpPr>
+      <p:sp>
+        <p:nvSpPr>
+          <p:cNvPr id="2" name="Title 1"/>
+          <p:cNvSpPr>
+            <a:spLocks noGrp="1"/>
+          </p:cNvSpPr>
+          <p:nvPr>
+            <p:ph type="title"/>
+          </p:nvPr>
+        </p:nvSpPr>
+        <p:spPr/>
+        <p:txBody>
+          <a:bodyPr/>
+          <a:lstStyle/>
+          <a:p>
+            <a:r>
+              <a:rPr lang="en-US" dirty="0" smtClean="0"/>
+              <a:t>Cool app</a:t>
+            </a:r>
+            <a:endParaRPr lang="en-US" sz="2400" b="0" dirty="0">
+              <a:solidFill>
+                <a:schemeClr val="accent2"/>
+              </a:solidFill>
+            </a:endParaRPr>
+          </a:p>
+        </p:txBody>
+      </p:sp>
+      <p:pic>
+        <p:nvPicPr>
+          <p:cNvPr id="1027" name="Picture 3"/>
+          <p:cNvPicPr>
+            <a:picLocks noChangeAspect="1" noChangeArrowheads="1"/>
+          </p:cNvPicPr>
+          <p:nvPr/>
+        </p:nvPicPr>
+        <p:blipFill>
+          <a:blip r:embed="rId3" cstate="print">
+            <a:extLst>
+              <a:ext uri="{28A0092B-C50C-407E-A947-70E740481C1C}">
+                <a14:useLocalDpi xmlns:a14="http://schemas.microsoft.com/office/drawing/2010/main"/>
+              </a:ext>
+            </a:extLst>
+          </a:blip>
+          <a:srcRect/>
+          <a:stretch>
+            <a:fillRect/>
+          </a:stretch>
+        </p:blipFill>
+        <p:spPr bwMode="auto">
+          <a:xfrm>
+            <a:off x="7665232" y="717116"/>
+            <a:ext cx="847725" cy="200025"/>
+          </a:xfrm>
+          <a:prstGeom prst="rect">
+            <a:avLst/>
+          </a:prstGeom>
+          <a:noFill/>
+          <a:ln>
+            <a:noFill/>
+          </a:ln>
+          <a:effectLst/>
+          <a:extLst>
+            <a:ext uri="{909E8E84-426E-40DD-AFC4-6F175D3DCCD1}">
+              <a14:hiddenFill xmlns:a14="http://schemas.microsoft.com/office/drawing/2010/main">
+                <a:solidFill>
+                  <a:schemeClr val="accent1"/>
+                </a:solidFill>
+              </a14:hiddenFill>
+            </a:ext>
+            <a:ext uri="{91240B29-F687-4F45-9708-019B960494DF}">
+              <a14:hiddenLine xmlns:a14="http://schemas.microsoft.com/office/drawing/2010/main" w="9525">
+                <a:solidFill>
+                  <a:schemeClr val="tx1"/>
+                </a:solidFill>
+                <a:miter lim="800000"/>
+                <a:headEnd/>
+                <a:tailEnd/>
+              </a14:hiddenLine>
+            </a:ext>
+            <a:ext uri="{AF507438-7753-43E0-B8FC-AC1667EBCBE1}">
+              <a14:hiddenEffects xmlns:a14="http://schemas.microsoft.com/office/drawing/2010/main">
+                <a:effectLst>
+                  <a:outerShdw dist="35921" dir="2700000" algn="ctr" rotWithShape="0">
+                    <a:schemeClr val="bg2"/>
+                  </a:outerShdw>
+                </a:effectLst>
+              </a14:hiddenEffects>
+            </a:ext>
+          </a:extLst>
+        </p:spPr>
+      </p:pic>
+      <p:pic>
+        <p:nvPicPr>
+          <p:cNvPr id="9218" name="Picture 2"/>
+          <p:cNvPicPr>
+            <a:picLocks noChangeAspect="1" noChangeArrowheads="1"/>
+          </p:cNvPicPr>
+          <p:nvPr/>
+        </p:nvPicPr>
+        <p:blipFill>
+          <a:blip r:embed="rId4">
+            <a:extLst>
+              <a:ext uri="{28A0092B-C50C-407E-A947-70E740481C1C}">
+                <a14:useLocalDpi xmlns:a14="http://schemas.microsoft.com/office/drawing/2010/main" val="0"/>
+              </a:ext>
+            </a:extLst>
+          </a:blip>
+          <a:srcRect/>
+          <a:stretch>
+            <a:fillRect/>
+          </a:stretch>
+        </p:blipFill>
+        <p:spPr bwMode="auto">
+          <a:xfrm>
+            <a:off x="567458" y="1021278"/>
+            <a:ext cx="7741185" cy="4369808"/>
+          </a:xfrm>
+          <a:prstGeom prst="rect">
+            <a:avLst/>
+          </a:prstGeom>
+          <a:noFill/>
+          <a:ln>
+            <a:noFill/>
+          </a:ln>
+          <a:extLst>
+            <a:ext uri="{909E8E84-426E-40DD-AFC4-6F175D3DCCD1}">
+              <a14:hiddenFill xmlns:a14="http://schemas.microsoft.com/office/drawing/2010/main">
+                <a:solidFill>
+                  <a:schemeClr val="accent1"/>
+                </a:solidFill>
+              </a14:hiddenFill>
+            </a:ext>
+            <a:ext uri="{91240B29-F687-4F45-9708-019B960494DF}">
+              <a14:hiddenLine xmlns:a14="http://schemas.microsoft.com/office/drawing/2010/main" w="9525">
+                <a:solidFill>
+                  <a:schemeClr val="tx1"/>
+                </a:solidFill>
+                <a:miter lim="800000"/>
+                <a:headEnd/>
+                <a:tailEnd/>
+              </a14:hiddenLine>
+            </a:ext>
+          </a:extLst>
+        </p:spPr>
+      </p:pic>
+      <p:sp>
+        <p:nvSpPr>
+          <p:cNvPr id="3" name="Rectangle 2"/>
+          <p:cNvSpPr/>
+          <p:nvPr/>
+        </p:nvSpPr>
+        <p:spPr>
+          <a:xfrm>
+            <a:off x="567457" y="5563285"/>
+            <a:ext cx="5252317" cy="369332"/>
+          </a:xfrm>
+          <a:prstGeom prst="rect">
+            <a:avLst/>
+          </a:prstGeom>
+        </p:spPr>
+        <p:txBody>
+          <a:bodyPr wrap="square">
+            <a:spAutoFit/>
+          </a:bodyPr>
+          <a:lstStyle/>
+          <a:p>
+            <a:r>
+              <a:rPr lang="en-US" dirty="0"/>
+              <a:t>http://sourceforge.net/projects/javaconcurrenta/</a:t>
+            </a:r>
+          </a:p>
+        </p:txBody>
+      </p:sp>
+    </p:spTree>
+    <p:extLst>
+      <p:ext uri="{BB962C8B-B14F-4D97-AF65-F5344CB8AC3E}">
+        <p14:creationId xmlns:p14="http://schemas.microsoft.com/office/powerpoint/2010/main" val="2076646933"/>
+      </p:ext>
+    </p:extLst>
+  </p:cSld>
+  <p:clrMapOvr>
+    <a:masterClrMapping/>
+  </p:clrMapOvr>
+  <mc:AlternateContent xmlns:mc="http://schemas.openxmlformats.org/markup-compatibility/2006" xmlns:p14="http://schemas.microsoft.com/office/powerpoint/2010/main">
+    <mc:Choice Requires="p14">
+      <p:transition spd="med" p14:dur="700">
+        <p:fade/>
+      </p:transition>
+    </mc:Choice>
+    <mc:Fallback xmlns="">
+      <p:transition spd="med">
+        <p:fade/>
+      </p:transition>
+    </mc:Fallback>
+  </mc:AlternateContent>
   <p:timing>
     <p:tnLst>
       <p:par>
@@ -6765,7 +11713,7 @@
           <a:p>
             <a:r>
               <a:rPr lang="en-US" dirty="0" smtClean="0"/>
-              <a:t>Multithreading</a:t>
+              <a:t>Basics</a:t>
             </a:r>
             <a:endParaRPr lang="en-US" dirty="0"/>
           </a:p>
@@ -6787,8 +11735,12 @@
           <a:lstStyle/>
           <a:p>
             <a:r>
+              <a:rPr lang="en-US" dirty="0" err="1" smtClean="0"/>
+              <a:t>Async</a:t>
+            </a:r>
+            <a:r>
               <a:rPr lang="en-US" dirty="0" smtClean="0"/>
-              <a:t>Asynchronous Android</a:t>
+              <a:t> Android</a:t>
             </a:r>
             <a:endParaRPr lang="en-US" dirty="0"/>
           </a:p>
@@ -6797,7 +11749,7 @@
     </p:spTree>
     <p:extLst>
       <p:ext uri="{BB962C8B-B14F-4D97-AF65-F5344CB8AC3E}">
-        <p14:creationId xmlns:p14="http://schemas.microsoft.com/office/powerpoint/2010/main" val="3167101976"/>
+        <p14:creationId xmlns:p14="http://schemas.microsoft.com/office/powerpoint/2010/main" val="1296190909"/>
       </p:ext>
     </p:extLst>
   </p:cSld>
@@ -6814,7 +11766,2915 @@
 </p:sld>
 </file>
 
+<file path=ppt/slides/slide20.xml><?xml version="1.0" encoding="utf-8"?>
+<p:sld xmlns:a="http://schemas.openxmlformats.org/drawingml/2006/main" xmlns:r="http://schemas.openxmlformats.org/officeDocument/2006/relationships" xmlns:p="http://schemas.openxmlformats.org/presentationml/2006/main">
+  <p:cSld>
+    <p:spTree>
+      <p:nvGrpSpPr>
+        <p:cNvPr id="1" name=""/>
+        <p:cNvGrpSpPr/>
+        <p:nvPr/>
+      </p:nvGrpSpPr>
+      <p:grpSpPr>
+        <a:xfrm>
+          <a:off x="0" y="0"/>
+          <a:ext cx="0" cy="0"/>
+          <a:chOff x="0" y="0"/>
+          <a:chExt cx="0" cy="0"/>
+        </a:xfrm>
+      </p:grpSpPr>
+      <p:sp>
+        <p:nvSpPr>
+          <p:cNvPr id="4" name="Title 3"/>
+          <p:cNvSpPr>
+            <a:spLocks noGrp="1"/>
+          </p:cNvSpPr>
+          <p:nvPr>
+            <p:ph type="ctrTitle"/>
+          </p:nvPr>
+        </p:nvSpPr>
+        <p:spPr>
+          <a:xfrm>
+            <a:off x="1325412" y="1445361"/>
+            <a:ext cx="3435274" cy="1846659"/>
+          </a:xfrm>
+        </p:spPr>
+        <p:txBody>
+          <a:bodyPr/>
+          <a:lstStyle/>
+          <a:p>
+            <a:r>
+              <a:rPr lang="en-US" dirty="0" smtClean="0"/>
+              <a:t>Android-specific concurrency constructs</a:t>
+            </a:r>
+            <a:endParaRPr lang="en-US" dirty="0"/>
+          </a:p>
+        </p:txBody>
+      </p:sp>
+      <p:sp>
+        <p:nvSpPr>
+          <p:cNvPr id="5" name="Content Placeholder 4"/>
+          <p:cNvSpPr>
+            <a:spLocks noGrp="1"/>
+          </p:cNvSpPr>
+          <p:nvPr>
+            <p:ph sz="quarter" idx="10"/>
+          </p:nvPr>
+        </p:nvSpPr>
+        <p:spPr/>
+        <p:txBody>
+          <a:bodyPr/>
+          <a:lstStyle/>
+          <a:p>
+            <a:r>
+              <a:rPr lang="en-US" dirty="0" err="1" smtClean="0"/>
+              <a:t>Async</a:t>
+            </a:r>
+            <a:r>
+              <a:rPr lang="en-US" dirty="0" smtClean="0"/>
+              <a:t> Android</a:t>
+            </a:r>
+            <a:endParaRPr lang="en-US" dirty="0"/>
+          </a:p>
+        </p:txBody>
+      </p:sp>
+    </p:spTree>
+    <p:extLst>
+      <p:ext uri="{BB962C8B-B14F-4D97-AF65-F5344CB8AC3E}">
+        <p14:creationId xmlns:p14="http://schemas.microsoft.com/office/powerpoint/2010/main" val="1730576441"/>
+      </p:ext>
+    </p:extLst>
+  </p:cSld>
+  <p:clrMapOvr>
+    <a:masterClrMapping/>
+  </p:clrMapOvr>
+  <p:timing>
+    <p:tnLst>
+      <p:par>
+        <p:cTn id="1" dur="indefinite" restart="never" nodeType="tmRoot"/>
+      </p:par>
+    </p:tnLst>
+  </p:timing>
+</p:sld>
+</file>
+
+<file path=ppt/slides/slide21.xml><?xml version="1.0" encoding="utf-8"?>
+<p:sld xmlns:a="http://schemas.openxmlformats.org/drawingml/2006/main" xmlns:r="http://schemas.openxmlformats.org/officeDocument/2006/relationships" xmlns:p="http://schemas.openxmlformats.org/presentationml/2006/main">
+  <p:cSld>
+    <p:spTree>
+      <p:nvGrpSpPr>
+        <p:cNvPr id="1" name=""/>
+        <p:cNvGrpSpPr/>
+        <p:nvPr/>
+      </p:nvGrpSpPr>
+      <p:grpSpPr>
+        <a:xfrm>
+          <a:off x="0" y="0"/>
+          <a:ext cx="0" cy="0"/>
+          <a:chOff x="0" y="0"/>
+          <a:chExt cx="0" cy="0"/>
+        </a:xfrm>
+      </p:grpSpPr>
+      <p:sp>
+        <p:nvSpPr>
+          <p:cNvPr id="2" name="Title 1"/>
+          <p:cNvSpPr>
+            <a:spLocks noGrp="1"/>
+          </p:cNvSpPr>
+          <p:nvPr>
+            <p:ph type="title"/>
+          </p:nvPr>
+        </p:nvSpPr>
+        <p:spPr/>
+        <p:txBody>
+          <a:bodyPr/>
+          <a:lstStyle/>
+          <a:p>
+            <a:r>
+              <a:rPr lang="en-US" dirty="0" smtClean="0"/>
+              <a:t>Don’t block UI thread</a:t>
+            </a:r>
+            <a:endParaRPr lang="en-US" sz="2400" b="0" dirty="0">
+              <a:solidFill>
+                <a:schemeClr val="accent2"/>
+              </a:solidFill>
+            </a:endParaRPr>
+          </a:p>
+        </p:txBody>
+      </p:sp>
+      <p:sp>
+        <p:nvSpPr>
+          <p:cNvPr id="3" name="Content Placeholder 2"/>
+          <p:cNvSpPr>
+            <a:spLocks noGrp="1"/>
+          </p:cNvSpPr>
+          <p:nvPr>
+            <p:ph idx="1"/>
+          </p:nvPr>
+        </p:nvSpPr>
+        <p:spPr/>
+        <p:txBody>
+          <a:bodyPr/>
+          <a:lstStyle/>
+          <a:p>
+            <a:r>
+              <a:rPr lang="en-US" dirty="0" smtClean="0"/>
+              <a:t>ANR</a:t>
+            </a:r>
+          </a:p>
+          <a:p>
+            <a:r>
+              <a:rPr lang="en-US" dirty="0" smtClean="0"/>
+              <a:t>Tracking I/O and Network operations on UI thread with </a:t>
+            </a:r>
+            <a:r>
+              <a:rPr lang="en-US" dirty="0" err="1" smtClean="0"/>
+              <a:t>StrictMode</a:t>
+            </a:r>
+            <a:r>
+              <a:rPr lang="en-US" dirty="0" smtClean="0"/>
+              <a:t> </a:t>
+            </a:r>
+          </a:p>
+          <a:p>
+            <a:r>
+              <a:rPr lang="en-US" dirty="0" smtClean="0"/>
+              <a:t>Demo</a:t>
+            </a:r>
+          </a:p>
+        </p:txBody>
+      </p:sp>
+      <p:pic>
+        <p:nvPicPr>
+          <p:cNvPr id="1027" name="Picture 3"/>
+          <p:cNvPicPr>
+            <a:picLocks noChangeAspect="1" noChangeArrowheads="1"/>
+          </p:cNvPicPr>
+          <p:nvPr/>
+        </p:nvPicPr>
+        <p:blipFill>
+          <a:blip r:embed="rId3" cstate="print">
+            <a:extLst>
+              <a:ext uri="{28A0092B-C50C-407E-A947-70E740481C1C}">
+                <a14:useLocalDpi xmlns:a14="http://schemas.microsoft.com/office/drawing/2010/main"/>
+              </a:ext>
+            </a:extLst>
+          </a:blip>
+          <a:srcRect/>
+          <a:stretch>
+            <a:fillRect/>
+          </a:stretch>
+        </p:blipFill>
+        <p:spPr bwMode="auto">
+          <a:xfrm>
+            <a:off x="7665232" y="717116"/>
+            <a:ext cx="847725" cy="200025"/>
+          </a:xfrm>
+          <a:prstGeom prst="rect">
+            <a:avLst/>
+          </a:prstGeom>
+          <a:noFill/>
+          <a:ln>
+            <a:noFill/>
+          </a:ln>
+          <a:effectLst/>
+          <a:extLst>
+            <a:ext uri="{909E8E84-426E-40DD-AFC4-6F175D3DCCD1}">
+              <a14:hiddenFill xmlns:a14="http://schemas.microsoft.com/office/drawing/2010/main">
+                <a:solidFill>
+                  <a:schemeClr val="accent1"/>
+                </a:solidFill>
+              </a14:hiddenFill>
+            </a:ext>
+            <a:ext uri="{91240B29-F687-4F45-9708-019B960494DF}">
+              <a14:hiddenLine xmlns:a14="http://schemas.microsoft.com/office/drawing/2010/main" w="9525">
+                <a:solidFill>
+                  <a:schemeClr val="tx1"/>
+                </a:solidFill>
+                <a:miter lim="800000"/>
+                <a:headEnd/>
+                <a:tailEnd/>
+              </a14:hiddenLine>
+            </a:ext>
+            <a:ext uri="{AF507438-7753-43E0-B8FC-AC1667EBCBE1}">
+              <a14:hiddenEffects xmlns:a14="http://schemas.microsoft.com/office/drawing/2010/main">
+                <a:effectLst>
+                  <a:outerShdw dist="35921" dir="2700000" algn="ctr" rotWithShape="0">
+                    <a:schemeClr val="bg2"/>
+                  </a:outerShdw>
+                </a:effectLst>
+              </a14:hiddenEffects>
+            </a:ext>
+          </a:extLst>
+        </p:spPr>
+      </p:pic>
+      <p:pic>
+        <p:nvPicPr>
+          <p:cNvPr id="10242" name="Picture 2"/>
+          <p:cNvPicPr>
+            <a:picLocks noChangeAspect="1" noChangeArrowheads="1"/>
+          </p:cNvPicPr>
+          <p:nvPr/>
+        </p:nvPicPr>
+        <p:blipFill>
+          <a:blip r:embed="rId4">
+            <a:extLst>
+              <a:ext uri="{28A0092B-C50C-407E-A947-70E740481C1C}">
+                <a14:useLocalDpi xmlns:a14="http://schemas.microsoft.com/office/drawing/2010/main" val="0"/>
+              </a:ext>
+            </a:extLst>
+          </a:blip>
+          <a:srcRect/>
+          <a:stretch>
+            <a:fillRect/>
+          </a:stretch>
+        </p:blipFill>
+        <p:spPr bwMode="auto">
+          <a:xfrm>
+            <a:off x="4361133" y="3429000"/>
+            <a:ext cx="3727961" cy="1824038"/>
+          </a:xfrm>
+          <a:prstGeom prst="rect">
+            <a:avLst/>
+          </a:prstGeom>
+          <a:noFill/>
+          <a:ln>
+            <a:noFill/>
+          </a:ln>
+          <a:extLst>
+            <a:ext uri="{909E8E84-426E-40DD-AFC4-6F175D3DCCD1}">
+              <a14:hiddenFill xmlns:a14="http://schemas.microsoft.com/office/drawing/2010/main">
+                <a:solidFill>
+                  <a:schemeClr val="accent1"/>
+                </a:solidFill>
+              </a14:hiddenFill>
+            </a:ext>
+            <a:ext uri="{91240B29-F687-4F45-9708-019B960494DF}">
+              <a14:hiddenLine xmlns:a14="http://schemas.microsoft.com/office/drawing/2010/main" w="9525">
+                <a:solidFill>
+                  <a:schemeClr val="tx1"/>
+                </a:solidFill>
+                <a:miter lim="800000"/>
+                <a:headEnd/>
+                <a:tailEnd/>
+              </a14:hiddenLine>
+            </a:ext>
+          </a:extLst>
+        </p:spPr>
+      </p:pic>
+    </p:spTree>
+    <p:extLst>
+      <p:ext uri="{BB962C8B-B14F-4D97-AF65-F5344CB8AC3E}">
+        <p14:creationId xmlns:p14="http://schemas.microsoft.com/office/powerpoint/2010/main" val="893216287"/>
+      </p:ext>
+    </p:extLst>
+  </p:cSld>
+  <p:clrMapOvr>
+    <a:masterClrMapping/>
+  </p:clrMapOvr>
+  <mc:AlternateContent xmlns:mc="http://schemas.openxmlformats.org/markup-compatibility/2006" xmlns:p14="http://schemas.microsoft.com/office/powerpoint/2010/main">
+    <mc:Choice Requires="p14">
+      <p:transition spd="med" p14:dur="700">
+        <p:fade/>
+      </p:transition>
+    </mc:Choice>
+    <mc:Fallback xmlns="">
+      <p:transition spd="med">
+        <p:fade/>
+      </p:transition>
+    </mc:Fallback>
+  </mc:AlternateContent>
+  <p:timing>
+    <p:tnLst>
+      <p:par>
+        <p:cTn id="1" dur="indefinite" restart="never" nodeType="tmRoot"/>
+      </p:par>
+    </p:tnLst>
+  </p:timing>
+</p:sld>
+</file>
+
+<file path=ppt/slides/slide22.xml><?xml version="1.0" encoding="utf-8"?>
+<p:sld xmlns:a="http://schemas.openxmlformats.org/drawingml/2006/main" xmlns:r="http://schemas.openxmlformats.org/officeDocument/2006/relationships" xmlns:p="http://schemas.openxmlformats.org/presentationml/2006/main">
+  <p:cSld>
+    <p:spTree>
+      <p:nvGrpSpPr>
+        <p:cNvPr id="1" name=""/>
+        <p:cNvGrpSpPr/>
+        <p:nvPr/>
+      </p:nvGrpSpPr>
+      <p:grpSpPr>
+        <a:xfrm>
+          <a:off x="0" y="0"/>
+          <a:ext cx="0" cy="0"/>
+          <a:chOff x="0" y="0"/>
+          <a:chExt cx="0" cy="0"/>
+        </a:xfrm>
+      </p:grpSpPr>
+      <p:sp>
+        <p:nvSpPr>
+          <p:cNvPr id="2" name="Title 1"/>
+          <p:cNvSpPr>
+            <a:spLocks noGrp="1"/>
+          </p:cNvSpPr>
+          <p:nvPr>
+            <p:ph type="title"/>
+          </p:nvPr>
+        </p:nvSpPr>
+        <p:spPr/>
+        <p:txBody>
+          <a:bodyPr/>
+          <a:lstStyle/>
+          <a:p>
+            <a:r>
+              <a:rPr lang="en-US" dirty="0" smtClean="0"/>
+              <a:t>Looper and Handler</a:t>
+            </a:r>
+            <a:endParaRPr lang="en-US" sz="2400" b="0" dirty="0">
+              <a:solidFill>
+                <a:schemeClr val="accent2"/>
+              </a:solidFill>
+            </a:endParaRPr>
+          </a:p>
+        </p:txBody>
+      </p:sp>
+      <p:sp>
+        <p:nvSpPr>
+          <p:cNvPr id="3" name="Content Placeholder 2"/>
+          <p:cNvSpPr>
+            <a:spLocks noGrp="1"/>
+          </p:cNvSpPr>
+          <p:nvPr>
+            <p:ph idx="1"/>
+          </p:nvPr>
+        </p:nvSpPr>
+        <p:spPr/>
+        <p:txBody>
+          <a:bodyPr>
+            <a:normAutofit fontScale="92500" lnSpcReduction="10000"/>
+          </a:bodyPr>
+          <a:lstStyle/>
+          <a:p>
+            <a:r>
+              <a:rPr lang="en-US" dirty="0" smtClean="0"/>
+              <a:t>Looper – turn thread into pipeline thread</a:t>
+            </a:r>
+          </a:p>
+          <a:p>
+            <a:r>
+              <a:rPr lang="en-US" dirty="0" smtClean="0"/>
+              <a:t>Handler</a:t>
+            </a:r>
+          </a:p>
+          <a:p>
+            <a:pPr lvl="1"/>
+            <a:r>
+              <a:rPr lang="en-US" dirty="0" smtClean="0"/>
+              <a:t>Allows to send and process messages and </a:t>
+            </a:r>
+            <a:r>
+              <a:rPr lang="en-US" dirty="0" err="1" smtClean="0"/>
+              <a:t>runnables</a:t>
+            </a:r>
+            <a:r>
+              <a:rPr lang="en-US" dirty="0" smtClean="0"/>
+              <a:t> on the thread’s message queue (MQ)</a:t>
+            </a:r>
+            <a:endParaRPr lang="en-US" b="1" dirty="0" smtClean="0"/>
+          </a:p>
+          <a:p>
+            <a:pPr lvl="1"/>
+            <a:r>
+              <a:rPr lang="en-US" dirty="0" smtClean="0"/>
+              <a:t>Bound to the thread (and its MQ) it was created on.</a:t>
+            </a:r>
+          </a:p>
+          <a:p>
+            <a:pPr lvl="1"/>
+            <a:endParaRPr lang="en-US" dirty="0" smtClean="0"/>
+          </a:p>
+          <a:p>
+            <a:pPr lvl="1"/>
+            <a:r>
+              <a:rPr lang="en-US" dirty="0" smtClean="0"/>
+              <a:t>Handler::post, </a:t>
+            </a:r>
+            <a:r>
+              <a:rPr lang="en-US" dirty="0" err="1" smtClean="0"/>
+              <a:t>postDelayed</a:t>
+            </a:r>
+            <a:r>
+              <a:rPr lang="en-US" dirty="0" smtClean="0"/>
+              <a:t>, </a:t>
+            </a:r>
+            <a:r>
+              <a:rPr lang="en-US" dirty="0" err="1" smtClean="0"/>
+              <a:t>postAtTime</a:t>
+            </a:r>
+            <a:endParaRPr lang="en-US" dirty="0"/>
+          </a:p>
+          <a:p>
+            <a:pPr lvl="1"/>
+            <a:r>
+              <a:rPr lang="en-US" dirty="0" smtClean="0"/>
+              <a:t>Handler::</a:t>
+            </a:r>
+            <a:r>
+              <a:rPr lang="en-US" dirty="0" err="1" smtClean="0"/>
+              <a:t>handleMessage</a:t>
+            </a:r>
+            <a:endParaRPr lang="en-US" dirty="0" smtClean="0"/>
+          </a:p>
+          <a:p>
+            <a:pPr lvl="1"/>
+            <a:r>
+              <a:rPr lang="en-US" dirty="0" smtClean="0"/>
+              <a:t>Handler::</a:t>
+            </a:r>
+            <a:r>
+              <a:rPr lang="en-US" dirty="0" err="1" smtClean="0"/>
+              <a:t>obtainMessage</a:t>
+            </a:r>
+            <a:endParaRPr lang="en-US" dirty="0" smtClean="0"/>
+          </a:p>
+          <a:p>
+            <a:pPr lvl="1"/>
+            <a:r>
+              <a:rPr lang="en-US" dirty="0" smtClean="0"/>
+              <a:t>Handler::</a:t>
+            </a:r>
+            <a:r>
+              <a:rPr lang="en-US" dirty="0" err="1" smtClean="0"/>
+              <a:t>removeCallbacks</a:t>
+            </a:r>
+            <a:r>
+              <a:rPr lang="en-US" dirty="0" smtClean="0"/>
+              <a:t>, etc.</a:t>
+            </a:r>
+          </a:p>
+          <a:p>
+            <a:pPr lvl="1"/>
+            <a:r>
+              <a:rPr lang="en-US" dirty="0" smtClean="0"/>
+              <a:t>Handler::</a:t>
+            </a:r>
+            <a:r>
+              <a:rPr lang="en-US" dirty="0" err="1" smtClean="0"/>
+              <a:t>postAtFrontOfQueue</a:t>
+            </a:r>
+            <a:r>
+              <a:rPr lang="en-US" dirty="0" smtClean="0"/>
+              <a:t> – do NOT use it, unless you understand the implications</a:t>
+            </a:r>
+          </a:p>
+          <a:p>
+            <a:pPr lvl="1"/>
+            <a:endParaRPr lang="en-US" dirty="0"/>
+          </a:p>
+          <a:p>
+            <a:pPr lvl="1"/>
+            <a:r>
+              <a:rPr lang="en-US" dirty="0" smtClean="0">
+                <a:solidFill>
+                  <a:srgbClr val="0070C0"/>
+                </a:solidFill>
+              </a:rPr>
+              <a:t>Non-static handler defined inside Activity has a reference to its outer class (Activity) and CAN leak resources.</a:t>
+            </a:r>
+          </a:p>
+        </p:txBody>
+      </p:sp>
+      <p:pic>
+        <p:nvPicPr>
+          <p:cNvPr id="1027" name="Picture 3"/>
+          <p:cNvPicPr>
+            <a:picLocks noChangeAspect="1" noChangeArrowheads="1"/>
+          </p:cNvPicPr>
+          <p:nvPr/>
+        </p:nvPicPr>
+        <p:blipFill>
+          <a:blip r:embed="rId3" cstate="print">
+            <a:extLst>
+              <a:ext uri="{28A0092B-C50C-407E-A947-70E740481C1C}">
+                <a14:useLocalDpi xmlns:a14="http://schemas.microsoft.com/office/drawing/2010/main"/>
+              </a:ext>
+            </a:extLst>
+          </a:blip>
+          <a:srcRect/>
+          <a:stretch>
+            <a:fillRect/>
+          </a:stretch>
+        </p:blipFill>
+        <p:spPr bwMode="auto">
+          <a:xfrm>
+            <a:off x="7665232" y="717116"/>
+            <a:ext cx="847725" cy="200025"/>
+          </a:xfrm>
+          <a:prstGeom prst="rect">
+            <a:avLst/>
+          </a:prstGeom>
+          <a:noFill/>
+          <a:ln>
+            <a:noFill/>
+          </a:ln>
+          <a:effectLst/>
+          <a:extLst>
+            <a:ext uri="{909E8E84-426E-40DD-AFC4-6F175D3DCCD1}">
+              <a14:hiddenFill xmlns:a14="http://schemas.microsoft.com/office/drawing/2010/main">
+                <a:solidFill>
+                  <a:schemeClr val="accent1"/>
+                </a:solidFill>
+              </a14:hiddenFill>
+            </a:ext>
+            <a:ext uri="{91240B29-F687-4F45-9708-019B960494DF}">
+              <a14:hiddenLine xmlns:a14="http://schemas.microsoft.com/office/drawing/2010/main" w="9525">
+                <a:solidFill>
+                  <a:schemeClr val="tx1"/>
+                </a:solidFill>
+                <a:miter lim="800000"/>
+                <a:headEnd/>
+                <a:tailEnd/>
+              </a14:hiddenLine>
+            </a:ext>
+            <a:ext uri="{AF507438-7753-43E0-B8FC-AC1667EBCBE1}">
+              <a14:hiddenEffects xmlns:a14="http://schemas.microsoft.com/office/drawing/2010/main">
+                <a:effectLst>
+                  <a:outerShdw dist="35921" dir="2700000" algn="ctr" rotWithShape="0">
+                    <a:schemeClr val="bg2"/>
+                  </a:outerShdw>
+                </a:effectLst>
+              </a14:hiddenEffects>
+            </a:ext>
+          </a:extLst>
+        </p:spPr>
+      </p:pic>
+    </p:spTree>
+    <p:extLst>
+      <p:ext uri="{BB962C8B-B14F-4D97-AF65-F5344CB8AC3E}">
+        <p14:creationId xmlns:p14="http://schemas.microsoft.com/office/powerpoint/2010/main" val="2341036554"/>
+      </p:ext>
+    </p:extLst>
+  </p:cSld>
+  <p:clrMapOvr>
+    <a:masterClrMapping/>
+  </p:clrMapOvr>
+  <mc:AlternateContent xmlns:mc="http://schemas.openxmlformats.org/markup-compatibility/2006" xmlns:p14="http://schemas.microsoft.com/office/powerpoint/2010/main">
+    <mc:Choice Requires="p14">
+      <p:transition spd="med" p14:dur="700">
+        <p:fade/>
+      </p:transition>
+    </mc:Choice>
+    <mc:Fallback xmlns="">
+      <p:transition spd="med">
+        <p:fade/>
+      </p:transition>
+    </mc:Fallback>
+  </mc:AlternateContent>
+  <p:timing>
+    <p:tnLst>
+      <p:par>
+        <p:cTn id="1" dur="indefinite" restart="never" nodeType="tmRoot"/>
+      </p:par>
+    </p:tnLst>
+  </p:timing>
+</p:sld>
+</file>
+
+<file path=ppt/slides/slide23.xml><?xml version="1.0" encoding="utf-8"?>
+<p:sld xmlns:a="http://schemas.openxmlformats.org/drawingml/2006/main" xmlns:r="http://schemas.openxmlformats.org/officeDocument/2006/relationships" xmlns:p="http://schemas.openxmlformats.org/presentationml/2006/main">
+  <p:cSld>
+    <p:spTree>
+      <p:nvGrpSpPr>
+        <p:cNvPr id="1" name=""/>
+        <p:cNvGrpSpPr/>
+        <p:nvPr/>
+      </p:nvGrpSpPr>
+      <p:grpSpPr>
+        <a:xfrm>
+          <a:off x="0" y="0"/>
+          <a:ext cx="0" cy="0"/>
+          <a:chOff x="0" y="0"/>
+          <a:chExt cx="0" cy="0"/>
+        </a:xfrm>
+      </p:grpSpPr>
+      <p:sp>
+        <p:nvSpPr>
+          <p:cNvPr id="2" name="Title 1"/>
+          <p:cNvSpPr>
+            <a:spLocks noGrp="1"/>
+          </p:cNvSpPr>
+          <p:nvPr>
+            <p:ph type="title"/>
+          </p:nvPr>
+        </p:nvSpPr>
+        <p:spPr/>
+        <p:txBody>
+          <a:bodyPr/>
+          <a:lstStyle/>
+          <a:p>
+            <a:r>
+              <a:rPr lang="en-US" dirty="0" smtClean="0"/>
+              <a:t>Looper and Handler</a:t>
+            </a:r>
+            <a:endParaRPr lang="en-US" sz="2400" b="0" dirty="0">
+              <a:solidFill>
+                <a:schemeClr val="accent2"/>
+              </a:solidFill>
+            </a:endParaRPr>
+          </a:p>
+        </p:txBody>
+      </p:sp>
+      <p:pic>
+        <p:nvPicPr>
+          <p:cNvPr id="1027" name="Picture 3"/>
+          <p:cNvPicPr>
+            <a:picLocks noChangeAspect="1" noChangeArrowheads="1"/>
+          </p:cNvPicPr>
+          <p:nvPr/>
+        </p:nvPicPr>
+        <p:blipFill>
+          <a:blip r:embed="rId3" cstate="print">
+            <a:extLst>
+              <a:ext uri="{28A0092B-C50C-407E-A947-70E740481C1C}">
+                <a14:useLocalDpi xmlns:a14="http://schemas.microsoft.com/office/drawing/2010/main"/>
+              </a:ext>
+            </a:extLst>
+          </a:blip>
+          <a:srcRect/>
+          <a:stretch>
+            <a:fillRect/>
+          </a:stretch>
+        </p:blipFill>
+        <p:spPr bwMode="auto">
+          <a:xfrm>
+            <a:off x="7665232" y="717116"/>
+            <a:ext cx="847725" cy="200025"/>
+          </a:xfrm>
+          <a:prstGeom prst="rect">
+            <a:avLst/>
+          </a:prstGeom>
+          <a:noFill/>
+          <a:ln>
+            <a:noFill/>
+          </a:ln>
+          <a:effectLst/>
+          <a:extLst>
+            <a:ext uri="{909E8E84-426E-40DD-AFC4-6F175D3DCCD1}">
+              <a14:hiddenFill xmlns:a14="http://schemas.microsoft.com/office/drawing/2010/main">
+                <a:solidFill>
+                  <a:schemeClr val="accent1"/>
+                </a:solidFill>
+              </a14:hiddenFill>
+            </a:ext>
+            <a:ext uri="{91240B29-F687-4F45-9708-019B960494DF}">
+              <a14:hiddenLine xmlns:a14="http://schemas.microsoft.com/office/drawing/2010/main" w="9525">
+                <a:solidFill>
+                  <a:schemeClr val="tx1"/>
+                </a:solidFill>
+                <a:miter lim="800000"/>
+                <a:headEnd/>
+                <a:tailEnd/>
+              </a14:hiddenLine>
+            </a:ext>
+            <a:ext uri="{AF507438-7753-43E0-B8FC-AC1667EBCBE1}">
+              <a14:hiddenEffects xmlns:a14="http://schemas.microsoft.com/office/drawing/2010/main">
+                <a:effectLst>
+                  <a:outerShdw dist="35921" dir="2700000" algn="ctr" rotWithShape="0">
+                    <a:schemeClr val="bg2"/>
+                  </a:outerShdw>
+                </a:effectLst>
+              </a14:hiddenEffects>
+            </a:ext>
+          </a:extLst>
+        </p:spPr>
+      </p:pic>
+      <p:pic>
+        <p:nvPicPr>
+          <p:cNvPr id="13314" name="Picture 2" descr="http://www.aviyehuda.com/images/AndroidMultithreading/android_threading.png"/>
+          <p:cNvPicPr>
+            <a:picLocks noChangeAspect="1" noChangeArrowheads="1"/>
+          </p:cNvPicPr>
+          <p:nvPr/>
+        </p:nvPicPr>
+        <p:blipFill>
+          <a:blip r:embed="rId4">
+            <a:extLst>
+              <a:ext uri="{28A0092B-C50C-407E-A947-70E740481C1C}">
+                <a14:useLocalDpi xmlns:a14="http://schemas.microsoft.com/office/drawing/2010/main" val="0"/>
+              </a:ext>
+            </a:extLst>
+          </a:blip>
+          <a:srcRect/>
+          <a:stretch>
+            <a:fillRect/>
+          </a:stretch>
+        </p:blipFill>
+        <p:spPr bwMode="auto">
+          <a:xfrm>
+            <a:off x="457200" y="1039491"/>
+            <a:ext cx="7870825" cy="5085084"/>
+          </a:xfrm>
+          <a:prstGeom prst="rect">
+            <a:avLst/>
+          </a:prstGeom>
+          <a:noFill/>
+          <a:extLst>
+            <a:ext uri="{909E8E84-426E-40DD-AFC4-6F175D3DCCD1}">
+              <a14:hiddenFill xmlns:a14="http://schemas.microsoft.com/office/drawing/2010/main">
+                <a:solidFill>
+                  <a:srgbClr val="FFFFFF"/>
+                </a:solidFill>
+              </a14:hiddenFill>
+            </a:ext>
+          </a:extLst>
+        </p:spPr>
+      </p:pic>
+    </p:spTree>
+    <p:extLst>
+      <p:ext uri="{BB962C8B-B14F-4D97-AF65-F5344CB8AC3E}">
+        <p14:creationId xmlns:p14="http://schemas.microsoft.com/office/powerpoint/2010/main" val="3136855198"/>
+      </p:ext>
+    </p:extLst>
+  </p:cSld>
+  <p:clrMapOvr>
+    <a:masterClrMapping/>
+  </p:clrMapOvr>
+  <mc:AlternateContent xmlns:mc="http://schemas.openxmlformats.org/markup-compatibility/2006" xmlns:p14="http://schemas.microsoft.com/office/powerpoint/2010/main">
+    <mc:Choice Requires="p14">
+      <p:transition spd="med" p14:dur="700">
+        <p:fade/>
+      </p:transition>
+    </mc:Choice>
+    <mc:Fallback xmlns="">
+      <p:transition spd="med">
+        <p:fade/>
+      </p:transition>
+    </mc:Fallback>
+  </mc:AlternateContent>
+  <p:timing>
+    <p:tnLst>
+      <p:par>
+        <p:cTn id="1" dur="indefinite" restart="never" nodeType="tmRoot"/>
+      </p:par>
+    </p:tnLst>
+  </p:timing>
+</p:sld>
+</file>
+
+<file path=ppt/slides/slide24.xml><?xml version="1.0" encoding="utf-8"?>
+<p:sld xmlns:a="http://schemas.openxmlformats.org/drawingml/2006/main" xmlns:r="http://schemas.openxmlformats.org/officeDocument/2006/relationships" xmlns:p="http://schemas.openxmlformats.org/presentationml/2006/main">
+  <p:cSld>
+    <p:spTree>
+      <p:nvGrpSpPr>
+        <p:cNvPr id="1" name=""/>
+        <p:cNvGrpSpPr/>
+        <p:nvPr/>
+      </p:nvGrpSpPr>
+      <p:grpSpPr>
+        <a:xfrm>
+          <a:off x="0" y="0"/>
+          <a:ext cx="0" cy="0"/>
+          <a:chOff x="0" y="0"/>
+          <a:chExt cx="0" cy="0"/>
+        </a:xfrm>
+      </p:grpSpPr>
+      <p:sp>
+        <p:nvSpPr>
+          <p:cNvPr id="2" name="Title 1"/>
+          <p:cNvSpPr>
+            <a:spLocks noGrp="1"/>
+          </p:cNvSpPr>
+          <p:nvPr>
+            <p:ph type="title"/>
+          </p:nvPr>
+        </p:nvSpPr>
+        <p:spPr/>
+        <p:txBody>
+          <a:bodyPr/>
+          <a:lstStyle/>
+          <a:p>
+            <a:r>
+              <a:rPr lang="en-US" dirty="0" smtClean="0"/>
+              <a:t>Looper and Handler</a:t>
+            </a:r>
+            <a:endParaRPr lang="en-US" sz="2400" b="0" dirty="0">
+              <a:solidFill>
+                <a:schemeClr val="accent2"/>
+              </a:solidFill>
+            </a:endParaRPr>
+          </a:p>
+        </p:txBody>
+      </p:sp>
+      <p:sp>
+        <p:nvSpPr>
+          <p:cNvPr id="3" name="Content Placeholder 2"/>
+          <p:cNvSpPr>
+            <a:spLocks noGrp="1"/>
+          </p:cNvSpPr>
+          <p:nvPr>
+            <p:ph idx="1"/>
+          </p:nvPr>
+        </p:nvSpPr>
+        <p:spPr/>
+        <p:txBody>
+          <a:bodyPr/>
+          <a:lstStyle/>
+          <a:p>
+            <a:r>
+              <a:rPr lang="en-US" dirty="0" err="1"/>
+              <a:t>HandlerThread</a:t>
+            </a:r>
+            <a:r>
+              <a:rPr lang="en-US" dirty="0"/>
+              <a:t> – Creates its own </a:t>
+            </a:r>
+            <a:r>
+              <a:rPr lang="en-US" dirty="0" err="1"/>
+              <a:t>looper</a:t>
+            </a:r>
+            <a:r>
+              <a:rPr lang="en-US" dirty="0"/>
+              <a:t>, so that handlers can be bound to it</a:t>
+            </a:r>
+            <a:r>
+              <a:rPr lang="en-US" dirty="0" smtClean="0"/>
+              <a:t>.</a:t>
+            </a:r>
+          </a:p>
+          <a:p>
+            <a:endParaRPr lang="en-US" dirty="0" smtClean="0"/>
+          </a:p>
+          <a:p>
+            <a:r>
+              <a:rPr lang="en-US" dirty="0" smtClean="0"/>
+              <a:t>Tip: Reusing handler</a:t>
+            </a:r>
+          </a:p>
+          <a:p>
+            <a:endParaRPr lang="en-US" dirty="0"/>
+          </a:p>
+          <a:p>
+            <a:endParaRPr lang="en-US" dirty="0"/>
+          </a:p>
+          <a:p>
+            <a:r>
+              <a:rPr lang="en-US" dirty="0"/>
+              <a:t>Demo</a:t>
+            </a:r>
+          </a:p>
+        </p:txBody>
+      </p:sp>
+      <p:pic>
+        <p:nvPicPr>
+          <p:cNvPr id="1027" name="Picture 3"/>
+          <p:cNvPicPr>
+            <a:picLocks noChangeAspect="1" noChangeArrowheads="1"/>
+          </p:cNvPicPr>
+          <p:nvPr/>
+        </p:nvPicPr>
+        <p:blipFill>
+          <a:blip r:embed="rId3" cstate="print">
+            <a:extLst>
+              <a:ext uri="{28A0092B-C50C-407E-A947-70E740481C1C}">
+                <a14:useLocalDpi xmlns:a14="http://schemas.microsoft.com/office/drawing/2010/main"/>
+              </a:ext>
+            </a:extLst>
+          </a:blip>
+          <a:srcRect/>
+          <a:stretch>
+            <a:fillRect/>
+          </a:stretch>
+        </p:blipFill>
+        <p:spPr bwMode="auto">
+          <a:xfrm>
+            <a:off x="7665232" y="717116"/>
+            <a:ext cx="847725" cy="200025"/>
+          </a:xfrm>
+          <a:prstGeom prst="rect">
+            <a:avLst/>
+          </a:prstGeom>
+          <a:noFill/>
+          <a:ln>
+            <a:noFill/>
+          </a:ln>
+          <a:effectLst/>
+          <a:extLst>
+            <a:ext uri="{909E8E84-426E-40DD-AFC4-6F175D3DCCD1}">
+              <a14:hiddenFill xmlns:a14="http://schemas.microsoft.com/office/drawing/2010/main">
+                <a:solidFill>
+                  <a:schemeClr val="accent1"/>
+                </a:solidFill>
+              </a14:hiddenFill>
+            </a:ext>
+            <a:ext uri="{91240B29-F687-4F45-9708-019B960494DF}">
+              <a14:hiddenLine xmlns:a14="http://schemas.microsoft.com/office/drawing/2010/main" w="9525">
+                <a:solidFill>
+                  <a:schemeClr val="tx1"/>
+                </a:solidFill>
+                <a:miter lim="800000"/>
+                <a:headEnd/>
+                <a:tailEnd/>
+              </a14:hiddenLine>
+            </a:ext>
+            <a:ext uri="{AF507438-7753-43E0-B8FC-AC1667EBCBE1}">
+              <a14:hiddenEffects xmlns:a14="http://schemas.microsoft.com/office/drawing/2010/main">
+                <a:effectLst>
+                  <a:outerShdw dist="35921" dir="2700000" algn="ctr" rotWithShape="0">
+                    <a:schemeClr val="bg2"/>
+                  </a:outerShdw>
+                </a:effectLst>
+              </a14:hiddenEffects>
+            </a:ext>
+          </a:extLst>
+        </p:spPr>
+      </p:pic>
+      <p:pic>
+        <p:nvPicPr>
+          <p:cNvPr id="1026" name="Picture 2"/>
+          <p:cNvPicPr>
+            <a:picLocks noChangeAspect="1" noChangeArrowheads="1"/>
+          </p:cNvPicPr>
+          <p:nvPr/>
+        </p:nvPicPr>
+        <p:blipFill>
+          <a:blip r:embed="rId4">
+            <a:extLst>
+              <a:ext uri="{28A0092B-C50C-407E-A947-70E740481C1C}">
+                <a14:useLocalDpi xmlns:a14="http://schemas.microsoft.com/office/drawing/2010/main" val="0"/>
+              </a:ext>
+            </a:extLst>
+          </a:blip>
+          <a:srcRect/>
+          <a:stretch>
+            <a:fillRect/>
+          </a:stretch>
+        </p:blipFill>
+        <p:spPr bwMode="auto">
+          <a:xfrm>
+            <a:off x="0" y="2728913"/>
+            <a:ext cx="9153525" cy="390525"/>
+          </a:xfrm>
+          <a:prstGeom prst="rect">
+            <a:avLst/>
+          </a:prstGeom>
+          <a:noFill/>
+          <a:ln>
+            <a:noFill/>
+          </a:ln>
+          <a:extLst>
+            <a:ext uri="{909E8E84-426E-40DD-AFC4-6F175D3DCCD1}">
+              <a14:hiddenFill xmlns:a14="http://schemas.microsoft.com/office/drawing/2010/main">
+                <a:solidFill>
+                  <a:schemeClr val="accent1"/>
+                </a:solidFill>
+              </a14:hiddenFill>
+            </a:ext>
+            <a:ext uri="{91240B29-F687-4F45-9708-019B960494DF}">
+              <a14:hiddenLine xmlns:a14="http://schemas.microsoft.com/office/drawing/2010/main" w="9525">
+                <a:solidFill>
+                  <a:schemeClr val="tx1"/>
+                </a:solidFill>
+                <a:miter lim="800000"/>
+                <a:headEnd/>
+                <a:tailEnd/>
+              </a14:hiddenLine>
+            </a:ext>
+          </a:extLst>
+        </p:spPr>
+      </p:pic>
+    </p:spTree>
+    <p:extLst>
+      <p:ext uri="{BB962C8B-B14F-4D97-AF65-F5344CB8AC3E}">
+        <p14:creationId xmlns:p14="http://schemas.microsoft.com/office/powerpoint/2010/main" val="816919751"/>
+      </p:ext>
+    </p:extLst>
+  </p:cSld>
+  <p:clrMapOvr>
+    <a:masterClrMapping/>
+  </p:clrMapOvr>
+  <mc:AlternateContent xmlns:mc="http://schemas.openxmlformats.org/markup-compatibility/2006" xmlns:p14="http://schemas.microsoft.com/office/powerpoint/2010/main">
+    <mc:Choice Requires="p14">
+      <p:transition spd="med" p14:dur="700">
+        <p:fade/>
+      </p:transition>
+    </mc:Choice>
+    <mc:Fallback xmlns="">
+      <p:transition spd="med">
+        <p:fade/>
+      </p:transition>
+    </mc:Fallback>
+  </mc:AlternateContent>
+  <p:timing>
+    <p:tnLst>
+      <p:par>
+        <p:cTn id="1" dur="indefinite" restart="never" nodeType="tmRoot"/>
+      </p:par>
+    </p:tnLst>
+  </p:timing>
+</p:sld>
+</file>
+
+<file path=ppt/slides/slide25.xml><?xml version="1.0" encoding="utf-8"?>
+<p:sld xmlns:a="http://schemas.openxmlformats.org/drawingml/2006/main" xmlns:r="http://schemas.openxmlformats.org/officeDocument/2006/relationships" xmlns:p="http://schemas.openxmlformats.org/presentationml/2006/main">
+  <p:cSld>
+    <p:spTree>
+      <p:nvGrpSpPr>
+        <p:cNvPr id="1" name=""/>
+        <p:cNvGrpSpPr/>
+        <p:nvPr/>
+      </p:nvGrpSpPr>
+      <p:grpSpPr>
+        <a:xfrm>
+          <a:off x="0" y="0"/>
+          <a:ext cx="0" cy="0"/>
+          <a:chOff x="0" y="0"/>
+          <a:chExt cx="0" cy="0"/>
+        </a:xfrm>
+      </p:grpSpPr>
+      <p:sp>
+        <p:nvSpPr>
+          <p:cNvPr id="2" name="Title 1"/>
+          <p:cNvSpPr>
+            <a:spLocks noGrp="1"/>
+          </p:cNvSpPr>
+          <p:nvPr>
+            <p:ph type="title"/>
+          </p:nvPr>
+        </p:nvSpPr>
+        <p:spPr/>
+        <p:txBody>
+          <a:bodyPr/>
+          <a:lstStyle/>
+          <a:p>
+            <a:r>
+              <a:rPr lang="en-US" dirty="0" err="1" smtClean="0"/>
+              <a:t>AsyncTask</a:t>
+            </a:r>
+            <a:endParaRPr lang="en-US" sz="2400" b="0" dirty="0">
+              <a:solidFill>
+                <a:schemeClr val="accent2"/>
+              </a:solidFill>
+            </a:endParaRPr>
+          </a:p>
+        </p:txBody>
+      </p:sp>
+      <p:sp>
+        <p:nvSpPr>
+          <p:cNvPr id="3" name="Content Placeholder 2"/>
+          <p:cNvSpPr>
+            <a:spLocks noGrp="1"/>
+          </p:cNvSpPr>
+          <p:nvPr>
+            <p:ph idx="1"/>
+          </p:nvPr>
+        </p:nvSpPr>
+        <p:spPr/>
+        <p:txBody>
+          <a:bodyPr>
+            <a:normAutofit lnSpcReduction="10000"/>
+          </a:bodyPr>
+          <a:lstStyle/>
+          <a:p>
+            <a:r>
+              <a:rPr lang="en-US" dirty="0" smtClean="0"/>
+              <a:t>Wrapper for Handler and Thread</a:t>
+            </a:r>
+          </a:p>
+          <a:p>
+            <a:r>
+              <a:rPr lang="en-US" dirty="0" smtClean="0"/>
+              <a:t>Designed for short-lived background tasks (few seconds)</a:t>
+            </a:r>
+          </a:p>
+          <a:p>
+            <a:r>
+              <a:rPr lang="en-US" dirty="0" smtClean="0"/>
+              <a:t>Convenient:</a:t>
+            </a:r>
+          </a:p>
+          <a:p>
+            <a:pPr lvl="1"/>
+            <a:r>
+              <a:rPr lang="en-US" dirty="0" err="1" smtClean="0"/>
+              <a:t>onPreExecute</a:t>
+            </a:r>
+            <a:endParaRPr lang="en-US" dirty="0" smtClean="0"/>
+          </a:p>
+          <a:p>
+            <a:pPr lvl="1"/>
+            <a:r>
+              <a:rPr lang="en-US" dirty="0" err="1" smtClean="0"/>
+              <a:t>doInBackground</a:t>
+            </a:r>
+            <a:endParaRPr lang="en-US" dirty="0" smtClean="0"/>
+          </a:p>
+          <a:p>
+            <a:pPr lvl="1"/>
+            <a:r>
+              <a:rPr lang="en-US" dirty="0" err="1" smtClean="0"/>
+              <a:t>onProgressUpdate</a:t>
+            </a:r>
+            <a:endParaRPr lang="en-US" dirty="0" smtClean="0"/>
+          </a:p>
+          <a:p>
+            <a:pPr lvl="1"/>
+            <a:r>
+              <a:rPr lang="en-US" dirty="0" err="1" smtClean="0"/>
+              <a:t>onPostExecute</a:t>
+            </a:r>
+            <a:endParaRPr lang="en-US" dirty="0" smtClean="0"/>
+          </a:p>
+          <a:p>
+            <a:r>
+              <a:rPr lang="en-US" dirty="0" smtClean="0"/>
+              <a:t>Don’t forget to check for </a:t>
+            </a:r>
+            <a:r>
+              <a:rPr lang="en-US" dirty="0" err="1" smtClean="0"/>
+              <a:t>isCancelled</a:t>
+            </a:r>
+            <a:endParaRPr lang="en-US" dirty="0" smtClean="0"/>
+          </a:p>
+          <a:p>
+            <a:endParaRPr lang="en-US" dirty="0"/>
+          </a:p>
+          <a:p>
+            <a:r>
+              <a:rPr lang="en-US" dirty="0">
+                <a:solidFill>
+                  <a:srgbClr val="0070C0"/>
+                </a:solidFill>
+              </a:rPr>
+              <a:t> Since the arrival of Honeycomb (Android 3.0, API level 11), multiple </a:t>
+            </a:r>
+            <a:r>
+              <a:rPr lang="en-US" dirty="0" err="1">
+                <a:solidFill>
+                  <a:srgbClr val="0070C0"/>
+                </a:solidFill>
+              </a:rPr>
+              <a:t>AsyncTask</a:t>
+            </a:r>
+            <a:r>
+              <a:rPr lang="en-US" dirty="0">
+                <a:solidFill>
+                  <a:srgbClr val="0070C0"/>
+                </a:solidFill>
+              </a:rPr>
+              <a:t> instances are executed sequentially by default. If you want to change this behavior, you can have them executed on THREAD_POOL_EXECUTOR by invoking </a:t>
+            </a:r>
+            <a:r>
+              <a:rPr lang="en-US" dirty="0" err="1">
+                <a:solidFill>
+                  <a:srgbClr val="0070C0"/>
+                </a:solidFill>
+              </a:rPr>
+              <a:t>executeOnExecutor</a:t>
+            </a:r>
+            <a:r>
+              <a:rPr lang="en-US" dirty="0" smtClean="0">
+                <a:solidFill>
+                  <a:srgbClr val="0070C0"/>
+                </a:solidFill>
+              </a:rPr>
+              <a:t>.</a:t>
+            </a:r>
+          </a:p>
+          <a:p>
+            <a:r>
+              <a:rPr lang="en-US" dirty="0" smtClean="0">
+                <a:solidFill>
+                  <a:schemeClr val="tx1"/>
+                </a:solidFill>
+              </a:rPr>
+              <a:t>Demo</a:t>
+            </a:r>
+            <a:endParaRPr lang="en-US" dirty="0">
+              <a:solidFill>
+                <a:schemeClr val="tx1"/>
+              </a:solidFill>
+            </a:endParaRPr>
+          </a:p>
+        </p:txBody>
+      </p:sp>
+      <p:pic>
+        <p:nvPicPr>
+          <p:cNvPr id="1027" name="Picture 3"/>
+          <p:cNvPicPr>
+            <a:picLocks noChangeAspect="1" noChangeArrowheads="1"/>
+          </p:cNvPicPr>
+          <p:nvPr/>
+        </p:nvPicPr>
+        <p:blipFill>
+          <a:blip r:embed="rId3" cstate="print">
+            <a:extLst>
+              <a:ext uri="{28A0092B-C50C-407E-A947-70E740481C1C}">
+                <a14:useLocalDpi xmlns:a14="http://schemas.microsoft.com/office/drawing/2010/main"/>
+              </a:ext>
+            </a:extLst>
+          </a:blip>
+          <a:srcRect/>
+          <a:stretch>
+            <a:fillRect/>
+          </a:stretch>
+        </p:blipFill>
+        <p:spPr bwMode="auto">
+          <a:xfrm>
+            <a:off x="7665232" y="717116"/>
+            <a:ext cx="847725" cy="200025"/>
+          </a:xfrm>
+          <a:prstGeom prst="rect">
+            <a:avLst/>
+          </a:prstGeom>
+          <a:noFill/>
+          <a:ln>
+            <a:noFill/>
+          </a:ln>
+          <a:effectLst/>
+          <a:extLst>
+            <a:ext uri="{909E8E84-426E-40DD-AFC4-6F175D3DCCD1}">
+              <a14:hiddenFill xmlns:a14="http://schemas.microsoft.com/office/drawing/2010/main">
+                <a:solidFill>
+                  <a:schemeClr val="accent1"/>
+                </a:solidFill>
+              </a14:hiddenFill>
+            </a:ext>
+            <a:ext uri="{91240B29-F687-4F45-9708-019B960494DF}">
+              <a14:hiddenLine xmlns:a14="http://schemas.microsoft.com/office/drawing/2010/main" w="9525">
+                <a:solidFill>
+                  <a:schemeClr val="tx1"/>
+                </a:solidFill>
+                <a:miter lim="800000"/>
+                <a:headEnd/>
+                <a:tailEnd/>
+              </a14:hiddenLine>
+            </a:ext>
+            <a:ext uri="{AF507438-7753-43E0-B8FC-AC1667EBCBE1}">
+              <a14:hiddenEffects xmlns:a14="http://schemas.microsoft.com/office/drawing/2010/main">
+                <a:effectLst>
+                  <a:outerShdw dist="35921" dir="2700000" algn="ctr" rotWithShape="0">
+                    <a:schemeClr val="bg2"/>
+                  </a:outerShdw>
+                </a:effectLst>
+              </a14:hiddenEffects>
+            </a:ext>
+          </a:extLst>
+        </p:spPr>
+      </p:pic>
+    </p:spTree>
+    <p:extLst>
+      <p:ext uri="{BB962C8B-B14F-4D97-AF65-F5344CB8AC3E}">
+        <p14:creationId xmlns:p14="http://schemas.microsoft.com/office/powerpoint/2010/main" val="2786456665"/>
+      </p:ext>
+    </p:extLst>
+  </p:cSld>
+  <p:clrMapOvr>
+    <a:masterClrMapping/>
+  </p:clrMapOvr>
+  <mc:AlternateContent xmlns:mc="http://schemas.openxmlformats.org/markup-compatibility/2006" xmlns:p14="http://schemas.microsoft.com/office/powerpoint/2010/main">
+    <mc:Choice Requires="p14">
+      <p:transition spd="med" p14:dur="700">
+        <p:fade/>
+      </p:transition>
+    </mc:Choice>
+    <mc:Fallback xmlns="">
+      <p:transition spd="med">
+        <p:fade/>
+      </p:transition>
+    </mc:Fallback>
+  </mc:AlternateContent>
+  <p:timing>
+    <p:tnLst>
+      <p:par>
+        <p:cTn id="1" dur="indefinite" restart="never" nodeType="tmRoot"/>
+      </p:par>
+    </p:tnLst>
+  </p:timing>
+</p:sld>
+</file>
+
+<file path=ppt/slides/slide26.xml><?xml version="1.0" encoding="utf-8"?>
+<p:sld xmlns:a="http://schemas.openxmlformats.org/drawingml/2006/main" xmlns:r="http://schemas.openxmlformats.org/officeDocument/2006/relationships" xmlns:p="http://schemas.openxmlformats.org/presentationml/2006/main">
+  <p:cSld>
+    <p:spTree>
+      <p:nvGrpSpPr>
+        <p:cNvPr id="1" name=""/>
+        <p:cNvGrpSpPr/>
+        <p:nvPr/>
+      </p:nvGrpSpPr>
+      <p:grpSpPr>
+        <a:xfrm>
+          <a:off x="0" y="0"/>
+          <a:ext cx="0" cy="0"/>
+          <a:chOff x="0" y="0"/>
+          <a:chExt cx="0" cy="0"/>
+        </a:xfrm>
+      </p:grpSpPr>
+      <p:sp>
+        <p:nvSpPr>
+          <p:cNvPr id="2" name="Title 1"/>
+          <p:cNvSpPr>
+            <a:spLocks noGrp="1"/>
+          </p:cNvSpPr>
+          <p:nvPr>
+            <p:ph type="title"/>
+          </p:nvPr>
+        </p:nvSpPr>
+        <p:spPr/>
+        <p:txBody>
+          <a:bodyPr/>
+          <a:lstStyle/>
+          <a:p>
+            <a:r>
+              <a:rPr lang="en-US" dirty="0" err="1" smtClean="0"/>
+              <a:t>AsyncTask</a:t>
+            </a:r>
+            <a:endParaRPr lang="en-US" sz="2400" b="0" dirty="0">
+              <a:solidFill>
+                <a:schemeClr val="accent2"/>
+              </a:solidFill>
+            </a:endParaRPr>
+          </a:p>
+        </p:txBody>
+      </p:sp>
+      <p:pic>
+        <p:nvPicPr>
+          <p:cNvPr id="1027" name="Picture 3"/>
+          <p:cNvPicPr>
+            <a:picLocks noChangeAspect="1" noChangeArrowheads="1"/>
+          </p:cNvPicPr>
+          <p:nvPr/>
+        </p:nvPicPr>
+        <p:blipFill>
+          <a:blip r:embed="rId3" cstate="print">
+            <a:extLst>
+              <a:ext uri="{28A0092B-C50C-407E-A947-70E740481C1C}">
+                <a14:useLocalDpi xmlns:a14="http://schemas.microsoft.com/office/drawing/2010/main"/>
+              </a:ext>
+            </a:extLst>
+          </a:blip>
+          <a:srcRect/>
+          <a:stretch>
+            <a:fillRect/>
+          </a:stretch>
+        </p:blipFill>
+        <p:spPr bwMode="auto">
+          <a:xfrm>
+            <a:off x="7665232" y="717116"/>
+            <a:ext cx="847725" cy="200025"/>
+          </a:xfrm>
+          <a:prstGeom prst="rect">
+            <a:avLst/>
+          </a:prstGeom>
+          <a:noFill/>
+          <a:ln>
+            <a:noFill/>
+          </a:ln>
+          <a:effectLst/>
+          <a:extLst>
+            <a:ext uri="{909E8E84-426E-40DD-AFC4-6F175D3DCCD1}">
+              <a14:hiddenFill xmlns:a14="http://schemas.microsoft.com/office/drawing/2010/main">
+                <a:solidFill>
+                  <a:schemeClr val="accent1"/>
+                </a:solidFill>
+              </a14:hiddenFill>
+            </a:ext>
+            <a:ext uri="{91240B29-F687-4F45-9708-019B960494DF}">
+              <a14:hiddenLine xmlns:a14="http://schemas.microsoft.com/office/drawing/2010/main" w="9525">
+                <a:solidFill>
+                  <a:schemeClr val="tx1"/>
+                </a:solidFill>
+                <a:miter lim="800000"/>
+                <a:headEnd/>
+                <a:tailEnd/>
+              </a14:hiddenLine>
+            </a:ext>
+            <a:ext uri="{AF507438-7753-43E0-B8FC-AC1667EBCBE1}">
+              <a14:hiddenEffects xmlns:a14="http://schemas.microsoft.com/office/drawing/2010/main">
+                <a:effectLst>
+                  <a:outerShdw dist="35921" dir="2700000" algn="ctr" rotWithShape="0">
+                    <a:schemeClr val="bg2"/>
+                  </a:outerShdw>
+                </a:effectLst>
+              </a14:hiddenEffects>
+            </a:ext>
+          </a:extLst>
+        </p:spPr>
+      </p:pic>
+      <p:pic>
+        <p:nvPicPr>
+          <p:cNvPr id="4" name="Picture 2" descr="AsyncTask"/>
+          <p:cNvPicPr>
+            <a:picLocks noChangeAspect="1" noChangeArrowheads="1"/>
+          </p:cNvPicPr>
+          <p:nvPr/>
+        </p:nvPicPr>
+        <p:blipFill>
+          <a:blip r:embed="rId4">
+            <a:extLst>
+              <a:ext uri="{28A0092B-C50C-407E-A947-70E740481C1C}">
+                <a14:useLocalDpi xmlns:a14="http://schemas.microsoft.com/office/drawing/2010/main" val="0"/>
+              </a:ext>
+            </a:extLst>
+          </a:blip>
+          <a:srcRect/>
+          <a:stretch>
+            <a:fillRect/>
+          </a:stretch>
+        </p:blipFill>
+        <p:spPr bwMode="auto">
+          <a:xfrm>
+            <a:off x="2289175" y="1512887"/>
+            <a:ext cx="4591050" cy="3171826"/>
+          </a:xfrm>
+          <a:prstGeom prst="rect">
+            <a:avLst/>
+          </a:prstGeom>
+          <a:noFill/>
+          <a:extLst>
+            <a:ext uri="{909E8E84-426E-40DD-AFC4-6F175D3DCCD1}">
+              <a14:hiddenFill xmlns:a14="http://schemas.microsoft.com/office/drawing/2010/main">
+                <a:solidFill>
+                  <a:srgbClr val="FFFFFF"/>
+                </a:solidFill>
+              </a14:hiddenFill>
+            </a:ext>
+          </a:extLst>
+        </p:spPr>
+      </p:pic>
+    </p:spTree>
+    <p:extLst>
+      <p:ext uri="{BB962C8B-B14F-4D97-AF65-F5344CB8AC3E}">
+        <p14:creationId xmlns:p14="http://schemas.microsoft.com/office/powerpoint/2010/main" val="564734809"/>
+      </p:ext>
+    </p:extLst>
+  </p:cSld>
+  <p:clrMapOvr>
+    <a:masterClrMapping/>
+  </p:clrMapOvr>
+  <mc:AlternateContent xmlns:mc="http://schemas.openxmlformats.org/markup-compatibility/2006" xmlns:p14="http://schemas.microsoft.com/office/powerpoint/2010/main">
+    <mc:Choice Requires="p14">
+      <p:transition spd="med" p14:dur="700">
+        <p:fade/>
+      </p:transition>
+    </mc:Choice>
+    <mc:Fallback xmlns="">
+      <p:transition spd="med">
+        <p:fade/>
+      </p:transition>
+    </mc:Fallback>
+  </mc:AlternateContent>
+  <p:timing>
+    <p:tnLst>
+      <p:par>
+        <p:cTn id="1" dur="indefinite" restart="never" nodeType="tmRoot"/>
+      </p:par>
+    </p:tnLst>
+  </p:timing>
+</p:sld>
+</file>
+
+<file path=ppt/slides/slide27.xml><?xml version="1.0" encoding="utf-8"?>
+<p:sld xmlns:a="http://schemas.openxmlformats.org/drawingml/2006/main" xmlns:r="http://schemas.openxmlformats.org/officeDocument/2006/relationships" xmlns:p="http://schemas.openxmlformats.org/presentationml/2006/main">
+  <p:cSld>
+    <p:spTree>
+      <p:nvGrpSpPr>
+        <p:cNvPr id="1" name=""/>
+        <p:cNvGrpSpPr/>
+        <p:nvPr/>
+      </p:nvGrpSpPr>
+      <p:grpSpPr>
+        <a:xfrm>
+          <a:off x="0" y="0"/>
+          <a:ext cx="0" cy="0"/>
+          <a:chOff x="0" y="0"/>
+          <a:chExt cx="0" cy="0"/>
+        </a:xfrm>
+      </p:grpSpPr>
+      <p:sp>
+        <p:nvSpPr>
+          <p:cNvPr id="2" name="Title 1"/>
+          <p:cNvSpPr>
+            <a:spLocks noGrp="1"/>
+          </p:cNvSpPr>
+          <p:nvPr>
+            <p:ph type="title"/>
+          </p:nvPr>
+        </p:nvSpPr>
+        <p:spPr/>
+        <p:txBody>
+          <a:bodyPr/>
+          <a:lstStyle/>
+          <a:p>
+            <a:r>
+              <a:rPr lang="en-US" dirty="0" err="1" smtClean="0"/>
+              <a:t>IntentService</a:t>
+            </a:r>
+            <a:endParaRPr lang="en-US" sz="2400" b="0" dirty="0">
+              <a:solidFill>
+                <a:schemeClr val="accent2"/>
+              </a:solidFill>
+            </a:endParaRPr>
+          </a:p>
+        </p:txBody>
+      </p:sp>
+      <p:sp>
+        <p:nvSpPr>
+          <p:cNvPr id="3" name="Content Placeholder 2"/>
+          <p:cNvSpPr>
+            <a:spLocks noGrp="1"/>
+          </p:cNvSpPr>
+          <p:nvPr>
+            <p:ph idx="1"/>
+          </p:nvPr>
+        </p:nvSpPr>
+        <p:spPr/>
+        <p:txBody>
+          <a:bodyPr>
+            <a:normAutofit/>
+          </a:bodyPr>
+          <a:lstStyle/>
+          <a:p>
+            <a:r>
+              <a:rPr lang="en-US" dirty="0" smtClean="0"/>
+              <a:t>Act as any other service in Android</a:t>
+            </a:r>
+          </a:p>
+          <a:p>
+            <a:r>
+              <a:rPr lang="en-US" dirty="0" smtClean="0"/>
+              <a:t>Must be registered in Android Manifest</a:t>
+            </a:r>
+          </a:p>
+          <a:p>
+            <a:r>
+              <a:rPr lang="en-US" dirty="0" smtClean="0"/>
+              <a:t>Pass information with Intent</a:t>
+            </a:r>
+          </a:p>
+          <a:p>
+            <a:r>
+              <a:rPr lang="en-US" dirty="0" smtClean="0"/>
+              <a:t>Handle in </a:t>
+            </a:r>
+            <a:r>
+              <a:rPr lang="en-US" dirty="0" err="1" smtClean="0"/>
+              <a:t>onHandleIntent</a:t>
+            </a:r>
+            <a:endParaRPr lang="en-US" dirty="0" smtClean="0"/>
+          </a:p>
+          <a:p>
+            <a:endParaRPr lang="en-US" dirty="0"/>
+          </a:p>
+          <a:p>
+            <a:endParaRPr lang="en-US" dirty="0"/>
+          </a:p>
+          <a:p>
+            <a:pPr marL="0" indent="0">
+              <a:buNone/>
+            </a:pPr>
+            <a:endParaRPr lang="en-US" dirty="0" smtClean="0"/>
+          </a:p>
+          <a:p>
+            <a:endParaRPr lang="en-US" dirty="0"/>
+          </a:p>
+          <a:p>
+            <a:r>
+              <a:rPr lang="en-US" dirty="0" smtClean="0"/>
+              <a:t>Demo</a:t>
+            </a:r>
+            <a:endParaRPr lang="en-US" dirty="0"/>
+          </a:p>
+        </p:txBody>
+      </p:sp>
+      <p:pic>
+        <p:nvPicPr>
+          <p:cNvPr id="1027" name="Picture 3"/>
+          <p:cNvPicPr>
+            <a:picLocks noChangeAspect="1" noChangeArrowheads="1"/>
+          </p:cNvPicPr>
+          <p:nvPr/>
+        </p:nvPicPr>
+        <p:blipFill>
+          <a:blip r:embed="rId3" cstate="print">
+            <a:extLst>
+              <a:ext uri="{28A0092B-C50C-407E-A947-70E740481C1C}">
+                <a14:useLocalDpi xmlns:a14="http://schemas.microsoft.com/office/drawing/2010/main"/>
+              </a:ext>
+            </a:extLst>
+          </a:blip>
+          <a:srcRect/>
+          <a:stretch>
+            <a:fillRect/>
+          </a:stretch>
+        </p:blipFill>
+        <p:spPr bwMode="auto">
+          <a:xfrm>
+            <a:off x="7665232" y="717116"/>
+            <a:ext cx="847725" cy="200025"/>
+          </a:xfrm>
+          <a:prstGeom prst="rect">
+            <a:avLst/>
+          </a:prstGeom>
+          <a:noFill/>
+          <a:ln>
+            <a:noFill/>
+          </a:ln>
+          <a:effectLst/>
+          <a:extLst>
+            <a:ext uri="{909E8E84-426E-40DD-AFC4-6F175D3DCCD1}">
+              <a14:hiddenFill xmlns:a14="http://schemas.microsoft.com/office/drawing/2010/main">
+                <a:solidFill>
+                  <a:schemeClr val="accent1"/>
+                </a:solidFill>
+              </a14:hiddenFill>
+            </a:ext>
+            <a:ext uri="{91240B29-F687-4F45-9708-019B960494DF}">
+              <a14:hiddenLine xmlns:a14="http://schemas.microsoft.com/office/drawing/2010/main" w="9525">
+                <a:solidFill>
+                  <a:schemeClr val="tx1"/>
+                </a:solidFill>
+                <a:miter lim="800000"/>
+                <a:headEnd/>
+                <a:tailEnd/>
+              </a14:hiddenLine>
+            </a:ext>
+            <a:ext uri="{AF507438-7753-43E0-B8FC-AC1667EBCBE1}">
+              <a14:hiddenEffects xmlns:a14="http://schemas.microsoft.com/office/drawing/2010/main">
+                <a:effectLst>
+                  <a:outerShdw dist="35921" dir="2700000" algn="ctr" rotWithShape="0">
+                    <a:schemeClr val="bg2"/>
+                  </a:outerShdw>
+                </a:effectLst>
+              </a14:hiddenEffects>
+            </a:ext>
+          </a:extLst>
+        </p:spPr>
+      </p:pic>
+      <p:pic>
+        <p:nvPicPr>
+          <p:cNvPr id="15362" name="Picture 2"/>
+          <p:cNvPicPr>
+            <a:picLocks noChangeAspect="1" noChangeArrowheads="1"/>
+          </p:cNvPicPr>
+          <p:nvPr/>
+        </p:nvPicPr>
+        <p:blipFill>
+          <a:blip r:embed="rId4">
+            <a:extLst>
+              <a:ext uri="{28A0092B-C50C-407E-A947-70E740481C1C}">
+                <a14:useLocalDpi xmlns:a14="http://schemas.microsoft.com/office/drawing/2010/main" val="0"/>
+              </a:ext>
+            </a:extLst>
+          </a:blip>
+          <a:srcRect/>
+          <a:stretch>
+            <a:fillRect/>
+          </a:stretch>
+        </p:blipFill>
+        <p:spPr bwMode="auto">
+          <a:xfrm>
+            <a:off x="762000" y="2790825"/>
+            <a:ext cx="6000750" cy="1104900"/>
+          </a:xfrm>
+          <a:prstGeom prst="rect">
+            <a:avLst/>
+          </a:prstGeom>
+          <a:noFill/>
+          <a:ln>
+            <a:noFill/>
+          </a:ln>
+          <a:extLst>
+            <a:ext uri="{909E8E84-426E-40DD-AFC4-6F175D3DCCD1}">
+              <a14:hiddenFill xmlns:a14="http://schemas.microsoft.com/office/drawing/2010/main">
+                <a:solidFill>
+                  <a:schemeClr val="accent1"/>
+                </a:solidFill>
+              </a14:hiddenFill>
+            </a:ext>
+            <a:ext uri="{91240B29-F687-4F45-9708-019B960494DF}">
+              <a14:hiddenLine xmlns:a14="http://schemas.microsoft.com/office/drawing/2010/main" w="9525">
+                <a:solidFill>
+                  <a:schemeClr val="tx1"/>
+                </a:solidFill>
+                <a:miter lim="800000"/>
+                <a:headEnd/>
+                <a:tailEnd/>
+              </a14:hiddenLine>
+            </a:ext>
+          </a:extLst>
+        </p:spPr>
+      </p:pic>
+    </p:spTree>
+    <p:extLst>
+      <p:ext uri="{BB962C8B-B14F-4D97-AF65-F5344CB8AC3E}">
+        <p14:creationId xmlns:p14="http://schemas.microsoft.com/office/powerpoint/2010/main" val="968172601"/>
+      </p:ext>
+    </p:extLst>
+  </p:cSld>
+  <p:clrMapOvr>
+    <a:masterClrMapping/>
+  </p:clrMapOvr>
+  <mc:AlternateContent xmlns:mc="http://schemas.openxmlformats.org/markup-compatibility/2006" xmlns:p14="http://schemas.microsoft.com/office/powerpoint/2010/main">
+    <mc:Choice Requires="p14">
+      <p:transition spd="med" p14:dur="700">
+        <p:fade/>
+      </p:transition>
+    </mc:Choice>
+    <mc:Fallback xmlns="">
+      <p:transition spd="med">
+        <p:fade/>
+      </p:transition>
+    </mc:Fallback>
+  </mc:AlternateContent>
+  <p:timing>
+    <p:tnLst>
+      <p:par>
+        <p:cTn id="1" dur="indefinite" restart="never" nodeType="tmRoot"/>
+      </p:par>
+    </p:tnLst>
+  </p:timing>
+</p:sld>
+</file>
+
+<file path=ppt/slides/slide28.xml><?xml version="1.0" encoding="utf-8"?>
+<p:sld xmlns:a="http://schemas.openxmlformats.org/drawingml/2006/main" xmlns:r="http://schemas.openxmlformats.org/officeDocument/2006/relationships" xmlns:p="http://schemas.openxmlformats.org/presentationml/2006/main">
+  <p:cSld>
+    <p:spTree>
+      <p:nvGrpSpPr>
+        <p:cNvPr id="1" name=""/>
+        <p:cNvGrpSpPr/>
+        <p:nvPr/>
+      </p:nvGrpSpPr>
+      <p:grpSpPr>
+        <a:xfrm>
+          <a:off x="0" y="0"/>
+          <a:ext cx="0" cy="0"/>
+          <a:chOff x="0" y="0"/>
+          <a:chExt cx="0" cy="0"/>
+        </a:xfrm>
+      </p:grpSpPr>
+      <p:sp>
+        <p:nvSpPr>
+          <p:cNvPr id="2" name="Title 1"/>
+          <p:cNvSpPr>
+            <a:spLocks noGrp="1"/>
+          </p:cNvSpPr>
+          <p:nvPr>
+            <p:ph type="title"/>
+          </p:nvPr>
+        </p:nvSpPr>
+        <p:spPr/>
+        <p:txBody>
+          <a:bodyPr/>
+          <a:lstStyle/>
+          <a:p>
+            <a:r>
+              <a:rPr lang="en-US" dirty="0" smtClean="0"/>
+              <a:t>Loaders</a:t>
+            </a:r>
+            <a:endParaRPr lang="en-US" sz="2400" b="0" dirty="0">
+              <a:solidFill>
+                <a:schemeClr val="accent2"/>
+              </a:solidFill>
+            </a:endParaRPr>
+          </a:p>
+        </p:txBody>
+      </p:sp>
+      <p:sp>
+        <p:nvSpPr>
+          <p:cNvPr id="3" name="Content Placeholder 2"/>
+          <p:cNvSpPr>
+            <a:spLocks noGrp="1"/>
+          </p:cNvSpPr>
+          <p:nvPr>
+            <p:ph idx="1"/>
+          </p:nvPr>
+        </p:nvSpPr>
+        <p:spPr/>
+        <p:txBody>
+          <a:bodyPr/>
+          <a:lstStyle/>
+          <a:p>
+            <a:r>
+              <a:rPr lang="en-US" dirty="0" smtClean="0"/>
+              <a:t>First bullet here</a:t>
+            </a:r>
+          </a:p>
+          <a:p>
+            <a:r>
+              <a:rPr lang="en-US" dirty="0" smtClean="0"/>
+              <a:t>Second bullet here</a:t>
+            </a:r>
+            <a:endParaRPr lang="en-US" dirty="0"/>
+          </a:p>
+        </p:txBody>
+      </p:sp>
+      <p:pic>
+        <p:nvPicPr>
+          <p:cNvPr id="1027" name="Picture 3"/>
+          <p:cNvPicPr>
+            <a:picLocks noChangeAspect="1" noChangeArrowheads="1"/>
+          </p:cNvPicPr>
+          <p:nvPr/>
+        </p:nvPicPr>
+        <p:blipFill>
+          <a:blip r:embed="rId3" cstate="print">
+            <a:extLst>
+              <a:ext uri="{28A0092B-C50C-407E-A947-70E740481C1C}">
+                <a14:useLocalDpi xmlns:a14="http://schemas.microsoft.com/office/drawing/2010/main"/>
+              </a:ext>
+            </a:extLst>
+          </a:blip>
+          <a:srcRect/>
+          <a:stretch>
+            <a:fillRect/>
+          </a:stretch>
+        </p:blipFill>
+        <p:spPr bwMode="auto">
+          <a:xfrm>
+            <a:off x="7665232" y="717116"/>
+            <a:ext cx="847725" cy="200025"/>
+          </a:xfrm>
+          <a:prstGeom prst="rect">
+            <a:avLst/>
+          </a:prstGeom>
+          <a:noFill/>
+          <a:ln>
+            <a:noFill/>
+          </a:ln>
+          <a:effectLst/>
+          <a:extLst>
+            <a:ext uri="{909E8E84-426E-40DD-AFC4-6F175D3DCCD1}">
+              <a14:hiddenFill xmlns:a14="http://schemas.microsoft.com/office/drawing/2010/main">
+                <a:solidFill>
+                  <a:schemeClr val="accent1"/>
+                </a:solidFill>
+              </a14:hiddenFill>
+            </a:ext>
+            <a:ext uri="{91240B29-F687-4F45-9708-019B960494DF}">
+              <a14:hiddenLine xmlns:a14="http://schemas.microsoft.com/office/drawing/2010/main" w="9525">
+                <a:solidFill>
+                  <a:schemeClr val="tx1"/>
+                </a:solidFill>
+                <a:miter lim="800000"/>
+                <a:headEnd/>
+                <a:tailEnd/>
+              </a14:hiddenLine>
+            </a:ext>
+            <a:ext uri="{AF507438-7753-43E0-B8FC-AC1667EBCBE1}">
+              <a14:hiddenEffects xmlns:a14="http://schemas.microsoft.com/office/drawing/2010/main">
+                <a:effectLst>
+                  <a:outerShdw dist="35921" dir="2700000" algn="ctr" rotWithShape="0">
+                    <a:schemeClr val="bg2"/>
+                  </a:outerShdw>
+                </a:effectLst>
+              </a14:hiddenEffects>
+            </a:ext>
+          </a:extLst>
+        </p:spPr>
+      </p:pic>
+    </p:spTree>
+    <p:extLst>
+      <p:ext uri="{BB962C8B-B14F-4D97-AF65-F5344CB8AC3E}">
+        <p14:creationId xmlns:p14="http://schemas.microsoft.com/office/powerpoint/2010/main" val="2341036554"/>
+      </p:ext>
+    </p:extLst>
+  </p:cSld>
+  <p:clrMapOvr>
+    <a:masterClrMapping/>
+  </p:clrMapOvr>
+  <mc:AlternateContent xmlns:mc="http://schemas.openxmlformats.org/markup-compatibility/2006" xmlns:p14="http://schemas.microsoft.com/office/powerpoint/2010/main">
+    <mc:Choice Requires="p14">
+      <p:transition spd="med" p14:dur="700">
+        <p:fade/>
+      </p:transition>
+    </mc:Choice>
+    <mc:Fallback xmlns="">
+      <p:transition spd="med">
+        <p:fade/>
+      </p:transition>
+    </mc:Fallback>
+  </mc:AlternateContent>
+  <p:timing>
+    <p:tnLst>
+      <p:par>
+        <p:cTn id="1" dur="indefinite" restart="never" nodeType="tmRoot"/>
+      </p:par>
+    </p:tnLst>
+  </p:timing>
+</p:sld>
+</file>
+
+<file path=ppt/slides/slide29.xml><?xml version="1.0" encoding="utf-8"?>
+<p:sld xmlns:a="http://schemas.openxmlformats.org/drawingml/2006/main" xmlns:r="http://schemas.openxmlformats.org/officeDocument/2006/relationships" xmlns:p="http://schemas.openxmlformats.org/presentationml/2006/main">
+  <p:cSld>
+    <p:spTree>
+      <p:nvGrpSpPr>
+        <p:cNvPr id="1" name=""/>
+        <p:cNvGrpSpPr/>
+        <p:nvPr/>
+      </p:nvGrpSpPr>
+      <p:grpSpPr>
+        <a:xfrm>
+          <a:off x="0" y="0"/>
+          <a:ext cx="0" cy="0"/>
+          <a:chOff x="0" y="0"/>
+          <a:chExt cx="0" cy="0"/>
+        </a:xfrm>
+      </p:grpSpPr>
+      <p:sp>
+        <p:nvSpPr>
+          <p:cNvPr id="2" name="Title 1"/>
+          <p:cNvSpPr>
+            <a:spLocks noGrp="1"/>
+          </p:cNvSpPr>
+          <p:nvPr>
+            <p:ph type="title"/>
+          </p:nvPr>
+        </p:nvSpPr>
+        <p:spPr/>
+        <p:txBody>
+          <a:bodyPr/>
+          <a:lstStyle/>
+          <a:p>
+            <a:r>
+              <a:rPr lang="en-US" dirty="0" smtClean="0"/>
+              <a:t>Services and IPC</a:t>
+            </a:r>
+            <a:endParaRPr lang="en-US" sz="2400" b="0" dirty="0">
+              <a:solidFill>
+                <a:schemeClr val="accent2"/>
+              </a:solidFill>
+            </a:endParaRPr>
+          </a:p>
+        </p:txBody>
+      </p:sp>
+      <p:sp>
+        <p:nvSpPr>
+          <p:cNvPr id="3" name="Content Placeholder 2"/>
+          <p:cNvSpPr>
+            <a:spLocks noGrp="1"/>
+          </p:cNvSpPr>
+          <p:nvPr>
+            <p:ph idx="1"/>
+          </p:nvPr>
+        </p:nvSpPr>
+        <p:spPr/>
+        <p:txBody>
+          <a:bodyPr/>
+          <a:lstStyle/>
+          <a:p>
+            <a:r>
+              <a:rPr lang="en-US" dirty="0" smtClean="0"/>
+              <a:t>First bullet here</a:t>
+            </a:r>
+          </a:p>
+          <a:p>
+            <a:r>
+              <a:rPr lang="en-US" dirty="0" smtClean="0"/>
+              <a:t>Second bullet here</a:t>
+            </a:r>
+            <a:endParaRPr lang="en-US" dirty="0"/>
+          </a:p>
+        </p:txBody>
+      </p:sp>
+      <p:pic>
+        <p:nvPicPr>
+          <p:cNvPr id="1027" name="Picture 3"/>
+          <p:cNvPicPr>
+            <a:picLocks noChangeAspect="1" noChangeArrowheads="1"/>
+          </p:cNvPicPr>
+          <p:nvPr/>
+        </p:nvPicPr>
+        <p:blipFill>
+          <a:blip r:embed="rId3" cstate="print">
+            <a:extLst>
+              <a:ext uri="{28A0092B-C50C-407E-A947-70E740481C1C}">
+                <a14:useLocalDpi xmlns:a14="http://schemas.microsoft.com/office/drawing/2010/main"/>
+              </a:ext>
+            </a:extLst>
+          </a:blip>
+          <a:srcRect/>
+          <a:stretch>
+            <a:fillRect/>
+          </a:stretch>
+        </p:blipFill>
+        <p:spPr bwMode="auto">
+          <a:xfrm>
+            <a:off x="7665232" y="717116"/>
+            <a:ext cx="847725" cy="200025"/>
+          </a:xfrm>
+          <a:prstGeom prst="rect">
+            <a:avLst/>
+          </a:prstGeom>
+          <a:noFill/>
+          <a:ln>
+            <a:noFill/>
+          </a:ln>
+          <a:effectLst/>
+          <a:extLst>
+            <a:ext uri="{909E8E84-426E-40DD-AFC4-6F175D3DCCD1}">
+              <a14:hiddenFill xmlns:a14="http://schemas.microsoft.com/office/drawing/2010/main">
+                <a:solidFill>
+                  <a:schemeClr val="accent1"/>
+                </a:solidFill>
+              </a14:hiddenFill>
+            </a:ext>
+            <a:ext uri="{91240B29-F687-4F45-9708-019B960494DF}">
+              <a14:hiddenLine xmlns:a14="http://schemas.microsoft.com/office/drawing/2010/main" w="9525">
+                <a:solidFill>
+                  <a:schemeClr val="tx1"/>
+                </a:solidFill>
+                <a:miter lim="800000"/>
+                <a:headEnd/>
+                <a:tailEnd/>
+              </a14:hiddenLine>
+            </a:ext>
+            <a:ext uri="{AF507438-7753-43E0-B8FC-AC1667EBCBE1}">
+              <a14:hiddenEffects xmlns:a14="http://schemas.microsoft.com/office/drawing/2010/main">
+                <a:effectLst>
+                  <a:outerShdw dist="35921" dir="2700000" algn="ctr" rotWithShape="0">
+                    <a:schemeClr val="bg2"/>
+                  </a:outerShdw>
+                </a:effectLst>
+              </a14:hiddenEffects>
+            </a:ext>
+          </a:extLst>
+        </p:spPr>
+      </p:pic>
+    </p:spTree>
+    <p:extLst>
+      <p:ext uri="{BB962C8B-B14F-4D97-AF65-F5344CB8AC3E}">
+        <p14:creationId xmlns:p14="http://schemas.microsoft.com/office/powerpoint/2010/main" val="3883554652"/>
+      </p:ext>
+    </p:extLst>
+  </p:cSld>
+  <p:clrMapOvr>
+    <a:masterClrMapping/>
+  </p:clrMapOvr>
+  <mc:AlternateContent xmlns:mc="http://schemas.openxmlformats.org/markup-compatibility/2006" xmlns:p14="http://schemas.microsoft.com/office/powerpoint/2010/main">
+    <mc:Choice Requires="p14">
+      <p:transition spd="med" p14:dur="700">
+        <p:fade/>
+      </p:transition>
+    </mc:Choice>
+    <mc:Fallback xmlns="">
+      <p:transition spd="med">
+        <p:fade/>
+      </p:transition>
+    </mc:Fallback>
+  </mc:AlternateContent>
+  <p:timing>
+    <p:tnLst>
+      <p:par>
+        <p:cTn id="1" dur="indefinite" restart="never" nodeType="tmRoot"/>
+      </p:par>
+    </p:tnLst>
+  </p:timing>
+</p:sld>
+</file>
+
 <file path=ppt/slides/slide3.xml><?xml version="1.0" encoding="utf-8"?>
+<p:sld xmlns:a="http://schemas.openxmlformats.org/drawingml/2006/main" xmlns:r="http://schemas.openxmlformats.org/officeDocument/2006/relationships" xmlns:p="http://schemas.openxmlformats.org/presentationml/2006/main">
+  <p:cSld>
+    <p:spTree>
+      <p:nvGrpSpPr>
+        <p:cNvPr id="1" name=""/>
+        <p:cNvGrpSpPr/>
+        <p:nvPr/>
+      </p:nvGrpSpPr>
+      <p:grpSpPr>
+        <a:xfrm>
+          <a:off x="0" y="0"/>
+          <a:ext cx="0" cy="0"/>
+          <a:chOff x="0" y="0"/>
+          <a:chExt cx="0" cy="0"/>
+        </a:xfrm>
+      </p:grpSpPr>
+      <p:sp>
+        <p:nvSpPr>
+          <p:cNvPr id="2" name="Title 1"/>
+          <p:cNvSpPr>
+            <a:spLocks noGrp="1"/>
+          </p:cNvSpPr>
+          <p:nvPr>
+            <p:ph type="title"/>
+          </p:nvPr>
+        </p:nvSpPr>
+        <p:spPr/>
+        <p:txBody>
+          <a:bodyPr/>
+          <a:lstStyle/>
+          <a:p>
+            <a:r>
+              <a:rPr lang="en-US" dirty="0" smtClean="0"/>
+              <a:t>Android application</a:t>
+            </a:r>
+            <a:endParaRPr lang="en-US" sz="2400" b="0" dirty="0">
+              <a:solidFill>
+                <a:schemeClr val="accent2"/>
+              </a:solidFill>
+            </a:endParaRPr>
+          </a:p>
+        </p:txBody>
+      </p:sp>
+      <p:sp>
+        <p:nvSpPr>
+          <p:cNvPr id="3" name="Content Placeholder 2"/>
+          <p:cNvSpPr>
+            <a:spLocks noGrp="1"/>
+          </p:cNvSpPr>
+          <p:nvPr>
+            <p:ph idx="1"/>
+          </p:nvPr>
+        </p:nvSpPr>
+        <p:spPr/>
+        <p:txBody>
+          <a:bodyPr/>
+          <a:lstStyle/>
+          <a:p>
+            <a:r>
+              <a:rPr lang="en-US" dirty="0" smtClean="0"/>
+              <a:t>Process</a:t>
+            </a:r>
+          </a:p>
+          <a:p>
+            <a:pPr lvl="1"/>
+            <a:r>
+              <a:rPr lang="en-US" dirty="0" smtClean="0"/>
+              <a:t>Single process per application</a:t>
+            </a:r>
+          </a:p>
+          <a:p>
+            <a:pPr lvl="1"/>
+            <a:r>
+              <a:rPr lang="en-US" dirty="0" smtClean="0"/>
+              <a:t>Process name matches package name</a:t>
+            </a:r>
+          </a:p>
+          <a:p>
+            <a:pPr lvl="1"/>
+            <a:r>
+              <a:rPr lang="en-US" dirty="0" smtClean="0"/>
+              <a:t>Process name for application can be changed through AndroidManifest.xml</a:t>
+            </a:r>
+          </a:p>
+          <a:p>
+            <a:pPr lvl="1"/>
+            <a:r>
+              <a:rPr lang="en-US" dirty="0" smtClean="0"/>
+              <a:t>Activities and services can start in separate process (“:” for private, “lower-case” for public)</a:t>
+            </a:r>
+          </a:p>
+          <a:p>
+            <a:r>
+              <a:rPr lang="en-US" dirty="0" smtClean="0"/>
+              <a:t>Threads</a:t>
+            </a:r>
+          </a:p>
+          <a:p>
+            <a:pPr lvl="1"/>
+            <a:r>
+              <a:rPr lang="en-US" dirty="0" smtClean="0"/>
+              <a:t>“Lightweight” processes</a:t>
+            </a:r>
+          </a:p>
+          <a:p>
+            <a:pPr lvl="1"/>
+            <a:r>
+              <a:rPr lang="en-US" dirty="0" smtClean="0"/>
+              <a:t>At least one thread per application (UI thread)</a:t>
+            </a:r>
+          </a:p>
+          <a:p>
+            <a:pPr lvl="1"/>
+            <a:r>
+              <a:rPr lang="en-US" dirty="0" smtClean="0"/>
+              <a:t>Communication and resource sharing issues</a:t>
+            </a:r>
+          </a:p>
+          <a:p>
+            <a:endParaRPr lang="en-US" dirty="0"/>
+          </a:p>
+        </p:txBody>
+      </p:sp>
+      <p:pic>
+        <p:nvPicPr>
+          <p:cNvPr id="1027" name="Picture 3"/>
+          <p:cNvPicPr>
+            <a:picLocks noChangeAspect="1" noChangeArrowheads="1"/>
+          </p:cNvPicPr>
+          <p:nvPr/>
+        </p:nvPicPr>
+        <p:blipFill>
+          <a:blip r:embed="rId3" cstate="print">
+            <a:extLst>
+              <a:ext uri="{28A0092B-C50C-407E-A947-70E740481C1C}">
+                <a14:useLocalDpi xmlns:a14="http://schemas.microsoft.com/office/drawing/2010/main"/>
+              </a:ext>
+            </a:extLst>
+          </a:blip>
+          <a:srcRect/>
+          <a:stretch>
+            <a:fillRect/>
+          </a:stretch>
+        </p:blipFill>
+        <p:spPr bwMode="auto">
+          <a:xfrm>
+            <a:off x="7665232" y="717116"/>
+            <a:ext cx="847725" cy="200025"/>
+          </a:xfrm>
+          <a:prstGeom prst="rect">
+            <a:avLst/>
+          </a:prstGeom>
+          <a:noFill/>
+          <a:ln>
+            <a:noFill/>
+          </a:ln>
+          <a:effectLst/>
+          <a:extLst>
+            <a:ext uri="{909E8E84-426E-40DD-AFC4-6F175D3DCCD1}">
+              <a14:hiddenFill xmlns:a14="http://schemas.microsoft.com/office/drawing/2010/main">
+                <a:solidFill>
+                  <a:schemeClr val="accent1"/>
+                </a:solidFill>
+              </a14:hiddenFill>
+            </a:ext>
+            <a:ext uri="{91240B29-F687-4F45-9708-019B960494DF}">
+              <a14:hiddenLine xmlns:a14="http://schemas.microsoft.com/office/drawing/2010/main" w="9525">
+                <a:solidFill>
+                  <a:schemeClr val="tx1"/>
+                </a:solidFill>
+                <a:miter lim="800000"/>
+                <a:headEnd/>
+                <a:tailEnd/>
+              </a14:hiddenLine>
+            </a:ext>
+            <a:ext uri="{AF507438-7753-43E0-B8FC-AC1667EBCBE1}">
+              <a14:hiddenEffects xmlns:a14="http://schemas.microsoft.com/office/drawing/2010/main">
+                <a:effectLst>
+                  <a:outerShdw dist="35921" dir="2700000" algn="ctr" rotWithShape="0">
+                    <a:schemeClr val="bg2"/>
+                  </a:outerShdw>
+                </a:effectLst>
+              </a14:hiddenEffects>
+            </a:ext>
+          </a:extLst>
+        </p:spPr>
+      </p:pic>
+    </p:spTree>
+    <p:extLst>
+      <p:ext uri="{BB962C8B-B14F-4D97-AF65-F5344CB8AC3E}">
+        <p14:creationId xmlns:p14="http://schemas.microsoft.com/office/powerpoint/2010/main" val="2786456665"/>
+      </p:ext>
+    </p:extLst>
+  </p:cSld>
+  <p:clrMapOvr>
+    <a:masterClrMapping/>
+  </p:clrMapOvr>
+  <mc:AlternateContent xmlns:mc="http://schemas.openxmlformats.org/markup-compatibility/2006" xmlns:p14="http://schemas.microsoft.com/office/powerpoint/2010/main">
+    <mc:Choice Requires="p14">
+      <p:transition spd="med" p14:dur="700">
+        <p:fade/>
+      </p:transition>
+    </mc:Choice>
+    <mc:Fallback xmlns="">
+      <p:transition spd="med">
+        <p:fade/>
+      </p:transition>
+    </mc:Fallback>
+  </mc:AlternateContent>
+  <p:timing>
+    <p:tnLst>
+      <p:par>
+        <p:cTn id="1" dur="indefinite" restart="never" nodeType="tmRoot">
+          <p:childTnLst>
+            <p:seq concurrent="1" nextAc="seek">
+              <p:cTn id="2" dur="indefinite" nodeType="mainSeq">
+                <p:childTnLst>
+                  <p:par>
+                    <p:cTn id="3" fill="hold">
+                      <p:stCondLst>
+                        <p:cond delay="indefinite"/>
+                      </p:stCondLst>
+                      <p:childTnLst>
+                        <p:par>
+                          <p:cTn id="4" fill="hold">
+                            <p:stCondLst>
+                              <p:cond delay="0"/>
+                            </p:stCondLst>
+                            <p:childTnLst>
+                              <p:par>
+                                <p:cTn id="5" presetID="1" presetClass="entr" presetSubtype="0" fill="hold" nodeType="clickEffect">
+                                  <p:stCondLst>
+                                    <p:cond delay="0"/>
+                                  </p:stCondLst>
+                                  <p:childTnLst>
+                                    <p:set>
+                                      <p:cBhvr>
+                                        <p:cTn id="6" dur="1" fill="hold">
+                                          <p:stCondLst>
+                                            <p:cond delay="0"/>
+                                          </p:stCondLst>
+                                        </p:cTn>
+                                        <p:tgtEl>
+                                          <p:spTgt spid="3">
+                                            <p:txEl>
+                                              <p:pRg st="0" end="0"/>
+                                            </p:txEl>
+                                          </p:spTgt>
+                                        </p:tgtEl>
+                                        <p:attrNameLst>
+                                          <p:attrName>style.visibility</p:attrName>
+                                        </p:attrNameLst>
+                                      </p:cBhvr>
+                                      <p:to>
+                                        <p:strVal val="visible"/>
+                                      </p:to>
+                                    </p:set>
+                                  </p:childTnLst>
+                                </p:cTn>
+                              </p:par>
+                            </p:childTnLst>
+                          </p:cTn>
+                        </p:par>
+                      </p:childTnLst>
+                    </p:cTn>
+                  </p:par>
+                  <p:par>
+                    <p:cTn id="7" fill="hold">
+                      <p:stCondLst>
+                        <p:cond delay="indefinite"/>
+                      </p:stCondLst>
+                      <p:childTnLst>
+                        <p:par>
+                          <p:cTn id="8" fill="hold">
+                            <p:stCondLst>
+                              <p:cond delay="0"/>
+                            </p:stCondLst>
+                            <p:childTnLst>
+                              <p:par>
+                                <p:cTn id="9" presetID="1" presetClass="entr" presetSubtype="0" fill="hold" nodeType="clickEffect">
+                                  <p:stCondLst>
+                                    <p:cond delay="0"/>
+                                  </p:stCondLst>
+                                  <p:childTnLst>
+                                    <p:set>
+                                      <p:cBhvr>
+                                        <p:cTn id="10" dur="1" fill="hold">
+                                          <p:stCondLst>
+                                            <p:cond delay="0"/>
+                                          </p:stCondLst>
+                                        </p:cTn>
+                                        <p:tgtEl>
+                                          <p:spTgt spid="3">
+                                            <p:txEl>
+                                              <p:pRg st="1" end="1"/>
+                                            </p:txEl>
+                                          </p:spTgt>
+                                        </p:tgtEl>
+                                        <p:attrNameLst>
+                                          <p:attrName>style.visibility</p:attrName>
+                                        </p:attrNameLst>
+                                      </p:cBhvr>
+                                      <p:to>
+                                        <p:strVal val="visible"/>
+                                      </p:to>
+                                    </p:set>
+                                  </p:childTnLst>
+                                </p:cTn>
+                              </p:par>
+                            </p:childTnLst>
+                          </p:cTn>
+                        </p:par>
+                      </p:childTnLst>
+                    </p:cTn>
+                  </p:par>
+                  <p:par>
+                    <p:cTn id="11" fill="hold">
+                      <p:stCondLst>
+                        <p:cond delay="indefinite"/>
+                      </p:stCondLst>
+                      <p:childTnLst>
+                        <p:par>
+                          <p:cTn id="12" fill="hold">
+                            <p:stCondLst>
+                              <p:cond delay="0"/>
+                            </p:stCondLst>
+                            <p:childTnLst>
+                              <p:par>
+                                <p:cTn id="13" presetID="1" presetClass="entr" presetSubtype="0" fill="hold" nodeType="clickEffect">
+                                  <p:stCondLst>
+                                    <p:cond delay="0"/>
+                                  </p:stCondLst>
+                                  <p:childTnLst>
+                                    <p:set>
+                                      <p:cBhvr>
+                                        <p:cTn id="14" dur="1" fill="hold">
+                                          <p:stCondLst>
+                                            <p:cond delay="0"/>
+                                          </p:stCondLst>
+                                        </p:cTn>
+                                        <p:tgtEl>
+                                          <p:spTgt spid="3">
+                                            <p:txEl>
+                                              <p:pRg st="2" end="2"/>
+                                            </p:txEl>
+                                          </p:spTgt>
+                                        </p:tgtEl>
+                                        <p:attrNameLst>
+                                          <p:attrName>style.visibility</p:attrName>
+                                        </p:attrNameLst>
+                                      </p:cBhvr>
+                                      <p:to>
+                                        <p:strVal val="visible"/>
+                                      </p:to>
+                                    </p:set>
+                                  </p:childTnLst>
+                                </p:cTn>
+                              </p:par>
+                            </p:childTnLst>
+                          </p:cTn>
+                        </p:par>
+                      </p:childTnLst>
+                    </p:cTn>
+                  </p:par>
+                  <p:par>
+                    <p:cTn id="15" fill="hold">
+                      <p:stCondLst>
+                        <p:cond delay="indefinite"/>
+                      </p:stCondLst>
+                      <p:childTnLst>
+                        <p:par>
+                          <p:cTn id="16" fill="hold">
+                            <p:stCondLst>
+                              <p:cond delay="0"/>
+                            </p:stCondLst>
+                            <p:childTnLst>
+                              <p:par>
+                                <p:cTn id="17" presetID="1" presetClass="entr" presetSubtype="0" fill="hold" nodeType="clickEffect">
+                                  <p:stCondLst>
+                                    <p:cond delay="0"/>
+                                  </p:stCondLst>
+                                  <p:childTnLst>
+                                    <p:set>
+                                      <p:cBhvr>
+                                        <p:cTn id="18" dur="1" fill="hold">
+                                          <p:stCondLst>
+                                            <p:cond delay="0"/>
+                                          </p:stCondLst>
+                                        </p:cTn>
+                                        <p:tgtEl>
+                                          <p:spTgt spid="3">
+                                            <p:txEl>
+                                              <p:pRg st="3" end="3"/>
+                                            </p:txEl>
+                                          </p:spTgt>
+                                        </p:tgtEl>
+                                        <p:attrNameLst>
+                                          <p:attrName>style.visibility</p:attrName>
+                                        </p:attrNameLst>
+                                      </p:cBhvr>
+                                      <p:to>
+                                        <p:strVal val="visible"/>
+                                      </p:to>
+                                    </p:set>
+                                  </p:childTnLst>
+                                </p:cTn>
+                              </p:par>
+                            </p:childTnLst>
+                          </p:cTn>
+                        </p:par>
+                      </p:childTnLst>
+                    </p:cTn>
+                  </p:par>
+                  <p:par>
+                    <p:cTn id="19" fill="hold">
+                      <p:stCondLst>
+                        <p:cond delay="indefinite"/>
+                      </p:stCondLst>
+                      <p:childTnLst>
+                        <p:par>
+                          <p:cTn id="20" fill="hold">
+                            <p:stCondLst>
+                              <p:cond delay="0"/>
+                            </p:stCondLst>
+                            <p:childTnLst>
+                              <p:par>
+                                <p:cTn id="21" presetID="1" presetClass="entr" presetSubtype="0" fill="hold" nodeType="clickEffect">
+                                  <p:stCondLst>
+                                    <p:cond delay="0"/>
+                                  </p:stCondLst>
+                                  <p:childTnLst>
+                                    <p:set>
+                                      <p:cBhvr>
+                                        <p:cTn id="22" dur="1" fill="hold">
+                                          <p:stCondLst>
+                                            <p:cond delay="0"/>
+                                          </p:stCondLst>
+                                        </p:cTn>
+                                        <p:tgtEl>
+                                          <p:spTgt spid="3">
+                                            <p:txEl>
+                                              <p:pRg st="4" end="4"/>
+                                            </p:txEl>
+                                          </p:spTgt>
+                                        </p:tgtEl>
+                                        <p:attrNameLst>
+                                          <p:attrName>style.visibility</p:attrName>
+                                        </p:attrNameLst>
+                                      </p:cBhvr>
+                                      <p:to>
+                                        <p:strVal val="visible"/>
+                                      </p:to>
+                                    </p:set>
+                                  </p:childTnLst>
+                                </p:cTn>
+                              </p:par>
+                            </p:childTnLst>
+                          </p:cTn>
+                        </p:par>
+                      </p:childTnLst>
+                    </p:cTn>
+                  </p:par>
+                  <p:par>
+                    <p:cTn id="23" fill="hold">
+                      <p:stCondLst>
+                        <p:cond delay="indefinite"/>
+                      </p:stCondLst>
+                      <p:childTnLst>
+                        <p:par>
+                          <p:cTn id="24" fill="hold">
+                            <p:stCondLst>
+                              <p:cond delay="0"/>
+                            </p:stCondLst>
+                            <p:childTnLst>
+                              <p:par>
+                                <p:cTn id="25" presetID="1" presetClass="entr" presetSubtype="0" fill="hold" nodeType="clickEffect">
+                                  <p:stCondLst>
+                                    <p:cond delay="0"/>
+                                  </p:stCondLst>
+                                  <p:childTnLst>
+                                    <p:set>
+                                      <p:cBhvr>
+                                        <p:cTn id="26" dur="1" fill="hold">
+                                          <p:stCondLst>
+                                            <p:cond delay="0"/>
+                                          </p:stCondLst>
+                                        </p:cTn>
+                                        <p:tgtEl>
+                                          <p:spTgt spid="3">
+                                            <p:txEl>
+                                              <p:pRg st="5" end="5"/>
+                                            </p:txEl>
+                                          </p:spTgt>
+                                        </p:tgtEl>
+                                        <p:attrNameLst>
+                                          <p:attrName>style.visibility</p:attrName>
+                                        </p:attrNameLst>
+                                      </p:cBhvr>
+                                      <p:to>
+                                        <p:strVal val="visible"/>
+                                      </p:to>
+                                    </p:set>
+                                  </p:childTnLst>
+                                </p:cTn>
+                              </p:par>
+                              <p:par>
+                                <p:cTn id="27" presetID="1" presetClass="entr" presetSubtype="0" fill="hold" nodeType="withEffect">
+                                  <p:stCondLst>
+                                    <p:cond delay="0"/>
+                                  </p:stCondLst>
+                                  <p:childTnLst>
+                                    <p:set>
+                                      <p:cBhvr>
+                                        <p:cTn id="28" dur="1" fill="hold">
+                                          <p:stCondLst>
+                                            <p:cond delay="0"/>
+                                          </p:stCondLst>
+                                        </p:cTn>
+                                        <p:tgtEl>
+                                          <p:spTgt spid="3">
+                                            <p:txEl>
+                                              <p:pRg st="6" end="6"/>
+                                            </p:txEl>
+                                          </p:spTgt>
+                                        </p:tgtEl>
+                                        <p:attrNameLst>
+                                          <p:attrName>style.visibility</p:attrName>
+                                        </p:attrNameLst>
+                                      </p:cBhvr>
+                                      <p:to>
+                                        <p:strVal val="visible"/>
+                                      </p:to>
+                                    </p:set>
+                                  </p:childTnLst>
+                                </p:cTn>
+                              </p:par>
+                              <p:par>
+                                <p:cTn id="29" presetID="1" presetClass="entr" presetSubtype="0" fill="hold" nodeType="withEffect">
+                                  <p:stCondLst>
+                                    <p:cond delay="0"/>
+                                  </p:stCondLst>
+                                  <p:childTnLst>
+                                    <p:set>
+                                      <p:cBhvr>
+                                        <p:cTn id="30" dur="1" fill="hold">
+                                          <p:stCondLst>
+                                            <p:cond delay="0"/>
+                                          </p:stCondLst>
+                                        </p:cTn>
+                                        <p:tgtEl>
+                                          <p:spTgt spid="3">
+                                            <p:txEl>
+                                              <p:pRg st="7" end="7"/>
+                                            </p:txEl>
+                                          </p:spTgt>
+                                        </p:tgtEl>
+                                        <p:attrNameLst>
+                                          <p:attrName>style.visibility</p:attrName>
+                                        </p:attrNameLst>
+                                      </p:cBhvr>
+                                      <p:to>
+                                        <p:strVal val="visible"/>
+                                      </p:to>
+                                    </p:set>
+                                  </p:childTnLst>
+                                </p:cTn>
+                              </p:par>
+                              <p:par>
+                                <p:cTn id="31" presetID="1" presetClass="entr" presetSubtype="0" fill="hold" nodeType="withEffect">
+                                  <p:stCondLst>
+                                    <p:cond delay="0"/>
+                                  </p:stCondLst>
+                                  <p:childTnLst>
+                                    <p:set>
+                                      <p:cBhvr>
+                                        <p:cTn id="32" dur="1" fill="hold">
+                                          <p:stCondLst>
+                                            <p:cond delay="0"/>
+                                          </p:stCondLst>
+                                        </p:cTn>
+                                        <p:tgtEl>
+                                          <p:spTgt spid="3">
+                                            <p:txEl>
+                                              <p:pRg st="8" end="8"/>
+                                            </p:txEl>
+                                          </p:spTgt>
+                                        </p:tgtEl>
+                                        <p:attrNameLst>
+                                          <p:attrName>style.visibility</p:attrName>
+                                        </p:attrNameLst>
+                                      </p:cBhvr>
+                                      <p:to>
+                                        <p:strVal val="visible"/>
+                                      </p:to>
+                                    </p:set>
+                                  </p:childTnLst>
+                                </p:cTn>
+                              </p:par>
+                            </p:childTnLst>
+                          </p:cTn>
+                        </p:par>
+                      </p:childTnLst>
+                    </p:cTn>
+                  </p:par>
+                </p:childTnLst>
+              </p:cTn>
+              <p:prevCondLst>
+                <p:cond evt="onPrev" delay="0">
+                  <p:tgtEl>
+                    <p:sldTgt/>
+                  </p:tgtEl>
+                </p:cond>
+              </p:prevCondLst>
+              <p:nextCondLst>
+                <p:cond evt="onNext" delay="0">
+                  <p:tgtEl>
+                    <p:sldTgt/>
+                  </p:tgtEl>
+                </p:cond>
+              </p:nextCondLst>
+            </p:seq>
+          </p:childTnLst>
+        </p:cTn>
+      </p:par>
+    </p:tnLst>
+  </p:timing>
+</p:sld>
+</file>
+
+<file path=ppt/slides/slide30.xml><?xml version="1.0" encoding="utf-8"?>
+<p:sld xmlns:a="http://schemas.openxmlformats.org/drawingml/2006/main" xmlns:r="http://schemas.openxmlformats.org/officeDocument/2006/relationships" xmlns:p="http://schemas.openxmlformats.org/presentationml/2006/main">
+  <p:cSld>
+    <p:spTree>
+      <p:nvGrpSpPr>
+        <p:cNvPr id="1" name=""/>
+        <p:cNvGrpSpPr/>
+        <p:nvPr/>
+      </p:nvGrpSpPr>
+      <p:grpSpPr>
+        <a:xfrm>
+          <a:off x="0" y="0"/>
+          <a:ext cx="0" cy="0"/>
+          <a:chOff x="0" y="0"/>
+          <a:chExt cx="0" cy="0"/>
+        </a:xfrm>
+      </p:grpSpPr>
+      <p:sp>
+        <p:nvSpPr>
+          <p:cNvPr id="2" name="Title 1"/>
+          <p:cNvSpPr>
+            <a:spLocks noGrp="1"/>
+          </p:cNvSpPr>
+          <p:nvPr>
+            <p:ph type="title"/>
+          </p:nvPr>
+        </p:nvSpPr>
+        <p:spPr/>
+        <p:txBody>
+          <a:bodyPr/>
+          <a:lstStyle/>
+          <a:p>
+            <a:r>
+              <a:rPr lang="en-US" dirty="0" err="1" smtClean="0"/>
+              <a:t>AlarmManager</a:t>
+            </a:r>
+            <a:endParaRPr lang="en-US" sz="2400" b="0" dirty="0">
+              <a:solidFill>
+                <a:schemeClr val="accent2"/>
+              </a:solidFill>
+            </a:endParaRPr>
+          </a:p>
+        </p:txBody>
+      </p:sp>
+      <p:sp>
+        <p:nvSpPr>
+          <p:cNvPr id="3" name="Content Placeholder 2"/>
+          <p:cNvSpPr>
+            <a:spLocks noGrp="1"/>
+          </p:cNvSpPr>
+          <p:nvPr>
+            <p:ph idx="1"/>
+          </p:nvPr>
+        </p:nvSpPr>
+        <p:spPr/>
+        <p:txBody>
+          <a:bodyPr/>
+          <a:lstStyle/>
+          <a:p>
+            <a:r>
+              <a:rPr lang="en-US" dirty="0" smtClean="0"/>
+              <a:t>First bullet here</a:t>
+            </a:r>
+          </a:p>
+          <a:p>
+            <a:r>
+              <a:rPr lang="en-US" dirty="0" smtClean="0"/>
+              <a:t>Second bullet here</a:t>
+            </a:r>
+            <a:endParaRPr lang="en-US" dirty="0"/>
+          </a:p>
+        </p:txBody>
+      </p:sp>
+      <p:pic>
+        <p:nvPicPr>
+          <p:cNvPr id="1027" name="Picture 3"/>
+          <p:cNvPicPr>
+            <a:picLocks noChangeAspect="1" noChangeArrowheads="1"/>
+          </p:cNvPicPr>
+          <p:nvPr/>
+        </p:nvPicPr>
+        <p:blipFill>
+          <a:blip r:embed="rId3" cstate="print">
+            <a:extLst>
+              <a:ext uri="{28A0092B-C50C-407E-A947-70E740481C1C}">
+                <a14:useLocalDpi xmlns:a14="http://schemas.microsoft.com/office/drawing/2010/main"/>
+              </a:ext>
+            </a:extLst>
+          </a:blip>
+          <a:srcRect/>
+          <a:stretch>
+            <a:fillRect/>
+          </a:stretch>
+        </p:blipFill>
+        <p:spPr bwMode="auto">
+          <a:xfrm>
+            <a:off x="7665232" y="717116"/>
+            <a:ext cx="847725" cy="200025"/>
+          </a:xfrm>
+          <a:prstGeom prst="rect">
+            <a:avLst/>
+          </a:prstGeom>
+          <a:noFill/>
+          <a:ln>
+            <a:noFill/>
+          </a:ln>
+          <a:effectLst/>
+          <a:extLst>
+            <a:ext uri="{909E8E84-426E-40DD-AFC4-6F175D3DCCD1}">
+              <a14:hiddenFill xmlns:a14="http://schemas.microsoft.com/office/drawing/2010/main">
+                <a:solidFill>
+                  <a:schemeClr val="accent1"/>
+                </a:solidFill>
+              </a14:hiddenFill>
+            </a:ext>
+            <a:ext uri="{91240B29-F687-4F45-9708-019B960494DF}">
+              <a14:hiddenLine xmlns:a14="http://schemas.microsoft.com/office/drawing/2010/main" w="9525">
+                <a:solidFill>
+                  <a:schemeClr val="tx1"/>
+                </a:solidFill>
+                <a:miter lim="800000"/>
+                <a:headEnd/>
+                <a:tailEnd/>
+              </a14:hiddenLine>
+            </a:ext>
+            <a:ext uri="{AF507438-7753-43E0-B8FC-AC1667EBCBE1}">
+              <a14:hiddenEffects xmlns:a14="http://schemas.microsoft.com/office/drawing/2010/main">
+                <a:effectLst>
+                  <a:outerShdw dist="35921" dir="2700000" algn="ctr" rotWithShape="0">
+                    <a:schemeClr val="bg2"/>
+                  </a:outerShdw>
+                </a:effectLst>
+              </a14:hiddenEffects>
+            </a:ext>
+          </a:extLst>
+        </p:spPr>
+      </p:pic>
+    </p:spTree>
+    <p:extLst>
+      <p:ext uri="{BB962C8B-B14F-4D97-AF65-F5344CB8AC3E}">
+        <p14:creationId xmlns:p14="http://schemas.microsoft.com/office/powerpoint/2010/main" val="3883554652"/>
+      </p:ext>
+    </p:extLst>
+  </p:cSld>
+  <p:clrMapOvr>
+    <a:masterClrMapping/>
+  </p:clrMapOvr>
+  <mc:AlternateContent xmlns:mc="http://schemas.openxmlformats.org/markup-compatibility/2006" xmlns:p14="http://schemas.microsoft.com/office/powerpoint/2010/main">
+    <mc:Choice Requires="p14">
+      <p:transition spd="med" p14:dur="700">
+        <p:fade/>
+      </p:transition>
+    </mc:Choice>
+    <mc:Fallback xmlns="">
+      <p:transition spd="med">
+        <p:fade/>
+      </p:transition>
+    </mc:Fallback>
+  </mc:AlternateContent>
+  <p:timing>
+    <p:tnLst>
+      <p:par>
+        <p:cTn id="1" dur="indefinite" restart="never" nodeType="tmRoot"/>
+      </p:par>
+    </p:tnLst>
+  </p:timing>
+</p:sld>
+</file>
+
+<file path=ppt/slides/slide31.xml><?xml version="1.0" encoding="utf-8"?>
 <p:sld xmlns:a="http://schemas.openxmlformats.org/drawingml/2006/main" xmlns:r="http://schemas.openxmlformats.org/officeDocument/2006/relationships" xmlns:p="http://schemas.openxmlformats.org/presentationml/2006/main">
   <p:cSld>
     <p:spTree>
@@ -6954,7 +14814,7 @@
 </p:sld>
 </file>
 
-<file path=ppt/slides/slide4.xml><?xml version="1.0" encoding="utf-8"?>
+<file path=ppt/slides/slide32.xml><?xml version="1.0" encoding="utf-8"?>
 <p:sld xmlns:a="http://schemas.openxmlformats.org/drawingml/2006/main" xmlns:r="http://schemas.openxmlformats.org/officeDocument/2006/relationships" xmlns:p="http://schemas.openxmlformats.org/presentationml/2006/main">
   <p:cSld>
     <p:spTree>
@@ -7123,6 +14983,597 @@
 </p:sld>
 </file>
 
+<file path=ppt/slides/slide33.xml><?xml version="1.0" encoding="utf-8"?>
+<p:sld xmlns:a="http://schemas.openxmlformats.org/drawingml/2006/main" xmlns:r="http://schemas.openxmlformats.org/officeDocument/2006/relationships" xmlns:p="http://schemas.openxmlformats.org/presentationml/2006/main">
+  <p:cSld>
+    <p:spTree>
+      <p:nvGrpSpPr>
+        <p:cNvPr id="1" name=""/>
+        <p:cNvGrpSpPr/>
+        <p:nvPr/>
+      </p:nvGrpSpPr>
+      <p:grpSpPr>
+        <a:xfrm>
+          <a:off x="0" y="0"/>
+          <a:ext cx="0" cy="0"/>
+          <a:chOff x="0" y="0"/>
+          <a:chExt cx="0" cy="0"/>
+        </a:xfrm>
+      </p:grpSpPr>
+      <p:sp>
+        <p:nvSpPr>
+          <p:cNvPr id="4" name="Title 3"/>
+          <p:cNvSpPr>
+            <a:spLocks noGrp="1"/>
+          </p:cNvSpPr>
+          <p:nvPr>
+            <p:ph type="ctrTitle"/>
+          </p:nvPr>
+        </p:nvSpPr>
+        <p:spPr>
+          <a:xfrm>
+            <a:off x="1325412" y="1445361"/>
+            <a:ext cx="3435274" cy="1261884"/>
+          </a:xfrm>
+        </p:spPr>
+        <p:txBody>
+          <a:bodyPr/>
+          <a:lstStyle/>
+          <a:p>
+            <a:r>
+              <a:rPr lang="en-US" dirty="0" smtClean="0"/>
+              <a:t>Section title goes here</a:t>
+            </a:r>
+            <a:endParaRPr lang="en-US" dirty="0"/>
+          </a:p>
+        </p:txBody>
+      </p:sp>
+      <p:sp>
+        <p:nvSpPr>
+          <p:cNvPr id="5" name="Content Placeholder 4"/>
+          <p:cNvSpPr>
+            <a:spLocks noGrp="1"/>
+          </p:cNvSpPr>
+          <p:nvPr>
+            <p:ph sz="quarter" idx="10"/>
+          </p:nvPr>
+        </p:nvSpPr>
+        <p:spPr/>
+        <p:txBody>
+          <a:bodyPr/>
+          <a:lstStyle/>
+          <a:p>
+            <a:r>
+              <a:rPr lang="en-US" dirty="0" smtClean="0"/>
+              <a:t>Section Subhead</a:t>
+            </a:r>
+            <a:endParaRPr lang="en-US" dirty="0"/>
+          </a:p>
+        </p:txBody>
+      </p:sp>
+    </p:spTree>
+    <p:extLst>
+      <p:ext uri="{BB962C8B-B14F-4D97-AF65-F5344CB8AC3E}">
+        <p14:creationId xmlns:p14="http://schemas.microsoft.com/office/powerpoint/2010/main" val="865100022"/>
+      </p:ext>
+    </p:extLst>
+  </p:cSld>
+  <p:clrMapOvr>
+    <a:masterClrMapping/>
+  </p:clrMapOvr>
+  <p:timing>
+    <p:tnLst>
+      <p:par>
+        <p:cTn id="1" dur="indefinite" restart="never" nodeType="tmRoot"/>
+      </p:par>
+    </p:tnLst>
+  </p:timing>
+</p:sld>
+</file>
+
+<file path=ppt/slides/slide34.xml><?xml version="1.0" encoding="utf-8"?>
+<p:sld xmlns:a="http://schemas.openxmlformats.org/drawingml/2006/main" xmlns:r="http://schemas.openxmlformats.org/officeDocument/2006/relationships" xmlns:p="http://schemas.openxmlformats.org/presentationml/2006/main">
+  <p:cSld>
+    <p:spTree>
+      <p:nvGrpSpPr>
+        <p:cNvPr id="1" name=""/>
+        <p:cNvGrpSpPr/>
+        <p:nvPr/>
+      </p:nvGrpSpPr>
+      <p:grpSpPr>
+        <a:xfrm>
+          <a:off x="0" y="0"/>
+          <a:ext cx="0" cy="0"/>
+          <a:chOff x="0" y="0"/>
+          <a:chExt cx="0" cy="0"/>
+        </a:xfrm>
+      </p:grpSpPr>
+      <p:sp>
+        <p:nvSpPr>
+          <p:cNvPr id="4" name="Title 3"/>
+          <p:cNvSpPr>
+            <a:spLocks noGrp="1"/>
+          </p:cNvSpPr>
+          <p:nvPr>
+            <p:ph type="ctrTitle"/>
+          </p:nvPr>
+        </p:nvSpPr>
+        <p:spPr/>
+        <p:txBody>
+          <a:bodyPr/>
+          <a:lstStyle/>
+          <a:p>
+            <a:r>
+              <a:rPr lang="en-US" dirty="0" smtClean="0"/>
+              <a:t>Section title goes here</a:t>
+            </a:r>
+            <a:endParaRPr lang="en-US" dirty="0"/>
+          </a:p>
+        </p:txBody>
+      </p:sp>
+      <p:sp>
+        <p:nvSpPr>
+          <p:cNvPr id="5" name="Content Placeholder 4"/>
+          <p:cNvSpPr>
+            <a:spLocks noGrp="1"/>
+          </p:cNvSpPr>
+          <p:nvPr>
+            <p:ph sz="quarter" idx="10"/>
+          </p:nvPr>
+        </p:nvSpPr>
+        <p:spPr/>
+        <p:txBody>
+          <a:bodyPr/>
+          <a:lstStyle/>
+          <a:p>
+            <a:r>
+              <a:rPr lang="en-US" dirty="0" smtClean="0"/>
+              <a:t>Section Subhead</a:t>
+            </a:r>
+            <a:endParaRPr lang="en-US" dirty="0"/>
+          </a:p>
+        </p:txBody>
+      </p:sp>
+    </p:spTree>
+    <p:extLst>
+      <p:ext uri="{BB962C8B-B14F-4D97-AF65-F5344CB8AC3E}">
+        <p14:creationId xmlns:p14="http://schemas.microsoft.com/office/powerpoint/2010/main" val="1589698044"/>
+      </p:ext>
+    </p:extLst>
+  </p:cSld>
+  <p:clrMapOvr>
+    <a:masterClrMapping/>
+  </p:clrMapOvr>
+  <p:timing>
+    <p:tnLst>
+      <p:par>
+        <p:cTn id="1" dur="indefinite" restart="never" nodeType="tmRoot"/>
+      </p:par>
+    </p:tnLst>
+  </p:timing>
+</p:sld>
+</file>
+
+<file path=ppt/slides/slide35.xml><?xml version="1.0" encoding="utf-8"?>
+<p:sld xmlns:a="http://schemas.openxmlformats.org/drawingml/2006/main" xmlns:r="http://schemas.openxmlformats.org/officeDocument/2006/relationships" xmlns:p="http://schemas.openxmlformats.org/presentationml/2006/main">
+  <p:cSld>
+    <p:spTree>
+      <p:nvGrpSpPr>
+        <p:cNvPr id="1" name=""/>
+        <p:cNvGrpSpPr/>
+        <p:nvPr/>
+      </p:nvGrpSpPr>
+      <p:grpSpPr>
+        <a:xfrm>
+          <a:off x="0" y="0"/>
+          <a:ext cx="0" cy="0"/>
+          <a:chOff x="0" y="0"/>
+          <a:chExt cx="0" cy="0"/>
+        </a:xfrm>
+      </p:grpSpPr>
+      <p:sp>
+        <p:nvSpPr>
+          <p:cNvPr id="4" name="Title 3"/>
+          <p:cNvSpPr>
+            <a:spLocks noGrp="1"/>
+          </p:cNvSpPr>
+          <p:nvPr>
+            <p:ph type="ctrTitle"/>
+          </p:nvPr>
+        </p:nvSpPr>
+        <p:spPr>
+          <a:xfrm>
+            <a:off x="1146630" y="1445361"/>
+            <a:ext cx="3435274" cy="1261884"/>
+          </a:xfrm>
+        </p:spPr>
+        <p:txBody>
+          <a:bodyPr/>
+          <a:lstStyle/>
+          <a:p>
+            <a:r>
+              <a:rPr lang="en-US" dirty="0" smtClean="0"/>
+              <a:t>Section title goes here</a:t>
+            </a:r>
+            <a:endParaRPr lang="en-US" dirty="0"/>
+          </a:p>
+        </p:txBody>
+      </p:sp>
+      <p:sp>
+        <p:nvSpPr>
+          <p:cNvPr id="5" name="Content Placeholder 4"/>
+          <p:cNvSpPr>
+            <a:spLocks noGrp="1"/>
+          </p:cNvSpPr>
+          <p:nvPr>
+            <p:ph sz="quarter" idx="10"/>
+          </p:nvPr>
+        </p:nvSpPr>
+        <p:spPr/>
+        <p:txBody>
+          <a:bodyPr/>
+          <a:lstStyle/>
+          <a:p>
+            <a:r>
+              <a:rPr lang="en-US" dirty="0" smtClean="0"/>
+              <a:t>Alternate 1</a:t>
+            </a:r>
+            <a:endParaRPr lang="en-US" dirty="0"/>
+          </a:p>
+        </p:txBody>
+      </p:sp>
+    </p:spTree>
+    <p:extLst>
+      <p:ext uri="{BB962C8B-B14F-4D97-AF65-F5344CB8AC3E}">
+        <p14:creationId xmlns:p14="http://schemas.microsoft.com/office/powerpoint/2010/main" val="123120746"/>
+      </p:ext>
+    </p:extLst>
+  </p:cSld>
+  <p:clrMapOvr>
+    <a:masterClrMapping/>
+  </p:clrMapOvr>
+  <p:timing>
+    <p:tnLst>
+      <p:par>
+        <p:cTn id="1" dur="indefinite" restart="never" nodeType="tmRoot"/>
+      </p:par>
+    </p:tnLst>
+  </p:timing>
+</p:sld>
+</file>
+
+<file path=ppt/slides/slide36.xml><?xml version="1.0" encoding="utf-8"?>
+<p:sld xmlns:a="http://schemas.openxmlformats.org/drawingml/2006/main" xmlns:r="http://schemas.openxmlformats.org/officeDocument/2006/relationships" xmlns:p="http://schemas.openxmlformats.org/presentationml/2006/main">
+  <p:cSld>
+    <p:spTree>
+      <p:nvGrpSpPr>
+        <p:cNvPr id="1" name=""/>
+        <p:cNvGrpSpPr/>
+        <p:nvPr/>
+      </p:nvGrpSpPr>
+      <p:grpSpPr>
+        <a:xfrm>
+          <a:off x="0" y="0"/>
+          <a:ext cx="0" cy="0"/>
+          <a:chOff x="0" y="0"/>
+          <a:chExt cx="0" cy="0"/>
+        </a:xfrm>
+      </p:grpSpPr>
+      <p:sp>
+        <p:nvSpPr>
+          <p:cNvPr id="4" name="Title 3"/>
+          <p:cNvSpPr>
+            <a:spLocks noGrp="1"/>
+          </p:cNvSpPr>
+          <p:nvPr>
+            <p:ph type="ctrTitle"/>
+          </p:nvPr>
+        </p:nvSpPr>
+        <p:spPr>
+          <a:xfrm>
+            <a:off x="1146630" y="1445361"/>
+            <a:ext cx="3435274" cy="1261884"/>
+          </a:xfrm>
+        </p:spPr>
+        <p:txBody>
+          <a:bodyPr/>
+          <a:lstStyle/>
+          <a:p>
+            <a:r>
+              <a:rPr lang="en-US" dirty="0" smtClean="0"/>
+              <a:t>Section title goes here</a:t>
+            </a:r>
+            <a:endParaRPr lang="en-US" dirty="0"/>
+          </a:p>
+        </p:txBody>
+      </p:sp>
+      <p:sp>
+        <p:nvSpPr>
+          <p:cNvPr id="5" name="Content Placeholder 4"/>
+          <p:cNvSpPr>
+            <a:spLocks noGrp="1"/>
+          </p:cNvSpPr>
+          <p:nvPr>
+            <p:ph sz="quarter" idx="10"/>
+          </p:nvPr>
+        </p:nvSpPr>
+        <p:spPr/>
+        <p:txBody>
+          <a:bodyPr/>
+          <a:lstStyle/>
+          <a:p>
+            <a:r>
+              <a:rPr lang="en-US" dirty="0" smtClean="0"/>
+              <a:t>Alternate 2</a:t>
+            </a:r>
+            <a:endParaRPr lang="en-US" dirty="0"/>
+          </a:p>
+        </p:txBody>
+      </p:sp>
+    </p:spTree>
+    <p:extLst>
+      <p:ext uri="{BB962C8B-B14F-4D97-AF65-F5344CB8AC3E}">
+        <p14:creationId xmlns:p14="http://schemas.microsoft.com/office/powerpoint/2010/main" val="3899254070"/>
+      </p:ext>
+    </p:extLst>
+  </p:cSld>
+  <p:clrMapOvr>
+    <a:masterClrMapping/>
+  </p:clrMapOvr>
+  <p:timing>
+    <p:tnLst>
+      <p:par>
+        <p:cTn id="1" dur="indefinite" restart="never" nodeType="tmRoot"/>
+      </p:par>
+    </p:tnLst>
+  </p:timing>
+</p:sld>
+</file>
+
+<file path=ppt/slides/slide37.xml><?xml version="1.0" encoding="utf-8"?>
+<p:sld xmlns:a="http://schemas.openxmlformats.org/drawingml/2006/main" xmlns:r="http://schemas.openxmlformats.org/officeDocument/2006/relationships" xmlns:p="http://schemas.openxmlformats.org/presentationml/2006/main">
+  <p:cSld>
+    <p:spTree>
+      <p:nvGrpSpPr>
+        <p:cNvPr id="1" name=""/>
+        <p:cNvGrpSpPr/>
+        <p:nvPr/>
+      </p:nvGrpSpPr>
+      <p:grpSpPr>
+        <a:xfrm>
+          <a:off x="0" y="0"/>
+          <a:ext cx="0" cy="0"/>
+          <a:chOff x="0" y="0"/>
+          <a:chExt cx="0" cy="0"/>
+        </a:xfrm>
+      </p:grpSpPr>
+      <p:sp>
+        <p:nvSpPr>
+          <p:cNvPr id="4" name="Title 3"/>
+          <p:cNvSpPr>
+            <a:spLocks noGrp="1"/>
+          </p:cNvSpPr>
+          <p:nvPr>
+            <p:ph type="title"/>
+          </p:nvPr>
+        </p:nvSpPr>
+        <p:spPr/>
+        <p:txBody>
+          <a:bodyPr/>
+          <a:lstStyle/>
+          <a:p>
+            <a:r>
+              <a:rPr lang="en-US" dirty="0" smtClean="0"/>
+              <a:t>Short content</a:t>
+            </a:r>
+            <a:endParaRPr lang="en-US" dirty="0"/>
+          </a:p>
+        </p:txBody>
+      </p:sp>
+      <p:sp>
+        <p:nvSpPr>
+          <p:cNvPr id="5" name="Content Placeholder 4"/>
+          <p:cNvSpPr>
+            <a:spLocks noGrp="1"/>
+          </p:cNvSpPr>
+          <p:nvPr>
+            <p:ph idx="1"/>
+          </p:nvPr>
+        </p:nvSpPr>
+        <p:spPr/>
+        <p:txBody>
+          <a:bodyPr/>
+          <a:lstStyle/>
+          <a:p>
+            <a:r>
+              <a:rPr lang="en-US" dirty="0" smtClean="0"/>
+              <a:t>With bullets</a:t>
+            </a:r>
+          </a:p>
+          <a:p>
+            <a:r>
+              <a:rPr lang="en-US" dirty="0" smtClean="0"/>
+              <a:t>And more bullets</a:t>
+            </a:r>
+            <a:endParaRPr lang="en-US" dirty="0"/>
+          </a:p>
+        </p:txBody>
+      </p:sp>
+    </p:spTree>
+    <p:extLst>
+      <p:ext uri="{BB962C8B-B14F-4D97-AF65-F5344CB8AC3E}">
+        <p14:creationId xmlns:p14="http://schemas.microsoft.com/office/powerpoint/2010/main" val="639809334"/>
+      </p:ext>
+    </p:extLst>
+  </p:cSld>
+  <p:clrMapOvr>
+    <a:masterClrMapping/>
+  </p:clrMapOvr>
+  <p:timing>
+    <p:tnLst>
+      <p:par>
+        <p:cTn id="1" dur="indefinite" restart="never" nodeType="tmRoot"/>
+      </p:par>
+    </p:tnLst>
+  </p:timing>
+</p:sld>
+</file>
+
+<file path=ppt/slides/slide38.xml><?xml version="1.0" encoding="utf-8"?>
+<p:sld xmlns:a="http://schemas.openxmlformats.org/drawingml/2006/main" xmlns:r="http://schemas.openxmlformats.org/officeDocument/2006/relationships" xmlns:p="http://schemas.openxmlformats.org/presentationml/2006/main">
+  <p:cSld>
+    <p:spTree>
+      <p:nvGrpSpPr>
+        <p:cNvPr id="1" name=""/>
+        <p:cNvGrpSpPr/>
+        <p:nvPr/>
+      </p:nvGrpSpPr>
+      <p:grpSpPr>
+        <a:xfrm>
+          <a:off x="0" y="0"/>
+          <a:ext cx="0" cy="0"/>
+          <a:chOff x="0" y="0"/>
+          <a:chExt cx="0" cy="0"/>
+        </a:xfrm>
+      </p:grpSpPr>
+      <p:sp>
+        <p:nvSpPr>
+          <p:cNvPr id="4" name="Title 3"/>
+          <p:cNvSpPr>
+            <a:spLocks noGrp="1"/>
+          </p:cNvSpPr>
+          <p:nvPr>
+            <p:ph type="ctrTitle"/>
+          </p:nvPr>
+        </p:nvSpPr>
+        <p:spPr/>
+        <p:txBody>
+          <a:bodyPr/>
+          <a:lstStyle/>
+          <a:p>
+            <a:r>
+              <a:rPr lang="en-US" dirty="0" smtClean="0"/>
+              <a:t>Thank you </a:t>
+            </a:r>
+            <a:br>
+              <a:rPr lang="en-US" dirty="0" smtClean="0"/>
+            </a:br>
+            <a:r>
+              <a:rPr lang="en-US" sz="2800" b="0" dirty="0" smtClean="0"/>
+              <a:t>(or another section slide)</a:t>
+            </a:r>
+            <a:endParaRPr lang="en-US" sz="2800" b="0" dirty="0"/>
+          </a:p>
+        </p:txBody>
+      </p:sp>
+    </p:spTree>
+    <p:extLst>
+      <p:ext uri="{BB962C8B-B14F-4D97-AF65-F5344CB8AC3E}">
+        <p14:creationId xmlns:p14="http://schemas.microsoft.com/office/powerpoint/2010/main" val="3021677329"/>
+      </p:ext>
+    </p:extLst>
+  </p:cSld>
+  <p:clrMapOvr>
+    <a:masterClrMapping/>
+  </p:clrMapOvr>
+  <p:timing>
+    <p:tnLst>
+      <p:par>
+        <p:cTn id="1" dur="indefinite" restart="never" nodeType="tmRoot"/>
+      </p:par>
+    </p:tnLst>
+  </p:timing>
+</p:sld>
+</file>
+
+<file path=ppt/slides/slide4.xml><?xml version="1.0" encoding="utf-8"?>
+<p:sld xmlns:a="http://schemas.openxmlformats.org/drawingml/2006/main" xmlns:r="http://schemas.openxmlformats.org/officeDocument/2006/relationships" xmlns:p="http://schemas.openxmlformats.org/presentationml/2006/main">
+  <p:cSld>
+    <p:spTree>
+      <p:nvGrpSpPr>
+        <p:cNvPr id="1" name=""/>
+        <p:cNvGrpSpPr/>
+        <p:nvPr/>
+      </p:nvGrpSpPr>
+      <p:grpSpPr>
+        <a:xfrm>
+          <a:off x="0" y="0"/>
+          <a:ext cx="0" cy="0"/>
+          <a:chOff x="0" y="0"/>
+          <a:chExt cx="0" cy="0"/>
+        </a:xfrm>
+      </p:grpSpPr>
+      <p:sp>
+        <p:nvSpPr>
+          <p:cNvPr id="4" name="Title 3"/>
+          <p:cNvSpPr>
+            <a:spLocks noGrp="1"/>
+          </p:cNvSpPr>
+          <p:nvPr>
+            <p:ph type="ctrTitle"/>
+          </p:nvPr>
+        </p:nvSpPr>
+        <p:spPr>
+          <a:xfrm>
+            <a:off x="1325412" y="1445361"/>
+            <a:ext cx="3435274" cy="677108"/>
+          </a:xfrm>
+        </p:spPr>
+        <p:txBody>
+          <a:bodyPr/>
+          <a:lstStyle/>
+          <a:p>
+            <a:r>
+              <a:rPr lang="en-US" dirty="0" smtClean="0"/>
+              <a:t>Multithreading</a:t>
+            </a:r>
+            <a:endParaRPr lang="en-US" dirty="0"/>
+          </a:p>
+        </p:txBody>
+      </p:sp>
+      <p:sp>
+        <p:nvSpPr>
+          <p:cNvPr id="5" name="Content Placeholder 4"/>
+          <p:cNvSpPr>
+            <a:spLocks noGrp="1"/>
+          </p:cNvSpPr>
+          <p:nvPr>
+            <p:ph sz="quarter" idx="10"/>
+          </p:nvPr>
+        </p:nvSpPr>
+        <p:spPr/>
+        <p:txBody>
+          <a:bodyPr/>
+          <a:lstStyle/>
+          <a:p>
+            <a:r>
+              <a:rPr lang="en-US" dirty="0" smtClean="0"/>
+              <a:t>Asynchronous Android</a:t>
+            </a:r>
+            <a:endParaRPr lang="en-US" dirty="0"/>
+          </a:p>
+        </p:txBody>
+      </p:sp>
+    </p:spTree>
+    <p:extLst>
+      <p:ext uri="{BB962C8B-B14F-4D97-AF65-F5344CB8AC3E}">
+        <p14:creationId xmlns:p14="http://schemas.microsoft.com/office/powerpoint/2010/main" val="2781773986"/>
+      </p:ext>
+    </p:extLst>
+  </p:cSld>
+  <p:clrMapOvr>
+    <a:masterClrMapping/>
+  </p:clrMapOvr>
+  <p:timing>
+    <p:tnLst>
+      <p:par>
+        <p:cTn id="1" dur="indefinite" restart="never" nodeType="tmRoot"/>
+      </p:par>
+    </p:tnLst>
+  </p:timing>
+</p:sld>
+</file>
+
 <file path=ppt/slides/slide5.xml><?xml version="1.0" encoding="utf-8"?>
 <p:sld xmlns:a="http://schemas.openxmlformats.org/drawingml/2006/main" xmlns:r="http://schemas.openxmlformats.org/officeDocument/2006/relationships" xmlns:p="http://schemas.openxmlformats.org/presentationml/2006/main">
   <p:cSld>
@@ -7142,18 +15593,45 @@
       </p:grpSpPr>
       <p:sp>
         <p:nvSpPr>
-          <p:cNvPr id="4" name="Title 3"/>
+          <p:cNvPr id="2" name="Title 1"/>
           <p:cNvSpPr>
             <a:spLocks noGrp="1"/>
           </p:cNvSpPr>
           <p:nvPr>
-            <p:ph type="ctrTitle"/>
+            <p:ph type="title"/>
+          </p:nvPr>
+        </p:nvSpPr>
+        <p:spPr/>
+        <p:txBody>
+          <a:bodyPr/>
+          <a:lstStyle/>
+          <a:p>
+            <a:r>
+              <a:rPr lang="en-US" dirty="0" smtClean="0"/>
+              <a:t>Thread</a:t>
+            </a:r>
+            <a:endParaRPr lang="en-US" sz="2400" b="0" dirty="0">
+              <a:solidFill>
+                <a:schemeClr val="accent2"/>
+              </a:solidFill>
+            </a:endParaRPr>
+          </a:p>
+        </p:txBody>
+      </p:sp>
+      <p:sp>
+        <p:nvSpPr>
+          <p:cNvPr id="3" name="Content Placeholder 2"/>
+          <p:cNvSpPr>
+            <a:spLocks noGrp="1"/>
+          </p:cNvSpPr>
+          <p:nvPr>
+            <p:ph idx="1"/>
           </p:nvPr>
         </p:nvSpPr>
         <p:spPr>
           <a:xfrm>
-            <a:off x="1325412" y="1445361"/>
-            <a:ext cx="3435274" cy="1261884"/>
+            <a:off x="457200" y="1184563"/>
+            <a:ext cx="8229600" cy="4525963"/>
           </a:xfrm>
         </p:spPr>
         <p:txBody>
@@ -7162,45 +15640,199 @@
           <a:p>
             <a:r>
               <a:rPr lang="en-US" dirty="0" smtClean="0"/>
-              <a:t>Section title goes here</a:t>
-            </a:r>
+              <a:t>Basic “building block”</a:t>
+            </a:r>
+          </a:p>
+          <a:p>
+            <a:r>
+              <a:rPr lang="en-US" dirty="0" smtClean="0"/>
+              <a:t>Two ways to implement thread: provide runnable or subclass Thread class (as Thread implements Runnable).</a:t>
+            </a:r>
+          </a:p>
+          <a:p>
+            <a:r>
+              <a:rPr lang="en-US" dirty="0" smtClean="0"/>
+              <a:t>Must explicitly call “start” to run the thread</a:t>
+            </a:r>
+          </a:p>
+          <a:p>
+            <a:r>
+              <a:rPr lang="en-US" dirty="0" smtClean="0"/>
+              <a:t>First approach is preferred </a:t>
+            </a:r>
+          </a:p>
+          <a:p>
+            <a:endParaRPr lang="en-US" dirty="0" smtClean="0"/>
+          </a:p>
+          <a:p>
+            <a:endParaRPr lang="en-US" dirty="0" smtClean="0"/>
+          </a:p>
+          <a:p>
             <a:endParaRPr lang="en-US" dirty="0"/>
           </a:p>
-        </p:txBody>
-      </p:sp>
-      <p:sp>
-        <p:nvSpPr>
-          <p:cNvPr id="5" name="Content Placeholder 4"/>
-          <p:cNvSpPr>
-            <a:spLocks noGrp="1"/>
-          </p:cNvSpPr>
-          <p:nvPr>
-            <p:ph sz="quarter" idx="10"/>
-          </p:nvPr>
-        </p:nvSpPr>
-        <p:spPr/>
-        <p:txBody>
-          <a:bodyPr/>
-          <a:lstStyle/>
-          <a:p>
-            <a:r>
-              <a:rPr lang="en-US" dirty="0" smtClean="0"/>
-              <a:t>Section Subhead</a:t>
-            </a:r>
+          <a:p>
+            <a:endParaRPr lang="en-US" dirty="0" smtClean="0"/>
+          </a:p>
+          <a:p>
             <a:endParaRPr lang="en-US" dirty="0"/>
           </a:p>
-        </p:txBody>
-      </p:sp>
+          <a:p>
+            <a:endParaRPr lang="en-US" dirty="0" smtClean="0"/>
+          </a:p>
+          <a:p>
+            <a:endParaRPr lang="en-US" dirty="0"/>
+          </a:p>
+          <a:p>
+            <a:endParaRPr lang="en-US" dirty="0" smtClean="0"/>
+          </a:p>
+          <a:p>
+            <a:endParaRPr lang="en-US" dirty="0"/>
+          </a:p>
+          <a:p>
+            <a:endParaRPr lang="en-US" dirty="0"/>
+          </a:p>
+        </p:txBody>
+      </p:sp>
+      <p:pic>
+        <p:nvPicPr>
+          <p:cNvPr id="1027" name="Picture 3"/>
+          <p:cNvPicPr>
+            <a:picLocks noChangeAspect="1" noChangeArrowheads="1"/>
+          </p:cNvPicPr>
+          <p:nvPr/>
+        </p:nvPicPr>
+        <p:blipFill>
+          <a:blip r:embed="rId3" cstate="print">
+            <a:extLst>
+              <a:ext uri="{28A0092B-C50C-407E-A947-70E740481C1C}">
+                <a14:useLocalDpi xmlns:a14="http://schemas.microsoft.com/office/drawing/2010/main"/>
+              </a:ext>
+            </a:extLst>
+          </a:blip>
+          <a:srcRect/>
+          <a:stretch>
+            <a:fillRect/>
+          </a:stretch>
+        </p:blipFill>
+        <p:spPr bwMode="auto">
+          <a:xfrm>
+            <a:off x="7665232" y="717116"/>
+            <a:ext cx="847725" cy="200025"/>
+          </a:xfrm>
+          <a:prstGeom prst="rect">
+            <a:avLst/>
+          </a:prstGeom>
+          <a:noFill/>
+          <a:ln>
+            <a:noFill/>
+          </a:ln>
+          <a:effectLst/>
+          <a:extLst>
+            <a:ext uri="{909E8E84-426E-40DD-AFC4-6F175D3DCCD1}">
+              <a14:hiddenFill xmlns:a14="http://schemas.microsoft.com/office/drawing/2010/main">
+                <a:solidFill>
+                  <a:schemeClr val="accent1"/>
+                </a:solidFill>
+              </a14:hiddenFill>
+            </a:ext>
+            <a:ext uri="{91240B29-F687-4F45-9708-019B960494DF}">
+              <a14:hiddenLine xmlns:a14="http://schemas.microsoft.com/office/drawing/2010/main" w="9525">
+                <a:solidFill>
+                  <a:schemeClr val="tx1"/>
+                </a:solidFill>
+                <a:miter lim="800000"/>
+                <a:headEnd/>
+                <a:tailEnd/>
+              </a14:hiddenLine>
+            </a:ext>
+            <a:ext uri="{AF507438-7753-43E0-B8FC-AC1667EBCBE1}">
+              <a14:hiddenEffects xmlns:a14="http://schemas.microsoft.com/office/drawing/2010/main">
+                <a:effectLst>
+                  <a:outerShdw dist="35921" dir="2700000" algn="ctr" rotWithShape="0">
+                    <a:schemeClr val="bg2"/>
+                  </a:outerShdw>
+                </a:effectLst>
+              </a14:hiddenEffects>
+            </a:ext>
+          </a:extLst>
+        </p:spPr>
+      </p:pic>
+      <p:pic>
+        <p:nvPicPr>
+          <p:cNvPr id="2050" name="Picture 2"/>
+          <p:cNvPicPr>
+            <a:picLocks noChangeAspect="1" noChangeArrowheads="1"/>
+          </p:cNvPicPr>
+          <p:nvPr/>
+        </p:nvPicPr>
+        <p:blipFill>
+          <a:blip r:embed="rId4">
+            <a:extLst>
+              <a:ext uri="{28A0092B-C50C-407E-A947-70E740481C1C}">
+                <a14:useLocalDpi xmlns:a14="http://schemas.microsoft.com/office/drawing/2010/main" val="0"/>
+              </a:ext>
+            </a:extLst>
+          </a:blip>
+          <a:srcRect/>
+          <a:stretch>
+            <a:fillRect/>
+          </a:stretch>
+        </p:blipFill>
+        <p:spPr bwMode="auto">
+          <a:xfrm>
+            <a:off x="1683532" y="3172402"/>
+            <a:ext cx="5981700" cy="2838450"/>
+          </a:xfrm>
+          <a:prstGeom prst="rect">
+            <a:avLst/>
+          </a:prstGeom>
+          <a:noFill/>
+          <a:ln>
+            <a:noFill/>
+          </a:ln>
+          <a:extLst>
+            <a:ext uri="{909E8E84-426E-40DD-AFC4-6F175D3DCCD1}">
+              <a14:hiddenFill xmlns:a14="http://schemas.microsoft.com/office/drawing/2010/main">
+                <a:solidFill>
+                  <a:schemeClr val="accent1"/>
+                </a:solidFill>
+              </a14:hiddenFill>
+            </a:ext>
+            <a:ext uri="{91240B29-F687-4F45-9708-019B960494DF}">
+              <a14:hiddenLine xmlns:a14="http://schemas.microsoft.com/office/drawing/2010/main" w="9525">
+                <a:solidFill>
+                  <a:schemeClr val="tx1"/>
+                </a:solidFill>
+                <a:miter lim="800000"/>
+                <a:headEnd/>
+                <a:tailEnd/>
+              </a14:hiddenLine>
+            </a:ext>
+          </a:extLst>
+        </p:spPr>
+      </p:pic>
     </p:spTree>
     <p:extLst>
       <p:ext uri="{BB962C8B-B14F-4D97-AF65-F5344CB8AC3E}">
-        <p14:creationId xmlns:p14="http://schemas.microsoft.com/office/powerpoint/2010/main" val="865100022"/>
+        <p14:creationId xmlns:p14="http://schemas.microsoft.com/office/powerpoint/2010/main" val="3690243924"/>
       </p:ext>
     </p:extLst>
   </p:cSld>
   <p:clrMapOvr>
     <a:masterClrMapping/>
   </p:clrMapOvr>
+  <mc:AlternateContent xmlns:mc="http://schemas.openxmlformats.org/markup-compatibility/2006" xmlns:p14="http://schemas.microsoft.com/office/powerpoint/2010/main">
+    <mc:Choice Requires="p14">
+      <p:transition spd="med" p14:dur="700">
+        <p:fade/>
+      </p:transition>
+    </mc:Choice>
+    <mc:Fallback xmlns="">
+      <p:transition spd="med">
+        <p:fade/>
+      </p:transition>
+    </mc:Fallback>
+  </mc:AlternateContent>
   <p:timing>
     <p:tnLst>
       <p:par>
@@ -7230,12 +15862,12 @@
       </p:grpSpPr>
       <p:sp>
         <p:nvSpPr>
-          <p:cNvPr id="4" name="Title 3"/>
+          <p:cNvPr id="2" name="Title 1"/>
           <p:cNvSpPr>
             <a:spLocks noGrp="1"/>
           </p:cNvSpPr>
           <p:nvPr>
-            <p:ph type="ctrTitle"/>
+            <p:ph type="title"/>
           </p:nvPr>
         </p:nvSpPr>
         <p:spPr/>
@@ -7245,45 +15877,156 @@
           <a:p>
             <a:r>
               <a:rPr lang="en-US" dirty="0" smtClean="0"/>
-              <a:t>Section title goes here</a:t>
-            </a:r>
-            <a:endParaRPr lang="en-US" dirty="0"/>
-          </a:p>
-        </p:txBody>
-      </p:sp>
-      <p:sp>
-        <p:nvSpPr>
-          <p:cNvPr id="5" name="Content Placeholder 4"/>
-          <p:cNvSpPr>
-            <a:spLocks noGrp="1"/>
-          </p:cNvSpPr>
-          <p:nvPr>
-            <p:ph sz="quarter" idx="10"/>
-          </p:nvPr>
-        </p:nvSpPr>
-        <p:spPr/>
-        <p:txBody>
-          <a:bodyPr/>
-          <a:lstStyle/>
-          <a:p>
-            <a:r>
-              <a:rPr lang="en-US" dirty="0" smtClean="0"/>
-              <a:t>Section Subhead</a:t>
-            </a:r>
-            <a:endParaRPr lang="en-US" dirty="0"/>
-          </a:p>
-        </p:txBody>
-      </p:sp>
+              <a:t>Thread subclassing</a:t>
+            </a:r>
+            <a:endParaRPr lang="en-US" sz="2400" b="0" dirty="0">
+              <a:solidFill>
+                <a:schemeClr val="accent2"/>
+              </a:solidFill>
+            </a:endParaRPr>
+          </a:p>
+        </p:txBody>
+      </p:sp>
+      <p:pic>
+        <p:nvPicPr>
+          <p:cNvPr id="1027" name="Picture 3"/>
+          <p:cNvPicPr>
+            <a:picLocks noChangeAspect="1" noChangeArrowheads="1"/>
+          </p:cNvPicPr>
+          <p:nvPr/>
+        </p:nvPicPr>
+        <p:blipFill>
+          <a:blip r:embed="rId3" cstate="print">
+            <a:extLst>
+              <a:ext uri="{28A0092B-C50C-407E-A947-70E740481C1C}">
+                <a14:useLocalDpi xmlns:a14="http://schemas.microsoft.com/office/drawing/2010/main"/>
+              </a:ext>
+            </a:extLst>
+          </a:blip>
+          <a:srcRect/>
+          <a:stretch>
+            <a:fillRect/>
+          </a:stretch>
+        </p:blipFill>
+        <p:spPr bwMode="auto">
+          <a:xfrm>
+            <a:off x="7665232" y="717116"/>
+            <a:ext cx="847725" cy="200025"/>
+          </a:xfrm>
+          <a:prstGeom prst="rect">
+            <a:avLst/>
+          </a:prstGeom>
+          <a:noFill/>
+          <a:ln>
+            <a:noFill/>
+          </a:ln>
+          <a:effectLst/>
+          <a:extLst>
+            <a:ext uri="{909E8E84-426E-40DD-AFC4-6F175D3DCCD1}">
+              <a14:hiddenFill xmlns:a14="http://schemas.microsoft.com/office/drawing/2010/main">
+                <a:solidFill>
+                  <a:schemeClr val="accent1"/>
+                </a:solidFill>
+              </a14:hiddenFill>
+            </a:ext>
+            <a:ext uri="{91240B29-F687-4F45-9708-019B960494DF}">
+              <a14:hiddenLine xmlns:a14="http://schemas.microsoft.com/office/drawing/2010/main" w="9525">
+                <a:solidFill>
+                  <a:schemeClr val="tx1"/>
+                </a:solidFill>
+                <a:miter lim="800000"/>
+                <a:headEnd/>
+                <a:tailEnd/>
+              </a14:hiddenLine>
+            </a:ext>
+            <a:ext uri="{AF507438-7753-43E0-B8FC-AC1667EBCBE1}">
+              <a14:hiddenEffects xmlns:a14="http://schemas.microsoft.com/office/drawing/2010/main">
+                <a:effectLst>
+                  <a:outerShdw dist="35921" dir="2700000" algn="ctr" rotWithShape="0">
+                    <a:schemeClr val="bg2"/>
+                  </a:outerShdw>
+                </a:effectLst>
+              </a14:hiddenEffects>
+            </a:ext>
+          </a:extLst>
+        </p:spPr>
+      </p:pic>
+      <p:pic>
+        <p:nvPicPr>
+          <p:cNvPr id="4" name="Picture 3"/>
+          <p:cNvPicPr>
+            <a:picLocks noChangeAspect="1" noChangeArrowheads="1"/>
+          </p:cNvPicPr>
+          <p:nvPr/>
+        </p:nvPicPr>
+        <p:blipFill>
+          <a:blip r:embed="rId4">
+            <a:extLst>
+              <a:ext uri="{28A0092B-C50C-407E-A947-70E740481C1C}">
+                <a14:useLocalDpi xmlns:a14="http://schemas.microsoft.com/office/drawing/2010/main" val="0"/>
+              </a:ext>
+            </a:extLst>
+          </a:blip>
+          <a:srcRect/>
+          <a:stretch>
+            <a:fillRect/>
+          </a:stretch>
+        </p:blipFill>
+        <p:spPr bwMode="auto">
+          <a:xfrm>
+            <a:off x="457200" y="1021278"/>
+            <a:ext cx="7886700" cy="2733675"/>
+          </a:xfrm>
+          <a:prstGeom prst="rect">
+            <a:avLst/>
+          </a:prstGeom>
+          <a:noFill/>
+          <a:ln>
+            <a:noFill/>
+          </a:ln>
+          <a:extLst>
+            <a:ext uri="{909E8E84-426E-40DD-AFC4-6F175D3DCCD1}">
+              <a14:hiddenFill xmlns:a14="http://schemas.microsoft.com/office/drawing/2010/main">
+                <a:solidFill>
+                  <a:schemeClr val="accent1"/>
+                </a:solidFill>
+              </a14:hiddenFill>
+            </a:ext>
+            <a:ext uri="{91240B29-F687-4F45-9708-019B960494DF}">
+              <a14:hiddenLine xmlns:a14="http://schemas.microsoft.com/office/drawing/2010/main" w="9525">
+                <a:solidFill>
+                  <a:schemeClr val="tx1"/>
+                </a:solidFill>
+                <a:miter lim="800000"/>
+                <a:headEnd/>
+                <a:tailEnd/>
+              </a14:hiddenLine>
+            </a:ext>
+          </a:extLst>
+        </p:spPr>
+      </p:pic>
     </p:spTree>
     <p:extLst>
       <p:ext uri="{BB962C8B-B14F-4D97-AF65-F5344CB8AC3E}">
-        <p14:creationId xmlns:p14="http://schemas.microsoft.com/office/powerpoint/2010/main" val="1589698044"/>
+        <p14:creationId xmlns:p14="http://schemas.microsoft.com/office/powerpoint/2010/main" val="3520774766"/>
       </p:ext>
     </p:extLst>
   </p:cSld>
   <p:clrMapOvr>
     <a:masterClrMapping/>
   </p:clrMapOvr>
+  <mc:AlternateContent xmlns:mc="http://schemas.openxmlformats.org/markup-compatibility/2006" xmlns:p14="http://schemas.microsoft.com/office/powerpoint/2010/main">
+    <mc:Choice Requires="p14">
+      <p:transition spd="med" p14:dur="700">
+        <p:fade/>
+      </p:transition>
+    </mc:Choice>
+    <mc:Fallback xmlns="">
+      <p:transition spd="med">
+        <p:fade/>
+      </p:transition>
+    </mc:Fallback>
+  </mc:AlternateContent>
   <p:timing>
     <p:tnLst>
       <p:par>
@@ -7313,40 +16056,39 @@
       </p:grpSpPr>
       <p:sp>
         <p:nvSpPr>
-          <p:cNvPr id="4" name="Title 3"/>
+          <p:cNvPr id="2" name="Title 1"/>
           <p:cNvSpPr>
             <a:spLocks noGrp="1"/>
           </p:cNvSpPr>
           <p:nvPr>
-            <p:ph type="ctrTitle"/>
-          </p:nvPr>
-        </p:nvSpPr>
-        <p:spPr>
-          <a:xfrm>
-            <a:off x="1146630" y="1445361"/>
-            <a:ext cx="3435274" cy="1261884"/>
-          </a:xfrm>
-        </p:spPr>
+            <p:ph type="title"/>
+          </p:nvPr>
+        </p:nvSpPr>
+        <p:spPr/>
         <p:txBody>
           <a:bodyPr/>
           <a:lstStyle/>
           <a:p>
             <a:r>
               <a:rPr lang="en-US" dirty="0" smtClean="0"/>
-              <a:t>Section title goes here</a:t>
-            </a:r>
-            <a:endParaRPr lang="en-US" dirty="0"/>
-          </a:p>
-        </p:txBody>
-      </p:sp>
-      <p:sp>
-        <p:nvSpPr>
-          <p:cNvPr id="5" name="Content Placeholder 4"/>
+              <a:t>Thread</a:t>
+            </a:r>
+            <a:endParaRPr lang="en-US" sz="2400" b="0" dirty="0">
+              <a:solidFill>
+                <a:schemeClr val="accent2"/>
+              </a:solidFill>
+            </a:endParaRPr>
+          </a:p>
+        </p:txBody>
+      </p:sp>
+      <p:sp>
+        <p:nvSpPr>
+          <p:cNvPr id="3" name="Content Placeholder 2"/>
           <p:cNvSpPr>
             <a:spLocks noGrp="1"/>
           </p:cNvSpPr>
           <p:nvPr>
-            <p:ph sz="quarter" idx="10"/>
+            <p:ph idx="1"/>
           </p:nvPr>
         </p:nvSpPr>
         <p:spPr/>
@@ -7356,22 +16098,119 @@
           <a:p>
             <a:r>
               <a:rPr lang="en-US" dirty="0" smtClean="0"/>
-              <a:t>Alternate 1</a:t>
+              <a:t>Inherits priority</a:t>
+            </a:r>
+          </a:p>
+          <a:p>
+            <a:r>
+              <a:rPr lang="en-US" dirty="0" err="1" smtClean="0"/>
+              <a:t>setPriority</a:t>
+            </a:r>
+            <a:r>
+              <a:rPr lang="en-US" dirty="0" smtClean="0"/>
+              <a:t>()</a:t>
+            </a:r>
+          </a:p>
+          <a:p>
+            <a:pPr lvl="1"/>
+            <a:r>
+              <a:rPr lang="en-US" dirty="0" err="1" smtClean="0"/>
+              <a:t>Process.THREAD_PRIORITY</a:t>
+            </a:r>
+            <a:r>
+              <a:rPr lang="en-US" dirty="0" smtClean="0"/>
+              <a:t>_*</a:t>
             </a:r>
             <a:endParaRPr lang="en-US" dirty="0"/>
           </a:p>
         </p:txBody>
       </p:sp>
+      <p:pic>
+        <p:nvPicPr>
+          <p:cNvPr id="1027" name="Picture 3"/>
+          <p:cNvPicPr>
+            <a:picLocks noChangeAspect="1" noChangeArrowheads="1"/>
+          </p:cNvPicPr>
+          <p:nvPr/>
+        </p:nvPicPr>
+        <p:blipFill>
+          <a:blip r:embed="rId3" cstate="print">
+            <a:extLst>
+              <a:ext uri="{28A0092B-C50C-407E-A947-70E740481C1C}">
+                <a14:useLocalDpi xmlns:a14="http://schemas.microsoft.com/office/drawing/2010/main"/>
+              </a:ext>
+            </a:extLst>
+          </a:blip>
+          <a:srcRect/>
+          <a:stretch>
+            <a:fillRect/>
+          </a:stretch>
+        </p:blipFill>
+        <p:spPr bwMode="auto">
+          <a:xfrm>
+            <a:off x="7665232" y="717116"/>
+            <a:ext cx="847725" cy="200025"/>
+          </a:xfrm>
+          <a:prstGeom prst="rect">
+            <a:avLst/>
+          </a:prstGeom>
+          <a:noFill/>
+          <a:ln>
+            <a:noFill/>
+          </a:ln>
+          <a:effectLst/>
+          <a:extLst>
+            <a:ext uri="{909E8E84-426E-40DD-AFC4-6F175D3DCCD1}">
+              <a14:hiddenFill xmlns:a14="http://schemas.microsoft.com/office/drawing/2010/main">
+                <a:solidFill>
+                  <a:schemeClr val="accent1"/>
+                </a:solidFill>
+              </a14:hiddenFill>
+            </a:ext>
+            <a:ext uri="{91240B29-F687-4F45-9708-019B960494DF}">
+              <a14:hiddenLine xmlns:a14="http://schemas.microsoft.com/office/drawing/2010/main" w="9525">
+                <a:solidFill>
+                  <a:schemeClr val="tx1"/>
+                </a:solidFill>
+                <a:miter lim="800000"/>
+                <a:headEnd/>
+                <a:tailEnd/>
+              </a14:hiddenLine>
+            </a:ext>
+            <a:ext uri="{AF507438-7753-43E0-B8FC-AC1667EBCBE1}">
+              <a14:hiddenEffects xmlns:a14="http://schemas.microsoft.com/office/drawing/2010/main">
+                <a:effectLst>
+                  <a:outerShdw dist="35921" dir="2700000" algn="ctr" rotWithShape="0">
+                    <a:schemeClr val="bg2"/>
+                  </a:outerShdw>
+                </a:effectLst>
+              </a14:hiddenEffects>
+            </a:ext>
+          </a:extLst>
+        </p:spPr>
+      </p:pic>
     </p:spTree>
     <p:extLst>
       <p:ext uri="{BB962C8B-B14F-4D97-AF65-F5344CB8AC3E}">
-        <p14:creationId xmlns:p14="http://schemas.microsoft.com/office/powerpoint/2010/main" val="123120746"/>
+        <p14:creationId xmlns:p14="http://schemas.microsoft.com/office/powerpoint/2010/main" val="2330644215"/>
       </p:ext>
     </p:extLst>
   </p:cSld>
   <p:clrMapOvr>
     <a:masterClrMapping/>
   </p:clrMapOvr>
+  <mc:AlternateContent xmlns:mc="http://schemas.openxmlformats.org/markup-compatibility/2006" xmlns:p14="http://schemas.microsoft.com/office/powerpoint/2010/main">
+    <mc:Choice Requires="p14">
+      <p:transition spd="med" p14:dur="700">
+        <p:fade/>
+      </p:transition>
+    </mc:Choice>
+    <mc:Fallback xmlns="">
+      <p:transition spd="med">
+        <p:fade/>
+      </p:transition>
+    </mc:Fallback>
+  </mc:AlternateContent>
   <p:timing>
     <p:tnLst>
       <p:par>
@@ -7401,40 +16240,39 @@
       </p:grpSpPr>
       <p:sp>
         <p:nvSpPr>
-          <p:cNvPr id="4" name="Title 3"/>
+          <p:cNvPr id="2" name="Title 1"/>
           <p:cNvSpPr>
             <a:spLocks noGrp="1"/>
           </p:cNvSpPr>
           <p:nvPr>
-            <p:ph type="ctrTitle"/>
-          </p:nvPr>
-        </p:nvSpPr>
-        <p:spPr>
-          <a:xfrm>
-            <a:off x="1146630" y="1445361"/>
-            <a:ext cx="3435274" cy="1261884"/>
-          </a:xfrm>
-        </p:spPr>
+            <p:ph type="title"/>
+          </p:nvPr>
+        </p:nvSpPr>
+        <p:spPr/>
         <p:txBody>
           <a:bodyPr/>
           <a:lstStyle/>
           <a:p>
             <a:r>
               <a:rPr lang="en-US" dirty="0" smtClean="0"/>
-              <a:t>Section title goes here</a:t>
-            </a:r>
-            <a:endParaRPr lang="en-US" dirty="0"/>
-          </a:p>
-        </p:txBody>
-      </p:sp>
-      <p:sp>
-        <p:nvSpPr>
-          <p:cNvPr id="5" name="Content Placeholder 4"/>
+              <a:t>Controlling threads</a:t>
+            </a:r>
+            <a:endParaRPr lang="en-US" sz="2400" b="0" dirty="0">
+              <a:solidFill>
+                <a:schemeClr val="accent2"/>
+              </a:solidFill>
+            </a:endParaRPr>
+          </a:p>
+        </p:txBody>
+      </p:sp>
+      <p:sp>
+        <p:nvSpPr>
+          <p:cNvPr id="3" name="Content Placeholder 2"/>
           <p:cNvSpPr>
             <a:spLocks noGrp="1"/>
           </p:cNvSpPr>
           <p:nvPr>
-            <p:ph sz="quarter" idx="10"/>
+            <p:ph idx="1"/>
           </p:nvPr>
         </p:nvSpPr>
         <p:spPr/>
@@ -7443,23 +16281,168 @@
           <a:lstStyle/>
           <a:p>
             <a:r>
+              <a:rPr lang="en-US" dirty="0" err="1" smtClean="0"/>
+              <a:t>Thread.sleep</a:t>
+            </a:r>
+            <a:r>
               <a:rPr lang="en-US" dirty="0" smtClean="0"/>
-              <a:t>Alternate 2</a:t>
+              <a:t> – causes current thread to suspend execution for specified period of time.</a:t>
+            </a:r>
+          </a:p>
+          <a:p>
+            <a:pPr lvl="1"/>
+            <a:r>
+              <a:rPr lang="en-US" dirty="0" smtClean="0"/>
+              <a:t>Not </a:t>
+            </a:r>
+            <a:r>
+              <a:rPr lang="en-US" dirty="0" err="1" smtClean="0"/>
+              <a:t>percise</a:t>
+            </a:r>
+            <a:endParaRPr lang="en-US" dirty="0" smtClean="0"/>
+          </a:p>
+          <a:p>
+            <a:pPr lvl="1"/>
+            <a:r>
+              <a:rPr lang="en-US" dirty="0" smtClean="0"/>
+              <a:t>Sleep can be terminated by interrupts</a:t>
+            </a:r>
+          </a:p>
+          <a:p>
+            <a:r>
+              <a:rPr lang="en-US" dirty="0" err="1" smtClean="0"/>
+              <a:t>Thread.interrupt</a:t>
+            </a:r>
+            <a:endParaRPr lang="en-US" dirty="0" smtClean="0"/>
+          </a:p>
+          <a:p>
+            <a:pPr lvl="1"/>
+            <a:r>
+              <a:rPr lang="en-US" dirty="0" err="1" smtClean="0"/>
+              <a:t>boolean</a:t>
+            </a:r>
+            <a:r>
+              <a:rPr lang="en-US" dirty="0" smtClean="0"/>
+              <a:t> interrupted()</a:t>
+            </a:r>
+          </a:p>
+          <a:p>
+            <a:pPr lvl="2"/>
+            <a:r>
+              <a:rPr lang="en-US" dirty="0" smtClean="0"/>
+              <a:t>Clears “interrupted” flag (for current thread), external threads don’t clear flag.</a:t>
             </a:r>
             <a:endParaRPr lang="en-US" dirty="0"/>
           </a:p>
-        </p:txBody>
-      </p:sp>
+          <a:p>
+            <a:r>
+              <a:rPr lang="en-US" dirty="0" err="1" smtClean="0"/>
+              <a:t>Thread.join</a:t>
+            </a:r>
+            <a:endParaRPr lang="en-US" dirty="0" smtClean="0"/>
+          </a:p>
+          <a:p>
+            <a:pPr lvl="1"/>
+            <a:r>
+              <a:rPr lang="en-US" dirty="0" smtClean="0"/>
+              <a:t>Waits for a completion of another thread</a:t>
+            </a:r>
+          </a:p>
+          <a:p>
+            <a:pPr lvl="1"/>
+            <a:r>
+              <a:rPr lang="en-US" dirty="0" smtClean="0"/>
+              <a:t>As sleep can be interrupted</a:t>
+            </a:r>
+          </a:p>
+        </p:txBody>
+      </p:sp>
+      <p:pic>
+        <p:nvPicPr>
+          <p:cNvPr id="1027" name="Picture 3"/>
+          <p:cNvPicPr>
+            <a:picLocks noChangeAspect="1" noChangeArrowheads="1"/>
+          </p:cNvPicPr>
+          <p:nvPr/>
+        </p:nvPicPr>
+        <p:blipFill>
+          <a:blip r:embed="rId3" cstate="print">
+            <a:extLst>
+              <a:ext uri="{28A0092B-C50C-407E-A947-70E740481C1C}">
+                <a14:useLocalDpi xmlns:a14="http://schemas.microsoft.com/office/drawing/2010/main"/>
+              </a:ext>
+            </a:extLst>
+          </a:blip>
+          <a:srcRect/>
+          <a:stretch>
+            <a:fillRect/>
+          </a:stretch>
+        </p:blipFill>
+        <p:spPr bwMode="auto">
+          <a:xfrm>
+            <a:off x="7665232" y="717116"/>
+            <a:ext cx="847725" cy="200025"/>
+          </a:xfrm>
+          <a:prstGeom prst="rect">
+            <a:avLst/>
+          </a:prstGeom>
+          <a:noFill/>
+          <a:ln>
+            <a:noFill/>
+          </a:ln>
+          <a:effectLst/>
+          <a:extLst>
+            <a:ext uri="{909E8E84-426E-40DD-AFC4-6F175D3DCCD1}">
+              <a14:hiddenFill xmlns:a14="http://schemas.microsoft.com/office/drawing/2010/main">
+                <a:solidFill>
+                  <a:schemeClr val="accent1"/>
+                </a:solidFill>
+              </a14:hiddenFill>
+            </a:ext>
+            <a:ext uri="{91240B29-F687-4F45-9708-019B960494DF}">
+              <a14:hiddenLine xmlns:a14="http://schemas.microsoft.com/office/drawing/2010/main" w="9525">
+                <a:solidFill>
+                  <a:schemeClr val="tx1"/>
+                </a:solidFill>
+                <a:miter lim="800000"/>
+                <a:headEnd/>
+                <a:tailEnd/>
+              </a14:hiddenLine>
+            </a:ext>
+            <a:ext uri="{AF507438-7753-43E0-B8FC-AC1667EBCBE1}">
+              <a14:hiddenEffects xmlns:a14="http://schemas.microsoft.com/office/drawing/2010/main">
+                <a:effectLst>
+                  <a:outerShdw dist="35921" dir="2700000" algn="ctr" rotWithShape="0">
+                    <a:schemeClr val="bg2"/>
+                  </a:outerShdw>
+                </a:effectLst>
+              </a14:hiddenEffects>
+            </a:ext>
+          </a:extLst>
+        </p:spPr>
+      </p:pic>
     </p:spTree>
     <p:extLst>
       <p:ext uri="{BB962C8B-B14F-4D97-AF65-F5344CB8AC3E}">
-        <p14:creationId xmlns:p14="http://schemas.microsoft.com/office/powerpoint/2010/main" val="3899254070"/>
+        <p14:creationId xmlns:p14="http://schemas.microsoft.com/office/powerpoint/2010/main" val="3358822018"/>
       </p:ext>
     </p:extLst>
   </p:cSld>
   <p:clrMapOvr>
     <a:masterClrMapping/>
   </p:clrMapOvr>
+  <mc:AlternateContent xmlns:mc="http://schemas.openxmlformats.org/markup-compatibility/2006" xmlns:p14="http://schemas.microsoft.com/office/powerpoint/2010/main">
+    <mc:Choice Requires="p14">
+      <p:transition spd="med" p14:dur="700">
+        <p:fade/>
+      </p:transition>
+    </mc:Choice>
+    <mc:Fallback xmlns="">
+      <p:transition spd="med">
+        <p:fade/>
+      </p:transition>
+    </mc:Fallback>
+  </mc:AlternateContent>
   <p:timing>
     <p:tnLst>
       <p:par>
@@ -7489,7 +16472,7 @@
       </p:grpSpPr>
       <p:sp>
         <p:nvSpPr>
-          <p:cNvPr id="4" name="Title 3"/>
+          <p:cNvPr id="2" name="Title 1"/>
           <p:cNvSpPr>
             <a:spLocks noGrp="1"/>
           </p:cNvSpPr>
@@ -7504,51 +16487,156 @@
           <a:p>
             <a:r>
               <a:rPr lang="en-US" dirty="0" smtClean="0"/>
-              <a:t>Short content</a:t>
-            </a:r>
-            <a:endParaRPr lang="en-US" dirty="0"/>
-          </a:p>
-        </p:txBody>
-      </p:sp>
-      <p:sp>
-        <p:nvSpPr>
-          <p:cNvPr id="5" name="Content Placeholder 4"/>
-          <p:cNvSpPr>
-            <a:spLocks noGrp="1"/>
-          </p:cNvSpPr>
-          <p:nvPr>
-            <p:ph idx="1"/>
-          </p:nvPr>
-        </p:nvSpPr>
-        <p:spPr/>
-        <p:txBody>
-          <a:bodyPr/>
-          <a:lstStyle/>
-          <a:p>
-            <a:r>
-              <a:rPr lang="en-US" dirty="0" smtClean="0"/>
-              <a:t>With bullets</a:t>
-            </a:r>
-          </a:p>
-          <a:p>
-            <a:r>
-              <a:rPr lang="en-US" dirty="0" smtClean="0"/>
-              <a:t>And more bullets</a:t>
-            </a:r>
-            <a:endParaRPr lang="en-US" dirty="0"/>
-          </a:p>
-        </p:txBody>
-      </p:sp>
+              <a:t>Controlling threads (sample)</a:t>
+            </a:r>
+            <a:endParaRPr lang="en-US" sz="2400" b="0" dirty="0">
+              <a:solidFill>
+                <a:schemeClr val="accent2"/>
+              </a:solidFill>
+            </a:endParaRPr>
+          </a:p>
+        </p:txBody>
+      </p:sp>
+      <p:pic>
+        <p:nvPicPr>
+          <p:cNvPr id="1027" name="Picture 3"/>
+          <p:cNvPicPr>
+            <a:picLocks noChangeAspect="1" noChangeArrowheads="1"/>
+          </p:cNvPicPr>
+          <p:nvPr/>
+        </p:nvPicPr>
+        <p:blipFill>
+          <a:blip r:embed="rId3" cstate="print">
+            <a:extLst>
+              <a:ext uri="{28A0092B-C50C-407E-A947-70E740481C1C}">
+                <a14:useLocalDpi xmlns:a14="http://schemas.microsoft.com/office/drawing/2010/main"/>
+              </a:ext>
+            </a:extLst>
+          </a:blip>
+          <a:srcRect/>
+          <a:stretch>
+            <a:fillRect/>
+          </a:stretch>
+        </p:blipFill>
+        <p:spPr bwMode="auto">
+          <a:xfrm>
+            <a:off x="7665232" y="717116"/>
+            <a:ext cx="847725" cy="200025"/>
+          </a:xfrm>
+          <a:prstGeom prst="rect">
+            <a:avLst/>
+          </a:prstGeom>
+          <a:noFill/>
+          <a:ln>
+            <a:noFill/>
+          </a:ln>
+          <a:effectLst/>
+          <a:extLst>
+            <a:ext uri="{909E8E84-426E-40DD-AFC4-6F175D3DCCD1}">
+              <a14:hiddenFill xmlns:a14="http://schemas.microsoft.com/office/drawing/2010/main">
+                <a:solidFill>
+                  <a:schemeClr val="accent1"/>
+                </a:solidFill>
+              </a14:hiddenFill>
+            </a:ext>
+            <a:ext uri="{91240B29-F687-4F45-9708-019B960494DF}">
+              <a14:hiddenLine xmlns:a14="http://schemas.microsoft.com/office/drawing/2010/main" w="9525">
+                <a:solidFill>
+                  <a:schemeClr val="tx1"/>
+                </a:solidFill>
+                <a:miter lim="800000"/>
+                <a:headEnd/>
+                <a:tailEnd/>
+              </a14:hiddenLine>
+            </a:ext>
+            <a:ext uri="{AF507438-7753-43E0-B8FC-AC1667EBCBE1}">
+              <a14:hiddenEffects xmlns:a14="http://schemas.microsoft.com/office/drawing/2010/main">
+                <a:effectLst>
+                  <a:outerShdw dist="35921" dir="2700000" algn="ctr" rotWithShape="0">
+                    <a:schemeClr val="bg2"/>
+                  </a:outerShdw>
+                </a:effectLst>
+              </a14:hiddenEffects>
+            </a:ext>
+          </a:extLst>
+        </p:spPr>
+      </p:pic>
+      <p:pic>
+        <p:nvPicPr>
+          <p:cNvPr id="3074" name="Picture 2"/>
+          <p:cNvPicPr>
+            <a:picLocks noChangeAspect="1" noChangeArrowheads="1"/>
+          </p:cNvPicPr>
+          <p:nvPr/>
+        </p:nvPicPr>
+        <p:blipFill>
+          <a:blip r:embed="rId4">
+            <a:extLst>
+              <a:ext uri="{28A0092B-C50C-407E-A947-70E740481C1C}">
+                <a14:useLocalDpi xmlns:a14="http://schemas.microsoft.com/office/drawing/2010/main" val="0"/>
+              </a:ext>
+            </a:extLst>
+          </a:blip>
+          <a:srcRect/>
+          <a:stretch>
+            <a:fillRect/>
+          </a:stretch>
+        </p:blipFill>
+        <p:spPr bwMode="auto">
+          <a:xfrm>
+            <a:off x="581024" y="1114425"/>
+            <a:ext cx="6581775" cy="5060516"/>
+          </a:xfrm>
+          <a:prstGeom prst="rect">
+            <a:avLst/>
+          </a:prstGeom>
+          <a:noFill/>
+          <a:ln>
+            <a:noFill/>
+          </a:ln>
+          <a:extLst>
+            <a:ext uri="{909E8E84-426E-40DD-AFC4-6F175D3DCCD1}">
+              <a14:hiddenFill xmlns:a14="http://schemas.microsoft.com/office/drawing/2010/main">
+                <a:solidFill>
+                  <a:schemeClr val="accent1"/>
+                </a:solidFill>
+              </a14:hiddenFill>
+            </a:ext>
+            <a:ext uri="{91240B29-F687-4F45-9708-019B960494DF}">
+              <a14:hiddenLine xmlns:a14="http://schemas.microsoft.com/office/drawing/2010/main" w="9525">
+                <a:solidFill>
+                  <a:schemeClr val="tx1"/>
+                </a:solidFill>
+                <a:miter lim="800000"/>
+                <a:headEnd/>
+                <a:tailEnd/>
+              </a14:hiddenLine>
+            </a:ext>
+          </a:extLst>
+        </p:spPr>
+      </p:pic>
     </p:spTree>
     <p:extLst>
       <p:ext uri="{BB962C8B-B14F-4D97-AF65-F5344CB8AC3E}">
-        <p14:creationId xmlns:p14="http://schemas.microsoft.com/office/powerpoint/2010/main" val="639809334"/>
+        <p14:creationId xmlns:p14="http://schemas.microsoft.com/office/powerpoint/2010/main" val="2083983636"/>
       </p:ext>
     </p:extLst>
   </p:cSld>
   <p:clrMapOvr>
     <a:masterClrMapping/>
   </p:clrMapOvr>
+  <mc:AlternateContent xmlns:mc="http://schemas.openxmlformats.org/markup-compatibility/2006" xmlns:p14="http://schemas.microsoft.com/office/powerpoint/2010/main">
+    <mc:Choice Requires="p14">
+      <p:transition spd="med" p14:dur="700">
+        <p:fade/>
+      </p:transition>
+    </mc:Choice>
+    <mc:Fallback xmlns="">
+      <p:transition spd="med">
+        <p:fade/>
+      </p:transition>
+    </mc:Fallback>
+  </mc:AlternateContent>
   <p:timing>
     <p:tnLst>
       <p:par>

--- a/Presentation/Asynchronous Android.pptx
+++ b/Presentation/Asynchronous Android.pptx
@@ -240,7 +240,7 @@
           <a:p>
             <a:fld id="{51D56726-C2D0-DD49-9123-7D45E59E6C01}" type="datetimeFigureOut">
               <a:rPr lang="en-US" smtClean="0"/>
-              <a:t>4/5/2014</a:t>
+              <a:t>4/7/2014</a:t>
             </a:fld>
             <a:endParaRPr lang="en-US" dirty="0"/>
           </a:p>
@@ -406,7 +406,7 @@
             <a:fld id="{4FA6C106-1CF6-45FA-B4BD-9734DCB2F64C}" type="datetimeFigureOut">
               <a:rPr lang="en-US" smtClean="0"/>
               <a:pPr/>
-              <a:t>4/5/2014</a:t>
+              <a:t>4/7/2014</a:t>
             </a:fld>
             <a:endParaRPr lang="en-US" dirty="0"/>
           </a:p>
@@ -10636,9 +10636,77 @@
           </a:extLst>
         </p:spPr>
       </p:pic>
+      <p:sp>
+        <p:nvSpPr>
+          <p:cNvPr id="3" name="TextBox 2"/>
+          <p:cNvSpPr txBox="1"/>
+          <p:nvPr/>
+        </p:nvSpPr>
+        <p:spPr>
+          <a:xfrm>
+            <a:off x="233761" y="5743575"/>
+            <a:ext cx="8676478" cy="344710"/>
+          </a:xfrm>
+          <a:prstGeom prst="rect">
+            <a:avLst/>
+          </a:prstGeom>
+        </p:spPr>
+        <p:style>
+          <a:lnRef idx="2">
+            <a:schemeClr val="accent4"/>
+          </a:lnRef>
+          <a:fillRef idx="1">
+            <a:schemeClr val="lt1"/>
+          </a:fillRef>
+          <a:effectRef idx="0">
+            <a:schemeClr val="accent4"/>
+          </a:effectRef>
+          <a:fontRef idx="minor">
+            <a:schemeClr val="dk1"/>
+          </a:fontRef>
+        </p:style>
+        <p:txBody>
+          <a:bodyPr wrap="none" rtlCol="0">
+            <a:spAutoFit/>
+          </a:bodyPr>
+          <a:lstStyle/>
+          <a:p>
+            <a:pPr>
+              <a:lnSpc>
+                <a:spcPct val="80000"/>
+              </a:lnSpc>
+              <a:spcBef>
+                <a:spcPct val="20000"/>
+              </a:spcBef>
+              <a:buClr>
+                <a:schemeClr val="accent4"/>
+              </a:buClr>
+            </a:pPr>
+            <a:r>
+              <a:rPr lang="en-US" sz="2000" dirty="0">
+                <a:solidFill>
+                  <a:schemeClr val="tx1">
+                    <a:lumMod val="85000"/>
+                    <a:lumOff val="15000"/>
+                  </a:schemeClr>
+                </a:solidFill>
+              </a:rPr>
+              <a:t>http://www.cs.umd.edu/~pugh/java/memoryModel/DoubleCheckedLocking.html</a:t>
+            </a:r>
+            <a:endParaRPr lang="en-US" sz="2000" dirty="0" smtClean="0">
+              <a:solidFill>
+                <a:schemeClr val="tx1">
+                  <a:lumMod val="85000"/>
+                  <a:lumOff val="15000"/>
+                </a:schemeClr>
+              </a:solidFill>
+            </a:endParaRPr>
+          </a:p>
+        </p:txBody>
+      </p:sp>
       <p:pic>
         <p:nvPicPr>
-          <p:cNvPr id="1026" name="Picture 2"/>
+          <p:cNvPr id="5" name="Picture 3"/>
           <p:cNvPicPr>
             <a:picLocks noChangeAspect="1" noChangeArrowheads="1"/>
           </p:cNvPicPr>
@@ -10659,8 +10727,8 @@
         </p:blipFill>
         <p:spPr bwMode="auto">
           <a:xfrm>
-            <a:off x="938213" y="1643063"/>
-            <a:ext cx="7267575" cy="3571875"/>
+            <a:off x="542925" y="1628775"/>
+            <a:ext cx="8058150" cy="3600450"/>
           </a:xfrm>
           <a:prstGeom prst="rect">
             <a:avLst/>
@@ -10690,74 +10758,6 @@
           </a:extLst>
         </p:spPr>
       </p:pic>
-      <p:sp>
-        <p:nvSpPr>
-          <p:cNvPr id="3" name="TextBox 2"/>
-          <p:cNvSpPr txBox="1"/>
-          <p:nvPr/>
-        </p:nvSpPr>
-        <p:spPr>
-          <a:xfrm>
-            <a:off x="233761" y="5743575"/>
-            <a:ext cx="8676478" cy="344710"/>
-          </a:xfrm>
-          <a:prstGeom prst="rect">
-            <a:avLst/>
-          </a:prstGeom>
-        </p:spPr>
-        <p:style>
-          <a:lnRef idx="2">
-            <a:schemeClr val="accent4"/>
-          </a:lnRef>
-          <a:fillRef idx="1">
-            <a:schemeClr val="lt1"/>
-          </a:fillRef>
-          <a:effectRef idx="0">
-            <a:schemeClr val="accent4"/>
-          </a:effectRef>
-          <a:fontRef idx="minor">
-            <a:schemeClr val="dk1"/>
-          </a:fontRef>
-        </p:style>
-        <p:txBody>
-          <a:bodyPr wrap="none" rtlCol="0">
-            <a:spAutoFit/>
-          </a:bodyPr>
-          <a:lstStyle/>
-          <a:p>
-            <a:pPr>
-              <a:lnSpc>
-                <a:spcPct val="80000"/>
-              </a:lnSpc>
-              <a:spcBef>
-                <a:spcPct val="20000"/>
-              </a:spcBef>
-              <a:buClr>
-                <a:schemeClr val="accent4"/>
-              </a:buClr>
-            </a:pPr>
-            <a:r>
-              <a:rPr lang="en-US" sz="2000" dirty="0">
-                <a:solidFill>
-                  <a:schemeClr val="tx1">
-                    <a:lumMod val="85000"/>
-                    <a:lumOff val="15000"/>
-                  </a:schemeClr>
-                </a:solidFill>
-              </a:rPr>
-              <a:t>http://www.cs.umd.edu/~pugh/java/memoryModel/DoubleCheckedLocking.html</a:t>
-            </a:r>
-            <a:endParaRPr lang="en-US" sz="2000" dirty="0" smtClean="0">
-              <a:solidFill>
-                <a:schemeClr val="tx1">
-                  <a:lumMod val="85000"/>
-                  <a:lumOff val="15000"/>
-                </a:schemeClr>
-              </a:solidFill>
-            </a:endParaRPr>
-          </a:p>
-        </p:txBody>
-      </p:sp>
     </p:spTree>
     <p:extLst>
       <p:ext uri="{BB962C8B-B14F-4D97-AF65-F5344CB8AC3E}">
@@ -11093,7 +11093,6 @@
               <a:rPr lang="en-US" dirty="0" smtClean="0"/>
               <a:t>Demo</a:t>
             </a:r>
-            <a:endParaRPr lang="en-US" dirty="0" smtClean="0"/>
           </a:p>
           <a:p>
             <a:pPr lvl="1"/>
@@ -11101,7 +11100,6 @@
               <a:rPr lang="en-US" dirty="0" smtClean="0"/>
               <a:t>Exchanger – Fill /drain</a:t>
             </a:r>
-            <a:endParaRPr lang="en-US" dirty="0" smtClean="0"/>
           </a:p>
           <a:p>
             <a:r>
@@ -11138,11 +11136,7 @@
             </a:r>
             <a:r>
               <a:rPr lang="en-US" dirty="0" smtClean="0"/>
-              <a:t>, implementing work stealing algorithm</a:t>
-            </a:r>
-            <a:r>
-              <a:rPr lang="en-US" dirty="0" smtClean="0"/>
-              <a:t>.</a:t>
+              <a:t>, implementing work stealing algorithm.</a:t>
             </a:r>
           </a:p>
         </p:txBody>
